--- a/Vulnerabilities/ActivityIntro/ActivityIntro.pptx
+++ b/Vulnerabilities/ActivityIntro/ActivityIntro.pptx
@@ -13,6 +13,8 @@
     <p:sldId id="260" r:id="rId8"/>
     <p:sldId id="261" r:id="rId9"/>
     <p:sldId id="262" r:id="rId10"/>
+    <p:sldId id="263" r:id="rId11"/>
+    <p:sldId id="264" r:id="rId12"/>
   </p:sldIdLst>
   <p:sldSz cx="12192000" cy="6858000"/>
   <p:notesSz cx="7772400" cy="10058400"/>
@@ -60,7 +62,7 @@
       </p:grpSpPr>
       <p:sp>
         <p:nvSpPr>
-          <p:cNvPr id="26" name="PlaceHolder 1"/>
+          <p:cNvPr id="23" name="PlaceHolder 1"/>
           <p:cNvSpPr>
             <a:spLocks noGrp="1"/>
           </p:cNvSpPr>
@@ -70,8 +72,8 @@
         </p:nvSpPr>
         <p:spPr>
           <a:xfrm>
-            <a:off x="838080" y="365040"/>
-            <a:ext cx="10515240" cy="1325160"/>
+            <a:off x="609480" y="273600"/>
+            <a:ext cx="10972440" cy="1144800"/>
           </a:xfrm>
           <a:prstGeom prst="rect">
             <a:avLst/>
@@ -80,23 +82,24 @@
         <p:txBody>
           <a:bodyPr lIns="0" rIns="0" tIns="0" bIns="0" anchor="ctr"/>
           <a:p>
-            <a:endParaRPr b="0" lang="en-US" sz="1800" spc="-1" strike="noStrike">
-              <a:solidFill>
-                <a:srgbClr val="000000"/>
-              </a:solidFill>
-              <a:uFill>
-                <a:solidFill>
-                  <a:srgbClr val="ffffff"/>
-                </a:solidFill>
-              </a:uFill>
-              <a:latin typeface="Calibri"/>
-            </a:endParaRPr>
-          </a:p>
-        </p:txBody>
-      </p:sp>
-      <p:sp>
-        <p:nvSpPr>
-          <p:cNvPr id="27" name="PlaceHolder 2"/>
+            <a:pPr algn="ctr"/>
+            <a:endParaRPr b="0" lang="en-US" sz="4400" spc="-1" strike="noStrike">
+              <a:solidFill>
+                <a:srgbClr val="000000"/>
+              </a:solidFill>
+              <a:uFill>
+                <a:solidFill>
+                  <a:srgbClr val="ffffff"/>
+                </a:solidFill>
+              </a:uFill>
+              <a:latin typeface="Arial"/>
+            </a:endParaRPr>
+          </a:p>
+        </p:txBody>
+      </p:sp>
+      <p:sp>
+        <p:nvSpPr>
+          <p:cNvPr id="24" name="PlaceHolder 2"/>
           <p:cNvSpPr>
             <a:spLocks noGrp="1"/>
           </p:cNvSpPr>
@@ -106,8 +109,8 @@
         </p:nvSpPr>
         <p:spPr>
           <a:xfrm>
-            <a:off x="838080" y="1825560"/>
-            <a:ext cx="10515240" cy="2318760"/>
+            <a:off x="609480" y="1604520"/>
+            <a:ext cx="10972440" cy="1896840"/>
           </a:xfrm>
           <a:prstGeom prst="rect">
             <a:avLst/>
@@ -116,23 +119,23 @@
         <p:txBody>
           <a:bodyPr lIns="0" rIns="0" tIns="0" bIns="0"/>
           <a:p>
-            <a:endParaRPr b="0" lang="en-US" sz="2800" spc="-1" strike="noStrike">
-              <a:solidFill>
-                <a:srgbClr val="000000"/>
-              </a:solidFill>
-              <a:uFill>
-                <a:solidFill>
-                  <a:srgbClr val="ffffff"/>
-                </a:solidFill>
-              </a:uFill>
-              <a:latin typeface="Calibri"/>
-            </a:endParaRPr>
-          </a:p>
-        </p:txBody>
-      </p:sp>
-      <p:sp>
-        <p:nvSpPr>
-          <p:cNvPr id="28" name="PlaceHolder 3"/>
+            <a:endParaRPr b="0" lang="en-US" sz="3200" spc="-1" strike="noStrike">
+              <a:solidFill>
+                <a:srgbClr val="000000"/>
+              </a:solidFill>
+              <a:uFill>
+                <a:solidFill>
+                  <a:srgbClr val="ffffff"/>
+                </a:solidFill>
+              </a:uFill>
+              <a:latin typeface="Arial"/>
+            </a:endParaRPr>
+          </a:p>
+        </p:txBody>
+      </p:sp>
+      <p:sp>
+        <p:nvSpPr>
+          <p:cNvPr id="25" name="PlaceHolder 3"/>
           <p:cNvSpPr>
             <a:spLocks noGrp="1"/>
           </p:cNvSpPr>
@@ -142,8 +145,8 @@
         </p:nvSpPr>
         <p:spPr>
           <a:xfrm>
-            <a:off x="838080" y="4365000"/>
-            <a:ext cx="10515240" cy="2318760"/>
+            <a:off x="609480" y="3682080"/>
+            <a:ext cx="10972440" cy="1896840"/>
           </a:xfrm>
           <a:prstGeom prst="rect">
             <a:avLst/>
@@ -152,16 +155,16 @@
         <p:txBody>
           <a:bodyPr lIns="0" rIns="0" tIns="0" bIns="0"/>
           <a:p>
-            <a:endParaRPr b="0" lang="en-US" sz="2800" spc="-1" strike="noStrike">
-              <a:solidFill>
-                <a:srgbClr val="000000"/>
-              </a:solidFill>
-              <a:uFill>
-                <a:solidFill>
-                  <a:srgbClr val="ffffff"/>
-                </a:solidFill>
-              </a:uFill>
-              <a:latin typeface="Calibri"/>
+            <a:endParaRPr b="0" lang="en-US" sz="3200" spc="-1" strike="noStrike">
+              <a:solidFill>
+                <a:srgbClr val="000000"/>
+              </a:solidFill>
+              <a:uFill>
+                <a:solidFill>
+                  <a:srgbClr val="ffffff"/>
+                </a:solidFill>
+              </a:uFill>
+              <a:latin typeface="Arial"/>
             </a:endParaRPr>
           </a:p>
         </p:txBody>
@@ -190,7 +193,7 @@
       </p:grpSpPr>
       <p:sp>
         <p:nvSpPr>
-          <p:cNvPr id="29" name="PlaceHolder 1"/>
+          <p:cNvPr id="26" name="PlaceHolder 1"/>
           <p:cNvSpPr>
             <a:spLocks noGrp="1"/>
           </p:cNvSpPr>
@@ -200,8 +203,8 @@
         </p:nvSpPr>
         <p:spPr>
           <a:xfrm>
-            <a:off x="838080" y="365040"/>
-            <a:ext cx="10515240" cy="1325160"/>
+            <a:off x="609480" y="273600"/>
+            <a:ext cx="10972440" cy="1144800"/>
           </a:xfrm>
           <a:prstGeom prst="rect">
             <a:avLst/>
@@ -210,23 +213,24 @@
         <p:txBody>
           <a:bodyPr lIns="0" rIns="0" tIns="0" bIns="0" anchor="ctr"/>
           <a:p>
-            <a:endParaRPr b="0" lang="en-US" sz="1800" spc="-1" strike="noStrike">
-              <a:solidFill>
-                <a:srgbClr val="000000"/>
-              </a:solidFill>
-              <a:uFill>
-                <a:solidFill>
-                  <a:srgbClr val="ffffff"/>
-                </a:solidFill>
-              </a:uFill>
-              <a:latin typeface="Calibri"/>
-            </a:endParaRPr>
-          </a:p>
-        </p:txBody>
-      </p:sp>
-      <p:sp>
-        <p:nvSpPr>
-          <p:cNvPr id="30" name="PlaceHolder 2"/>
+            <a:pPr algn="ctr"/>
+            <a:endParaRPr b="0" lang="en-US" sz="4400" spc="-1" strike="noStrike">
+              <a:solidFill>
+                <a:srgbClr val="000000"/>
+              </a:solidFill>
+              <a:uFill>
+                <a:solidFill>
+                  <a:srgbClr val="ffffff"/>
+                </a:solidFill>
+              </a:uFill>
+              <a:latin typeface="Arial"/>
+            </a:endParaRPr>
+          </a:p>
+        </p:txBody>
+      </p:sp>
+      <p:sp>
+        <p:nvSpPr>
+          <p:cNvPr id="27" name="PlaceHolder 2"/>
           <p:cNvSpPr>
             <a:spLocks noGrp="1"/>
           </p:cNvSpPr>
@@ -236,8 +240,8 @@
         </p:nvSpPr>
         <p:spPr>
           <a:xfrm>
-            <a:off x="838080" y="1825560"/>
-            <a:ext cx="5131080" cy="2318760"/>
+            <a:off x="609480" y="1604520"/>
+            <a:ext cx="5354280" cy="1896840"/>
           </a:xfrm>
           <a:prstGeom prst="rect">
             <a:avLst/>
@@ -246,23 +250,23 @@
         <p:txBody>
           <a:bodyPr lIns="0" rIns="0" tIns="0" bIns="0"/>
           <a:p>
-            <a:endParaRPr b="0" lang="en-US" sz="2800" spc="-1" strike="noStrike">
-              <a:solidFill>
-                <a:srgbClr val="000000"/>
-              </a:solidFill>
-              <a:uFill>
-                <a:solidFill>
-                  <a:srgbClr val="ffffff"/>
-                </a:solidFill>
-              </a:uFill>
-              <a:latin typeface="Calibri"/>
-            </a:endParaRPr>
-          </a:p>
-        </p:txBody>
-      </p:sp>
-      <p:sp>
-        <p:nvSpPr>
-          <p:cNvPr id="31" name="PlaceHolder 3"/>
+            <a:endParaRPr b="0" lang="en-US" sz="3200" spc="-1" strike="noStrike">
+              <a:solidFill>
+                <a:srgbClr val="000000"/>
+              </a:solidFill>
+              <a:uFill>
+                <a:solidFill>
+                  <a:srgbClr val="ffffff"/>
+                </a:solidFill>
+              </a:uFill>
+              <a:latin typeface="Arial"/>
+            </a:endParaRPr>
+          </a:p>
+        </p:txBody>
+      </p:sp>
+      <p:sp>
+        <p:nvSpPr>
+          <p:cNvPr id="28" name="PlaceHolder 3"/>
           <p:cNvSpPr>
             <a:spLocks noGrp="1"/>
           </p:cNvSpPr>
@@ -272,8 +276,8 @@
         </p:nvSpPr>
         <p:spPr>
           <a:xfrm>
-            <a:off x="6226200" y="1825560"/>
-            <a:ext cx="5131080" cy="2318760"/>
+            <a:off x="6231960" y="1604520"/>
+            <a:ext cx="5354280" cy="1896840"/>
           </a:xfrm>
           <a:prstGeom prst="rect">
             <a:avLst/>
@@ -282,23 +286,23 @@
         <p:txBody>
           <a:bodyPr lIns="0" rIns="0" tIns="0" bIns="0"/>
           <a:p>
-            <a:endParaRPr b="0" lang="en-US" sz="2800" spc="-1" strike="noStrike">
-              <a:solidFill>
-                <a:srgbClr val="000000"/>
-              </a:solidFill>
-              <a:uFill>
-                <a:solidFill>
-                  <a:srgbClr val="ffffff"/>
-                </a:solidFill>
-              </a:uFill>
-              <a:latin typeface="Calibri"/>
-            </a:endParaRPr>
-          </a:p>
-        </p:txBody>
-      </p:sp>
-      <p:sp>
-        <p:nvSpPr>
-          <p:cNvPr id="32" name="PlaceHolder 4"/>
+            <a:endParaRPr b="0" lang="en-US" sz="3200" spc="-1" strike="noStrike">
+              <a:solidFill>
+                <a:srgbClr val="000000"/>
+              </a:solidFill>
+              <a:uFill>
+                <a:solidFill>
+                  <a:srgbClr val="ffffff"/>
+                </a:solidFill>
+              </a:uFill>
+              <a:latin typeface="Arial"/>
+            </a:endParaRPr>
+          </a:p>
+        </p:txBody>
+      </p:sp>
+      <p:sp>
+        <p:nvSpPr>
+          <p:cNvPr id="29" name="PlaceHolder 4"/>
           <p:cNvSpPr>
             <a:spLocks noGrp="1"/>
           </p:cNvSpPr>
@@ -308,8 +312,8 @@
         </p:nvSpPr>
         <p:spPr>
           <a:xfrm>
-            <a:off x="6226200" y="4365000"/>
-            <a:ext cx="5131080" cy="2318760"/>
+            <a:off x="6231960" y="3682080"/>
+            <a:ext cx="5354280" cy="1896840"/>
           </a:xfrm>
           <a:prstGeom prst="rect">
             <a:avLst/>
@@ -318,23 +322,23 @@
         <p:txBody>
           <a:bodyPr lIns="0" rIns="0" tIns="0" bIns="0"/>
           <a:p>
-            <a:endParaRPr b="0" lang="en-US" sz="2800" spc="-1" strike="noStrike">
-              <a:solidFill>
-                <a:srgbClr val="000000"/>
-              </a:solidFill>
-              <a:uFill>
-                <a:solidFill>
-                  <a:srgbClr val="ffffff"/>
-                </a:solidFill>
-              </a:uFill>
-              <a:latin typeface="Calibri"/>
-            </a:endParaRPr>
-          </a:p>
-        </p:txBody>
-      </p:sp>
-      <p:sp>
-        <p:nvSpPr>
-          <p:cNvPr id="33" name="PlaceHolder 5"/>
+            <a:endParaRPr b="0" lang="en-US" sz="3200" spc="-1" strike="noStrike">
+              <a:solidFill>
+                <a:srgbClr val="000000"/>
+              </a:solidFill>
+              <a:uFill>
+                <a:solidFill>
+                  <a:srgbClr val="ffffff"/>
+                </a:solidFill>
+              </a:uFill>
+              <a:latin typeface="Arial"/>
+            </a:endParaRPr>
+          </a:p>
+        </p:txBody>
+      </p:sp>
+      <p:sp>
+        <p:nvSpPr>
+          <p:cNvPr id="30" name="PlaceHolder 5"/>
           <p:cNvSpPr>
             <a:spLocks noGrp="1"/>
           </p:cNvSpPr>
@@ -344,8 +348,8 @@
         </p:nvSpPr>
         <p:spPr>
           <a:xfrm>
-            <a:off x="838080" y="4365000"/>
-            <a:ext cx="5131080" cy="2318760"/>
+            <a:off x="609480" y="3682080"/>
+            <a:ext cx="5354280" cy="1896840"/>
           </a:xfrm>
           <a:prstGeom prst="rect">
             <a:avLst/>
@@ -354,16 +358,16 @@
         <p:txBody>
           <a:bodyPr lIns="0" rIns="0" tIns="0" bIns="0"/>
           <a:p>
-            <a:endParaRPr b="0" lang="en-US" sz="2800" spc="-1" strike="noStrike">
-              <a:solidFill>
-                <a:srgbClr val="000000"/>
-              </a:solidFill>
-              <a:uFill>
-                <a:solidFill>
-                  <a:srgbClr val="ffffff"/>
-                </a:solidFill>
-              </a:uFill>
-              <a:latin typeface="Calibri"/>
+            <a:endParaRPr b="0" lang="en-US" sz="3200" spc="-1" strike="noStrike">
+              <a:solidFill>
+                <a:srgbClr val="000000"/>
+              </a:solidFill>
+              <a:uFill>
+                <a:solidFill>
+                  <a:srgbClr val="ffffff"/>
+                </a:solidFill>
+              </a:uFill>
+              <a:latin typeface="Arial"/>
             </a:endParaRPr>
           </a:p>
         </p:txBody>
@@ -392,7 +396,7 @@
       </p:grpSpPr>
       <p:sp>
         <p:nvSpPr>
-          <p:cNvPr id="34" name="PlaceHolder 1"/>
+          <p:cNvPr id="31" name="PlaceHolder 1"/>
           <p:cNvSpPr>
             <a:spLocks noGrp="1"/>
           </p:cNvSpPr>
@@ -402,8 +406,8 @@
         </p:nvSpPr>
         <p:spPr>
           <a:xfrm>
-            <a:off x="838080" y="365040"/>
-            <a:ext cx="10515240" cy="1325160"/>
+            <a:off x="609480" y="273600"/>
+            <a:ext cx="10972440" cy="1144800"/>
           </a:xfrm>
           <a:prstGeom prst="rect">
             <a:avLst/>
@@ -412,23 +416,24 @@
         <p:txBody>
           <a:bodyPr lIns="0" rIns="0" tIns="0" bIns="0" anchor="ctr"/>
           <a:p>
-            <a:endParaRPr b="0" lang="en-US" sz="1800" spc="-1" strike="noStrike">
-              <a:solidFill>
-                <a:srgbClr val="000000"/>
-              </a:solidFill>
-              <a:uFill>
-                <a:solidFill>
-                  <a:srgbClr val="ffffff"/>
-                </a:solidFill>
-              </a:uFill>
-              <a:latin typeface="Calibri"/>
-            </a:endParaRPr>
-          </a:p>
-        </p:txBody>
-      </p:sp>
-      <p:sp>
-        <p:nvSpPr>
-          <p:cNvPr id="35" name="PlaceHolder 2"/>
+            <a:pPr algn="ctr"/>
+            <a:endParaRPr b="0" lang="en-US" sz="4400" spc="-1" strike="noStrike">
+              <a:solidFill>
+                <a:srgbClr val="000000"/>
+              </a:solidFill>
+              <a:uFill>
+                <a:solidFill>
+                  <a:srgbClr val="ffffff"/>
+                </a:solidFill>
+              </a:uFill>
+              <a:latin typeface="Arial"/>
+            </a:endParaRPr>
+          </a:p>
+        </p:txBody>
+      </p:sp>
+      <p:sp>
+        <p:nvSpPr>
+          <p:cNvPr id="32" name="PlaceHolder 2"/>
           <p:cNvSpPr>
             <a:spLocks noGrp="1"/>
           </p:cNvSpPr>
@@ -438,8 +443,8 @@
         </p:nvSpPr>
         <p:spPr>
           <a:xfrm>
-            <a:off x="838080" y="1825560"/>
-            <a:ext cx="10515240" cy="4861440"/>
+            <a:off x="609480" y="1604520"/>
+            <a:ext cx="10972440" cy="3977280"/>
           </a:xfrm>
           <a:prstGeom prst="rect">
             <a:avLst/>
@@ -448,23 +453,23 @@
         <p:txBody>
           <a:bodyPr lIns="0" rIns="0" tIns="0" bIns="0"/>
           <a:p>
-            <a:endParaRPr b="0" lang="en-US" sz="2800" spc="-1" strike="noStrike">
-              <a:solidFill>
-                <a:srgbClr val="000000"/>
-              </a:solidFill>
-              <a:uFill>
-                <a:solidFill>
-                  <a:srgbClr val="ffffff"/>
-                </a:solidFill>
-              </a:uFill>
-              <a:latin typeface="Calibri"/>
-            </a:endParaRPr>
-          </a:p>
-        </p:txBody>
-      </p:sp>
-      <p:sp>
-        <p:nvSpPr>
-          <p:cNvPr id="36" name="PlaceHolder 3"/>
+            <a:endParaRPr b="0" lang="en-US" sz="3200" spc="-1" strike="noStrike">
+              <a:solidFill>
+                <a:srgbClr val="000000"/>
+              </a:solidFill>
+              <a:uFill>
+                <a:solidFill>
+                  <a:srgbClr val="ffffff"/>
+                </a:solidFill>
+              </a:uFill>
+              <a:latin typeface="Arial"/>
+            </a:endParaRPr>
+          </a:p>
+        </p:txBody>
+      </p:sp>
+      <p:sp>
+        <p:nvSpPr>
+          <p:cNvPr id="33" name="PlaceHolder 3"/>
           <p:cNvSpPr>
             <a:spLocks noGrp="1"/>
           </p:cNvSpPr>
@@ -474,8 +479,8 @@
         </p:nvSpPr>
         <p:spPr>
           <a:xfrm>
-            <a:off x="838080" y="1825560"/>
-            <a:ext cx="10515240" cy="4861440"/>
+            <a:off x="609480" y="1604520"/>
+            <a:ext cx="10972440" cy="3977280"/>
           </a:xfrm>
           <a:prstGeom prst="rect">
             <a:avLst/>
@@ -484,23 +489,23 @@
         <p:txBody>
           <a:bodyPr lIns="0" rIns="0" tIns="0" bIns="0"/>
           <a:p>
-            <a:endParaRPr b="0" lang="en-US" sz="2800" spc="-1" strike="noStrike">
-              <a:solidFill>
-                <a:srgbClr val="000000"/>
-              </a:solidFill>
-              <a:uFill>
-                <a:solidFill>
-                  <a:srgbClr val="ffffff"/>
-                </a:solidFill>
-              </a:uFill>
-              <a:latin typeface="Calibri"/>
+            <a:endParaRPr b="0" lang="en-US" sz="3200" spc="-1" strike="noStrike">
+              <a:solidFill>
+                <a:srgbClr val="000000"/>
+              </a:solidFill>
+              <a:uFill>
+                <a:solidFill>
+                  <a:srgbClr val="ffffff"/>
+                </a:solidFill>
+              </a:uFill>
+              <a:latin typeface="Arial"/>
             </a:endParaRPr>
           </a:p>
         </p:txBody>
       </p:sp>
       <p:pic>
         <p:nvPicPr>
-          <p:cNvPr id="37" name="" descr=""/>
+          <p:cNvPr id="34" name="" descr=""/>
           <p:cNvPicPr/>
           <p:nvPr/>
         </p:nvPicPr>
@@ -510,8 +515,8 @@
         </p:blipFill>
         <p:spPr>
           <a:xfrm>
-            <a:off x="3048840" y="1825560"/>
-            <a:ext cx="6093000" cy="4861440"/>
+            <a:off x="3602880" y="1604520"/>
+            <a:ext cx="4984920" cy="3977280"/>
           </a:xfrm>
           <a:prstGeom prst="rect">
             <a:avLst/>
@@ -523,7 +528,7 @@
       </p:pic>
       <p:pic>
         <p:nvPicPr>
-          <p:cNvPr id="38" name="" descr=""/>
+          <p:cNvPr id="35" name="" descr=""/>
           <p:cNvPicPr/>
           <p:nvPr/>
         </p:nvPicPr>
@@ -533,8 +538,8 @@
         </p:blipFill>
         <p:spPr>
           <a:xfrm>
-            <a:off x="3048840" y="1825560"/>
-            <a:ext cx="6093000" cy="4861440"/>
+            <a:off x="3602880" y="1604520"/>
+            <a:ext cx="4984920" cy="3977280"/>
           </a:xfrm>
           <a:prstGeom prst="rect">
             <a:avLst/>
@@ -590,7 +595,7 @@
       </p:grpSpPr>
       <p:sp>
         <p:nvSpPr>
-          <p:cNvPr id="44" name="PlaceHolder 1"/>
+          <p:cNvPr id="41" name="PlaceHolder 1"/>
           <p:cNvSpPr>
             <a:spLocks noGrp="1"/>
           </p:cNvSpPr>
@@ -600,8 +605,8 @@
         </p:nvSpPr>
         <p:spPr>
           <a:xfrm>
-            <a:off x="838080" y="365040"/>
-            <a:ext cx="10515240" cy="1325160"/>
+            <a:off x="609480" y="273600"/>
+            <a:ext cx="10972440" cy="1144800"/>
           </a:xfrm>
           <a:prstGeom prst="rect">
             <a:avLst/>
@@ -610,23 +615,24 @@
         <p:txBody>
           <a:bodyPr lIns="0" rIns="0" tIns="0" bIns="0" anchor="ctr"/>
           <a:p>
-            <a:endParaRPr b="0" lang="en-US" sz="1800" spc="-1" strike="noStrike">
-              <a:solidFill>
-                <a:srgbClr val="000000"/>
-              </a:solidFill>
-              <a:uFill>
-                <a:solidFill>
-                  <a:srgbClr val="ffffff"/>
-                </a:solidFill>
-              </a:uFill>
-              <a:latin typeface="Calibri"/>
-            </a:endParaRPr>
-          </a:p>
-        </p:txBody>
-      </p:sp>
-      <p:sp>
-        <p:nvSpPr>
-          <p:cNvPr id="45" name="PlaceHolder 2"/>
+            <a:pPr algn="ctr"/>
+            <a:endParaRPr b="0" lang="en-US" sz="4400" spc="-1" strike="noStrike">
+              <a:solidFill>
+                <a:srgbClr val="000000"/>
+              </a:solidFill>
+              <a:uFill>
+                <a:solidFill>
+                  <a:srgbClr val="ffffff"/>
+                </a:solidFill>
+              </a:uFill>
+              <a:latin typeface="Arial"/>
+            </a:endParaRPr>
+          </a:p>
+        </p:txBody>
+      </p:sp>
+      <p:sp>
+        <p:nvSpPr>
+          <p:cNvPr id="42" name="PlaceHolder 2"/>
           <p:cNvSpPr>
             <a:spLocks noGrp="1"/>
           </p:cNvSpPr>
@@ -636,8 +642,8 @@
         </p:nvSpPr>
         <p:spPr>
           <a:xfrm>
-            <a:off x="838080" y="1825560"/>
-            <a:ext cx="10515240" cy="4861440"/>
+            <a:off x="609480" y="1604520"/>
+            <a:ext cx="10972440" cy="3977280"/>
           </a:xfrm>
           <a:prstGeom prst="rect">
             <a:avLst/>
@@ -685,7 +691,7 @@
       </p:grpSpPr>
       <p:sp>
         <p:nvSpPr>
-          <p:cNvPr id="46" name="PlaceHolder 1"/>
+          <p:cNvPr id="43" name="PlaceHolder 1"/>
           <p:cNvSpPr>
             <a:spLocks noGrp="1"/>
           </p:cNvSpPr>
@@ -695,8 +701,8 @@
         </p:nvSpPr>
         <p:spPr>
           <a:xfrm>
-            <a:off x="838080" y="365040"/>
-            <a:ext cx="10515240" cy="1325160"/>
+            <a:off x="609480" y="273600"/>
+            <a:ext cx="10972440" cy="1144800"/>
           </a:xfrm>
           <a:prstGeom prst="rect">
             <a:avLst/>
@@ -705,23 +711,24 @@
         <p:txBody>
           <a:bodyPr lIns="0" rIns="0" tIns="0" bIns="0" anchor="ctr"/>
           <a:p>
-            <a:endParaRPr b="0" lang="en-US" sz="1800" spc="-1" strike="noStrike">
-              <a:solidFill>
-                <a:srgbClr val="000000"/>
-              </a:solidFill>
-              <a:uFill>
-                <a:solidFill>
-                  <a:srgbClr val="ffffff"/>
-                </a:solidFill>
-              </a:uFill>
-              <a:latin typeface="Calibri"/>
-            </a:endParaRPr>
-          </a:p>
-        </p:txBody>
-      </p:sp>
-      <p:sp>
-        <p:nvSpPr>
-          <p:cNvPr id="47" name="PlaceHolder 2"/>
+            <a:pPr algn="ctr"/>
+            <a:endParaRPr b="0" lang="en-US" sz="4400" spc="-1" strike="noStrike">
+              <a:solidFill>
+                <a:srgbClr val="000000"/>
+              </a:solidFill>
+              <a:uFill>
+                <a:solidFill>
+                  <a:srgbClr val="ffffff"/>
+                </a:solidFill>
+              </a:uFill>
+              <a:latin typeface="Arial"/>
+            </a:endParaRPr>
+          </a:p>
+        </p:txBody>
+      </p:sp>
+      <p:sp>
+        <p:nvSpPr>
+          <p:cNvPr id="44" name="PlaceHolder 2"/>
           <p:cNvSpPr>
             <a:spLocks noGrp="1"/>
           </p:cNvSpPr>
@@ -731,8 +738,8 @@
         </p:nvSpPr>
         <p:spPr>
           <a:xfrm>
-            <a:off x="838080" y="1825560"/>
-            <a:ext cx="10515240" cy="4861440"/>
+            <a:off x="609480" y="1604520"/>
+            <a:ext cx="10972440" cy="3977280"/>
           </a:xfrm>
           <a:prstGeom prst="rect">
             <a:avLst/>
@@ -741,16 +748,16 @@
         <p:txBody>
           <a:bodyPr lIns="0" rIns="0" tIns="0" bIns="0"/>
           <a:p>
-            <a:endParaRPr b="0" lang="en-US" sz="2800" spc="-1" strike="noStrike">
-              <a:solidFill>
-                <a:srgbClr val="000000"/>
-              </a:solidFill>
-              <a:uFill>
-                <a:solidFill>
-                  <a:srgbClr val="ffffff"/>
-                </a:solidFill>
-              </a:uFill>
-              <a:latin typeface="Calibri"/>
+            <a:endParaRPr b="0" lang="en-US" sz="3200" spc="-1" strike="noStrike">
+              <a:solidFill>
+                <a:srgbClr val="000000"/>
+              </a:solidFill>
+              <a:uFill>
+                <a:solidFill>
+                  <a:srgbClr val="ffffff"/>
+                </a:solidFill>
+              </a:uFill>
+              <a:latin typeface="Arial"/>
             </a:endParaRPr>
           </a:p>
         </p:txBody>
@@ -779,7 +786,7 @@
       </p:grpSpPr>
       <p:sp>
         <p:nvSpPr>
-          <p:cNvPr id="48" name="PlaceHolder 1"/>
+          <p:cNvPr id="45" name="PlaceHolder 1"/>
           <p:cNvSpPr>
             <a:spLocks noGrp="1"/>
           </p:cNvSpPr>
@@ -789,8 +796,8 @@
         </p:nvSpPr>
         <p:spPr>
           <a:xfrm>
-            <a:off x="838080" y="365040"/>
-            <a:ext cx="10515240" cy="1325160"/>
+            <a:off x="609480" y="273600"/>
+            <a:ext cx="10972440" cy="1144800"/>
           </a:xfrm>
           <a:prstGeom prst="rect">
             <a:avLst/>
@@ -799,23 +806,24 @@
         <p:txBody>
           <a:bodyPr lIns="0" rIns="0" tIns="0" bIns="0" anchor="ctr"/>
           <a:p>
-            <a:endParaRPr b="0" lang="en-US" sz="1800" spc="-1" strike="noStrike">
-              <a:solidFill>
-                <a:srgbClr val="000000"/>
-              </a:solidFill>
-              <a:uFill>
-                <a:solidFill>
-                  <a:srgbClr val="ffffff"/>
-                </a:solidFill>
-              </a:uFill>
-              <a:latin typeface="Calibri"/>
-            </a:endParaRPr>
-          </a:p>
-        </p:txBody>
-      </p:sp>
-      <p:sp>
-        <p:nvSpPr>
-          <p:cNvPr id="49" name="PlaceHolder 2"/>
+            <a:pPr algn="ctr"/>
+            <a:endParaRPr b="0" lang="en-US" sz="4400" spc="-1" strike="noStrike">
+              <a:solidFill>
+                <a:srgbClr val="000000"/>
+              </a:solidFill>
+              <a:uFill>
+                <a:solidFill>
+                  <a:srgbClr val="ffffff"/>
+                </a:solidFill>
+              </a:uFill>
+              <a:latin typeface="Arial"/>
+            </a:endParaRPr>
+          </a:p>
+        </p:txBody>
+      </p:sp>
+      <p:sp>
+        <p:nvSpPr>
+          <p:cNvPr id="46" name="PlaceHolder 2"/>
           <p:cNvSpPr>
             <a:spLocks noGrp="1"/>
           </p:cNvSpPr>
@@ -825,8 +833,8 @@
         </p:nvSpPr>
         <p:spPr>
           <a:xfrm>
-            <a:off x="838080" y="1825560"/>
-            <a:ext cx="5131080" cy="4861440"/>
+            <a:off x="609480" y="1604520"/>
+            <a:ext cx="5354280" cy="3977280"/>
           </a:xfrm>
           <a:prstGeom prst="rect">
             <a:avLst/>
@@ -835,23 +843,23 @@
         <p:txBody>
           <a:bodyPr lIns="0" rIns="0" tIns="0" bIns="0"/>
           <a:p>
-            <a:endParaRPr b="0" lang="en-US" sz="2800" spc="-1" strike="noStrike">
-              <a:solidFill>
-                <a:srgbClr val="000000"/>
-              </a:solidFill>
-              <a:uFill>
-                <a:solidFill>
-                  <a:srgbClr val="ffffff"/>
-                </a:solidFill>
-              </a:uFill>
-              <a:latin typeface="Calibri"/>
-            </a:endParaRPr>
-          </a:p>
-        </p:txBody>
-      </p:sp>
-      <p:sp>
-        <p:nvSpPr>
-          <p:cNvPr id="50" name="PlaceHolder 3"/>
+            <a:endParaRPr b="0" lang="en-US" sz="3200" spc="-1" strike="noStrike">
+              <a:solidFill>
+                <a:srgbClr val="000000"/>
+              </a:solidFill>
+              <a:uFill>
+                <a:solidFill>
+                  <a:srgbClr val="ffffff"/>
+                </a:solidFill>
+              </a:uFill>
+              <a:latin typeface="Arial"/>
+            </a:endParaRPr>
+          </a:p>
+        </p:txBody>
+      </p:sp>
+      <p:sp>
+        <p:nvSpPr>
+          <p:cNvPr id="47" name="PlaceHolder 3"/>
           <p:cNvSpPr>
             <a:spLocks noGrp="1"/>
           </p:cNvSpPr>
@@ -861,8 +869,8 @@
         </p:nvSpPr>
         <p:spPr>
           <a:xfrm>
-            <a:off x="6226200" y="1825560"/>
-            <a:ext cx="5131080" cy="4861440"/>
+            <a:off x="6231960" y="1604520"/>
+            <a:ext cx="5354280" cy="3977280"/>
           </a:xfrm>
           <a:prstGeom prst="rect">
             <a:avLst/>
@@ -871,16 +879,16 @@
         <p:txBody>
           <a:bodyPr lIns="0" rIns="0" tIns="0" bIns="0"/>
           <a:p>
-            <a:endParaRPr b="0" lang="en-US" sz="2800" spc="-1" strike="noStrike">
-              <a:solidFill>
-                <a:srgbClr val="000000"/>
-              </a:solidFill>
-              <a:uFill>
-                <a:solidFill>
-                  <a:srgbClr val="ffffff"/>
-                </a:solidFill>
-              </a:uFill>
-              <a:latin typeface="Calibri"/>
+            <a:endParaRPr b="0" lang="en-US" sz="3200" spc="-1" strike="noStrike">
+              <a:solidFill>
+                <a:srgbClr val="000000"/>
+              </a:solidFill>
+              <a:uFill>
+                <a:solidFill>
+                  <a:srgbClr val="ffffff"/>
+                </a:solidFill>
+              </a:uFill>
+              <a:latin typeface="Arial"/>
             </a:endParaRPr>
           </a:p>
         </p:txBody>
@@ -909,7 +917,7 @@
       </p:grpSpPr>
       <p:sp>
         <p:nvSpPr>
-          <p:cNvPr id="51" name="PlaceHolder 1"/>
+          <p:cNvPr id="48" name="PlaceHolder 1"/>
           <p:cNvSpPr>
             <a:spLocks noGrp="1"/>
           </p:cNvSpPr>
@@ -919,8 +927,8 @@
         </p:nvSpPr>
         <p:spPr>
           <a:xfrm>
-            <a:off x="838080" y="365040"/>
-            <a:ext cx="10515240" cy="1325160"/>
+            <a:off x="609480" y="273600"/>
+            <a:ext cx="10972440" cy="1144800"/>
           </a:xfrm>
           <a:prstGeom prst="rect">
             <a:avLst/>
@@ -929,16 +937,17 @@
         <p:txBody>
           <a:bodyPr lIns="0" rIns="0" tIns="0" bIns="0" anchor="ctr"/>
           <a:p>
-            <a:endParaRPr b="0" lang="en-US" sz="1800" spc="-1" strike="noStrike">
-              <a:solidFill>
-                <a:srgbClr val="000000"/>
-              </a:solidFill>
-              <a:uFill>
-                <a:solidFill>
-                  <a:srgbClr val="ffffff"/>
-                </a:solidFill>
-              </a:uFill>
-              <a:latin typeface="Calibri"/>
+            <a:pPr algn="ctr"/>
+            <a:endParaRPr b="0" lang="en-US" sz="4400" spc="-1" strike="noStrike">
+              <a:solidFill>
+                <a:srgbClr val="000000"/>
+              </a:solidFill>
+              <a:uFill>
+                <a:solidFill>
+                  <a:srgbClr val="ffffff"/>
+                </a:solidFill>
+              </a:uFill>
+              <a:latin typeface="Arial"/>
             </a:endParaRPr>
           </a:p>
         </p:txBody>
@@ -967,7 +976,7 @@
       </p:grpSpPr>
       <p:sp>
         <p:nvSpPr>
-          <p:cNvPr id="52" name="PlaceHolder 1"/>
+          <p:cNvPr id="49" name="PlaceHolder 1"/>
           <p:cNvSpPr>
             <a:spLocks noGrp="1"/>
           </p:cNvSpPr>
@@ -977,8 +986,8 @@
         </p:nvSpPr>
         <p:spPr>
           <a:xfrm>
-            <a:off x="838080" y="365040"/>
-            <a:ext cx="10515240" cy="6144120"/>
+            <a:off x="609480" y="273600"/>
+            <a:ext cx="10972440" cy="5307840"/>
           </a:xfrm>
           <a:prstGeom prst="rect">
             <a:avLst/>
@@ -1026,7 +1035,7 @@
       </p:grpSpPr>
       <p:sp>
         <p:nvSpPr>
-          <p:cNvPr id="53" name="PlaceHolder 1"/>
+          <p:cNvPr id="50" name="PlaceHolder 1"/>
           <p:cNvSpPr>
             <a:spLocks noGrp="1"/>
           </p:cNvSpPr>
@@ -1036,8 +1045,8 @@
         </p:nvSpPr>
         <p:spPr>
           <a:xfrm>
-            <a:off x="838080" y="365040"/>
-            <a:ext cx="10515240" cy="1325160"/>
+            <a:off x="609480" y="273600"/>
+            <a:ext cx="10972440" cy="1144800"/>
           </a:xfrm>
           <a:prstGeom prst="rect">
             <a:avLst/>
@@ -1046,23 +1055,24 @@
         <p:txBody>
           <a:bodyPr lIns="0" rIns="0" tIns="0" bIns="0" anchor="ctr"/>
           <a:p>
-            <a:endParaRPr b="0" lang="en-US" sz="1800" spc="-1" strike="noStrike">
-              <a:solidFill>
-                <a:srgbClr val="000000"/>
-              </a:solidFill>
-              <a:uFill>
-                <a:solidFill>
-                  <a:srgbClr val="ffffff"/>
-                </a:solidFill>
-              </a:uFill>
-              <a:latin typeface="Calibri"/>
-            </a:endParaRPr>
-          </a:p>
-        </p:txBody>
-      </p:sp>
-      <p:sp>
-        <p:nvSpPr>
-          <p:cNvPr id="54" name="PlaceHolder 2"/>
+            <a:pPr algn="ctr"/>
+            <a:endParaRPr b="0" lang="en-US" sz="4400" spc="-1" strike="noStrike">
+              <a:solidFill>
+                <a:srgbClr val="000000"/>
+              </a:solidFill>
+              <a:uFill>
+                <a:solidFill>
+                  <a:srgbClr val="ffffff"/>
+                </a:solidFill>
+              </a:uFill>
+              <a:latin typeface="Arial"/>
+            </a:endParaRPr>
+          </a:p>
+        </p:txBody>
+      </p:sp>
+      <p:sp>
+        <p:nvSpPr>
+          <p:cNvPr id="51" name="PlaceHolder 2"/>
           <p:cNvSpPr>
             <a:spLocks noGrp="1"/>
           </p:cNvSpPr>
@@ -1072,8 +1082,8 @@
         </p:nvSpPr>
         <p:spPr>
           <a:xfrm>
-            <a:off x="838080" y="1825560"/>
-            <a:ext cx="5131080" cy="2318760"/>
+            <a:off x="609480" y="1604520"/>
+            <a:ext cx="5354280" cy="1896840"/>
           </a:xfrm>
           <a:prstGeom prst="rect">
             <a:avLst/>
@@ -1082,23 +1092,23 @@
         <p:txBody>
           <a:bodyPr lIns="0" rIns="0" tIns="0" bIns="0"/>
           <a:p>
-            <a:endParaRPr b="0" lang="en-US" sz="2800" spc="-1" strike="noStrike">
-              <a:solidFill>
-                <a:srgbClr val="000000"/>
-              </a:solidFill>
-              <a:uFill>
-                <a:solidFill>
-                  <a:srgbClr val="ffffff"/>
-                </a:solidFill>
-              </a:uFill>
-              <a:latin typeface="Calibri"/>
-            </a:endParaRPr>
-          </a:p>
-        </p:txBody>
-      </p:sp>
-      <p:sp>
-        <p:nvSpPr>
-          <p:cNvPr id="55" name="PlaceHolder 3"/>
+            <a:endParaRPr b="0" lang="en-US" sz="3200" spc="-1" strike="noStrike">
+              <a:solidFill>
+                <a:srgbClr val="000000"/>
+              </a:solidFill>
+              <a:uFill>
+                <a:solidFill>
+                  <a:srgbClr val="ffffff"/>
+                </a:solidFill>
+              </a:uFill>
+              <a:latin typeface="Arial"/>
+            </a:endParaRPr>
+          </a:p>
+        </p:txBody>
+      </p:sp>
+      <p:sp>
+        <p:nvSpPr>
+          <p:cNvPr id="52" name="PlaceHolder 3"/>
           <p:cNvSpPr>
             <a:spLocks noGrp="1"/>
           </p:cNvSpPr>
@@ -1108,8 +1118,8 @@
         </p:nvSpPr>
         <p:spPr>
           <a:xfrm>
-            <a:off x="838080" y="4365000"/>
-            <a:ext cx="5131080" cy="2318760"/>
+            <a:off x="609480" y="3682080"/>
+            <a:ext cx="5354280" cy="1896840"/>
           </a:xfrm>
           <a:prstGeom prst="rect">
             <a:avLst/>
@@ -1118,23 +1128,23 @@
         <p:txBody>
           <a:bodyPr lIns="0" rIns="0" tIns="0" bIns="0"/>
           <a:p>
-            <a:endParaRPr b="0" lang="en-US" sz="2800" spc="-1" strike="noStrike">
-              <a:solidFill>
-                <a:srgbClr val="000000"/>
-              </a:solidFill>
-              <a:uFill>
-                <a:solidFill>
-                  <a:srgbClr val="ffffff"/>
-                </a:solidFill>
-              </a:uFill>
-              <a:latin typeface="Calibri"/>
-            </a:endParaRPr>
-          </a:p>
-        </p:txBody>
-      </p:sp>
-      <p:sp>
-        <p:nvSpPr>
-          <p:cNvPr id="56" name="PlaceHolder 4"/>
+            <a:endParaRPr b="0" lang="en-US" sz="3200" spc="-1" strike="noStrike">
+              <a:solidFill>
+                <a:srgbClr val="000000"/>
+              </a:solidFill>
+              <a:uFill>
+                <a:solidFill>
+                  <a:srgbClr val="ffffff"/>
+                </a:solidFill>
+              </a:uFill>
+              <a:latin typeface="Arial"/>
+            </a:endParaRPr>
+          </a:p>
+        </p:txBody>
+      </p:sp>
+      <p:sp>
+        <p:nvSpPr>
+          <p:cNvPr id="53" name="PlaceHolder 4"/>
           <p:cNvSpPr>
             <a:spLocks noGrp="1"/>
           </p:cNvSpPr>
@@ -1144,8 +1154,8 @@
         </p:nvSpPr>
         <p:spPr>
           <a:xfrm>
-            <a:off x="6226200" y="1825560"/>
-            <a:ext cx="5131080" cy="4861440"/>
+            <a:off x="6231960" y="1604520"/>
+            <a:ext cx="5354280" cy="3977280"/>
           </a:xfrm>
           <a:prstGeom prst="rect">
             <a:avLst/>
@@ -1154,16 +1164,16 @@
         <p:txBody>
           <a:bodyPr lIns="0" rIns="0" tIns="0" bIns="0"/>
           <a:p>
-            <a:endParaRPr b="0" lang="en-US" sz="2800" spc="-1" strike="noStrike">
-              <a:solidFill>
-                <a:srgbClr val="000000"/>
-              </a:solidFill>
-              <a:uFill>
-                <a:solidFill>
-                  <a:srgbClr val="ffffff"/>
-                </a:solidFill>
-              </a:uFill>
-              <a:latin typeface="Calibri"/>
+            <a:endParaRPr b="0" lang="en-US" sz="3200" spc="-1" strike="noStrike">
+              <a:solidFill>
+                <a:srgbClr val="000000"/>
+              </a:solidFill>
+              <a:uFill>
+                <a:solidFill>
+                  <a:srgbClr val="ffffff"/>
+                </a:solidFill>
+              </a:uFill>
+              <a:latin typeface="Arial"/>
             </a:endParaRPr>
           </a:p>
         </p:txBody>
@@ -1192,7 +1202,7 @@
       </p:grpSpPr>
       <p:sp>
         <p:nvSpPr>
-          <p:cNvPr id="5" name="PlaceHolder 1"/>
+          <p:cNvPr id="2" name="PlaceHolder 1"/>
           <p:cNvSpPr>
             <a:spLocks noGrp="1"/>
           </p:cNvSpPr>
@@ -1202,8 +1212,8 @@
         </p:nvSpPr>
         <p:spPr>
           <a:xfrm>
-            <a:off x="838080" y="365040"/>
-            <a:ext cx="10515240" cy="1325160"/>
+            <a:off x="609480" y="273600"/>
+            <a:ext cx="10972440" cy="1144800"/>
           </a:xfrm>
           <a:prstGeom prst="rect">
             <a:avLst/>
@@ -1212,23 +1222,24 @@
         <p:txBody>
           <a:bodyPr lIns="0" rIns="0" tIns="0" bIns="0" anchor="ctr"/>
           <a:p>
-            <a:endParaRPr b="0" lang="en-US" sz="1800" spc="-1" strike="noStrike">
-              <a:solidFill>
-                <a:srgbClr val="000000"/>
-              </a:solidFill>
-              <a:uFill>
-                <a:solidFill>
-                  <a:srgbClr val="ffffff"/>
-                </a:solidFill>
-              </a:uFill>
-              <a:latin typeface="Calibri"/>
-            </a:endParaRPr>
-          </a:p>
-        </p:txBody>
-      </p:sp>
-      <p:sp>
-        <p:nvSpPr>
-          <p:cNvPr id="6" name="PlaceHolder 2"/>
+            <a:pPr algn="ctr"/>
+            <a:endParaRPr b="0" lang="en-US" sz="4400" spc="-1" strike="noStrike">
+              <a:solidFill>
+                <a:srgbClr val="000000"/>
+              </a:solidFill>
+              <a:uFill>
+                <a:solidFill>
+                  <a:srgbClr val="ffffff"/>
+                </a:solidFill>
+              </a:uFill>
+              <a:latin typeface="Arial"/>
+            </a:endParaRPr>
+          </a:p>
+        </p:txBody>
+      </p:sp>
+      <p:sp>
+        <p:nvSpPr>
+          <p:cNvPr id="3" name="PlaceHolder 2"/>
           <p:cNvSpPr>
             <a:spLocks noGrp="1"/>
           </p:cNvSpPr>
@@ -1238,8 +1249,8 @@
         </p:nvSpPr>
         <p:spPr>
           <a:xfrm>
-            <a:off x="838080" y="1825560"/>
-            <a:ext cx="10515240" cy="4861440"/>
+            <a:off x="609480" y="1604520"/>
+            <a:ext cx="10972440" cy="3977280"/>
           </a:xfrm>
           <a:prstGeom prst="rect">
             <a:avLst/>
@@ -1287,7 +1298,7 @@
       </p:grpSpPr>
       <p:sp>
         <p:nvSpPr>
-          <p:cNvPr id="57" name="PlaceHolder 1"/>
+          <p:cNvPr id="54" name="PlaceHolder 1"/>
           <p:cNvSpPr>
             <a:spLocks noGrp="1"/>
           </p:cNvSpPr>
@@ -1297,8 +1308,8 @@
         </p:nvSpPr>
         <p:spPr>
           <a:xfrm>
-            <a:off x="838080" y="365040"/>
-            <a:ext cx="10515240" cy="1325160"/>
+            <a:off x="609480" y="273600"/>
+            <a:ext cx="10972440" cy="1144800"/>
           </a:xfrm>
           <a:prstGeom prst="rect">
             <a:avLst/>
@@ -1307,23 +1318,24 @@
         <p:txBody>
           <a:bodyPr lIns="0" rIns="0" tIns="0" bIns="0" anchor="ctr"/>
           <a:p>
-            <a:endParaRPr b="0" lang="en-US" sz="1800" spc="-1" strike="noStrike">
-              <a:solidFill>
-                <a:srgbClr val="000000"/>
-              </a:solidFill>
-              <a:uFill>
-                <a:solidFill>
-                  <a:srgbClr val="ffffff"/>
-                </a:solidFill>
-              </a:uFill>
-              <a:latin typeface="Calibri"/>
-            </a:endParaRPr>
-          </a:p>
-        </p:txBody>
-      </p:sp>
-      <p:sp>
-        <p:nvSpPr>
-          <p:cNvPr id="58" name="PlaceHolder 2"/>
+            <a:pPr algn="ctr"/>
+            <a:endParaRPr b="0" lang="en-US" sz="4400" spc="-1" strike="noStrike">
+              <a:solidFill>
+                <a:srgbClr val="000000"/>
+              </a:solidFill>
+              <a:uFill>
+                <a:solidFill>
+                  <a:srgbClr val="ffffff"/>
+                </a:solidFill>
+              </a:uFill>
+              <a:latin typeface="Arial"/>
+            </a:endParaRPr>
+          </a:p>
+        </p:txBody>
+      </p:sp>
+      <p:sp>
+        <p:nvSpPr>
+          <p:cNvPr id="55" name="PlaceHolder 2"/>
           <p:cNvSpPr>
             <a:spLocks noGrp="1"/>
           </p:cNvSpPr>
@@ -1333,8 +1345,8 @@
         </p:nvSpPr>
         <p:spPr>
           <a:xfrm>
-            <a:off x="838080" y="1825560"/>
-            <a:ext cx="5131080" cy="4861440"/>
+            <a:off x="609480" y="1604520"/>
+            <a:ext cx="5354280" cy="3977280"/>
           </a:xfrm>
           <a:prstGeom prst="rect">
             <a:avLst/>
@@ -1343,23 +1355,23 @@
         <p:txBody>
           <a:bodyPr lIns="0" rIns="0" tIns="0" bIns="0"/>
           <a:p>
-            <a:endParaRPr b="0" lang="en-US" sz="2800" spc="-1" strike="noStrike">
-              <a:solidFill>
-                <a:srgbClr val="000000"/>
-              </a:solidFill>
-              <a:uFill>
-                <a:solidFill>
-                  <a:srgbClr val="ffffff"/>
-                </a:solidFill>
-              </a:uFill>
-              <a:latin typeface="Calibri"/>
-            </a:endParaRPr>
-          </a:p>
-        </p:txBody>
-      </p:sp>
-      <p:sp>
-        <p:nvSpPr>
-          <p:cNvPr id="59" name="PlaceHolder 3"/>
+            <a:endParaRPr b="0" lang="en-US" sz="3200" spc="-1" strike="noStrike">
+              <a:solidFill>
+                <a:srgbClr val="000000"/>
+              </a:solidFill>
+              <a:uFill>
+                <a:solidFill>
+                  <a:srgbClr val="ffffff"/>
+                </a:solidFill>
+              </a:uFill>
+              <a:latin typeface="Arial"/>
+            </a:endParaRPr>
+          </a:p>
+        </p:txBody>
+      </p:sp>
+      <p:sp>
+        <p:nvSpPr>
+          <p:cNvPr id="56" name="PlaceHolder 3"/>
           <p:cNvSpPr>
             <a:spLocks noGrp="1"/>
           </p:cNvSpPr>
@@ -1369,8 +1381,8 @@
         </p:nvSpPr>
         <p:spPr>
           <a:xfrm>
-            <a:off x="6226200" y="1825560"/>
-            <a:ext cx="5131080" cy="2318760"/>
+            <a:off x="6231960" y="1604520"/>
+            <a:ext cx="5354280" cy="1896840"/>
           </a:xfrm>
           <a:prstGeom prst="rect">
             <a:avLst/>
@@ -1379,23 +1391,23 @@
         <p:txBody>
           <a:bodyPr lIns="0" rIns="0" tIns="0" bIns="0"/>
           <a:p>
-            <a:endParaRPr b="0" lang="en-US" sz="2800" spc="-1" strike="noStrike">
-              <a:solidFill>
-                <a:srgbClr val="000000"/>
-              </a:solidFill>
-              <a:uFill>
-                <a:solidFill>
-                  <a:srgbClr val="ffffff"/>
-                </a:solidFill>
-              </a:uFill>
-              <a:latin typeface="Calibri"/>
-            </a:endParaRPr>
-          </a:p>
-        </p:txBody>
-      </p:sp>
-      <p:sp>
-        <p:nvSpPr>
-          <p:cNvPr id="60" name="PlaceHolder 4"/>
+            <a:endParaRPr b="0" lang="en-US" sz="3200" spc="-1" strike="noStrike">
+              <a:solidFill>
+                <a:srgbClr val="000000"/>
+              </a:solidFill>
+              <a:uFill>
+                <a:solidFill>
+                  <a:srgbClr val="ffffff"/>
+                </a:solidFill>
+              </a:uFill>
+              <a:latin typeface="Arial"/>
+            </a:endParaRPr>
+          </a:p>
+        </p:txBody>
+      </p:sp>
+      <p:sp>
+        <p:nvSpPr>
+          <p:cNvPr id="57" name="PlaceHolder 4"/>
           <p:cNvSpPr>
             <a:spLocks noGrp="1"/>
           </p:cNvSpPr>
@@ -1405,8 +1417,8 @@
         </p:nvSpPr>
         <p:spPr>
           <a:xfrm>
-            <a:off x="6226200" y="4365000"/>
-            <a:ext cx="5131080" cy="2318760"/>
+            <a:off x="6231960" y="3682080"/>
+            <a:ext cx="5354280" cy="1896840"/>
           </a:xfrm>
           <a:prstGeom prst="rect">
             <a:avLst/>
@@ -1415,16 +1427,16 @@
         <p:txBody>
           <a:bodyPr lIns="0" rIns="0" tIns="0" bIns="0"/>
           <a:p>
-            <a:endParaRPr b="0" lang="en-US" sz="2800" spc="-1" strike="noStrike">
-              <a:solidFill>
-                <a:srgbClr val="000000"/>
-              </a:solidFill>
-              <a:uFill>
-                <a:solidFill>
-                  <a:srgbClr val="ffffff"/>
-                </a:solidFill>
-              </a:uFill>
-              <a:latin typeface="Calibri"/>
+            <a:endParaRPr b="0" lang="en-US" sz="3200" spc="-1" strike="noStrike">
+              <a:solidFill>
+                <a:srgbClr val="000000"/>
+              </a:solidFill>
+              <a:uFill>
+                <a:solidFill>
+                  <a:srgbClr val="ffffff"/>
+                </a:solidFill>
+              </a:uFill>
+              <a:latin typeface="Arial"/>
             </a:endParaRPr>
           </a:p>
         </p:txBody>
@@ -1453,7 +1465,7 @@
       </p:grpSpPr>
       <p:sp>
         <p:nvSpPr>
-          <p:cNvPr id="61" name="PlaceHolder 1"/>
+          <p:cNvPr id="58" name="PlaceHolder 1"/>
           <p:cNvSpPr>
             <a:spLocks noGrp="1"/>
           </p:cNvSpPr>
@@ -1463,8 +1475,8 @@
         </p:nvSpPr>
         <p:spPr>
           <a:xfrm>
-            <a:off x="838080" y="365040"/>
-            <a:ext cx="10515240" cy="1325160"/>
+            <a:off x="609480" y="273600"/>
+            <a:ext cx="10972440" cy="1144800"/>
           </a:xfrm>
           <a:prstGeom prst="rect">
             <a:avLst/>
@@ -1473,23 +1485,24 @@
         <p:txBody>
           <a:bodyPr lIns="0" rIns="0" tIns="0" bIns="0" anchor="ctr"/>
           <a:p>
-            <a:endParaRPr b="0" lang="en-US" sz="1800" spc="-1" strike="noStrike">
-              <a:solidFill>
-                <a:srgbClr val="000000"/>
-              </a:solidFill>
-              <a:uFill>
-                <a:solidFill>
-                  <a:srgbClr val="ffffff"/>
-                </a:solidFill>
-              </a:uFill>
-              <a:latin typeface="Calibri"/>
-            </a:endParaRPr>
-          </a:p>
-        </p:txBody>
-      </p:sp>
-      <p:sp>
-        <p:nvSpPr>
-          <p:cNvPr id="62" name="PlaceHolder 2"/>
+            <a:pPr algn="ctr"/>
+            <a:endParaRPr b="0" lang="en-US" sz="4400" spc="-1" strike="noStrike">
+              <a:solidFill>
+                <a:srgbClr val="000000"/>
+              </a:solidFill>
+              <a:uFill>
+                <a:solidFill>
+                  <a:srgbClr val="ffffff"/>
+                </a:solidFill>
+              </a:uFill>
+              <a:latin typeface="Arial"/>
+            </a:endParaRPr>
+          </a:p>
+        </p:txBody>
+      </p:sp>
+      <p:sp>
+        <p:nvSpPr>
+          <p:cNvPr id="59" name="PlaceHolder 2"/>
           <p:cNvSpPr>
             <a:spLocks noGrp="1"/>
           </p:cNvSpPr>
@@ -1499,8 +1512,8 @@
         </p:nvSpPr>
         <p:spPr>
           <a:xfrm>
-            <a:off x="838080" y="1825560"/>
-            <a:ext cx="5131080" cy="2318760"/>
+            <a:off x="609480" y="1604520"/>
+            <a:ext cx="5354280" cy="1896840"/>
           </a:xfrm>
           <a:prstGeom prst="rect">
             <a:avLst/>
@@ -1509,23 +1522,23 @@
         <p:txBody>
           <a:bodyPr lIns="0" rIns="0" tIns="0" bIns="0"/>
           <a:p>
-            <a:endParaRPr b="0" lang="en-US" sz="2800" spc="-1" strike="noStrike">
-              <a:solidFill>
-                <a:srgbClr val="000000"/>
-              </a:solidFill>
-              <a:uFill>
-                <a:solidFill>
-                  <a:srgbClr val="ffffff"/>
-                </a:solidFill>
-              </a:uFill>
-              <a:latin typeface="Calibri"/>
-            </a:endParaRPr>
-          </a:p>
-        </p:txBody>
-      </p:sp>
-      <p:sp>
-        <p:nvSpPr>
-          <p:cNvPr id="63" name="PlaceHolder 3"/>
+            <a:endParaRPr b="0" lang="en-US" sz="3200" spc="-1" strike="noStrike">
+              <a:solidFill>
+                <a:srgbClr val="000000"/>
+              </a:solidFill>
+              <a:uFill>
+                <a:solidFill>
+                  <a:srgbClr val="ffffff"/>
+                </a:solidFill>
+              </a:uFill>
+              <a:latin typeface="Arial"/>
+            </a:endParaRPr>
+          </a:p>
+        </p:txBody>
+      </p:sp>
+      <p:sp>
+        <p:nvSpPr>
+          <p:cNvPr id="60" name="PlaceHolder 3"/>
           <p:cNvSpPr>
             <a:spLocks noGrp="1"/>
           </p:cNvSpPr>
@@ -1535,8 +1548,8 @@
         </p:nvSpPr>
         <p:spPr>
           <a:xfrm>
-            <a:off x="6226200" y="1825560"/>
-            <a:ext cx="5131080" cy="2318760"/>
+            <a:off x="6231960" y="1604520"/>
+            <a:ext cx="5354280" cy="1896840"/>
           </a:xfrm>
           <a:prstGeom prst="rect">
             <a:avLst/>
@@ -1545,23 +1558,23 @@
         <p:txBody>
           <a:bodyPr lIns="0" rIns="0" tIns="0" bIns="0"/>
           <a:p>
-            <a:endParaRPr b="0" lang="en-US" sz="2800" spc="-1" strike="noStrike">
-              <a:solidFill>
-                <a:srgbClr val="000000"/>
-              </a:solidFill>
-              <a:uFill>
-                <a:solidFill>
-                  <a:srgbClr val="ffffff"/>
-                </a:solidFill>
-              </a:uFill>
-              <a:latin typeface="Calibri"/>
-            </a:endParaRPr>
-          </a:p>
-        </p:txBody>
-      </p:sp>
-      <p:sp>
-        <p:nvSpPr>
-          <p:cNvPr id="64" name="PlaceHolder 4"/>
+            <a:endParaRPr b="0" lang="en-US" sz="3200" spc="-1" strike="noStrike">
+              <a:solidFill>
+                <a:srgbClr val="000000"/>
+              </a:solidFill>
+              <a:uFill>
+                <a:solidFill>
+                  <a:srgbClr val="ffffff"/>
+                </a:solidFill>
+              </a:uFill>
+              <a:latin typeface="Arial"/>
+            </a:endParaRPr>
+          </a:p>
+        </p:txBody>
+      </p:sp>
+      <p:sp>
+        <p:nvSpPr>
+          <p:cNvPr id="61" name="PlaceHolder 4"/>
           <p:cNvSpPr>
             <a:spLocks noGrp="1"/>
           </p:cNvSpPr>
@@ -1571,8 +1584,8 @@
         </p:nvSpPr>
         <p:spPr>
           <a:xfrm>
-            <a:off x="838080" y="4365000"/>
-            <a:ext cx="10515240" cy="2318760"/>
+            <a:off x="609480" y="3682080"/>
+            <a:ext cx="10972440" cy="1896840"/>
           </a:xfrm>
           <a:prstGeom prst="rect">
             <a:avLst/>
@@ -1581,16 +1594,16 @@
         <p:txBody>
           <a:bodyPr lIns="0" rIns="0" tIns="0" bIns="0"/>
           <a:p>
-            <a:endParaRPr b="0" lang="en-US" sz="2800" spc="-1" strike="noStrike">
-              <a:solidFill>
-                <a:srgbClr val="000000"/>
-              </a:solidFill>
-              <a:uFill>
-                <a:solidFill>
-                  <a:srgbClr val="ffffff"/>
-                </a:solidFill>
-              </a:uFill>
-              <a:latin typeface="Calibri"/>
+            <a:endParaRPr b="0" lang="en-US" sz="3200" spc="-1" strike="noStrike">
+              <a:solidFill>
+                <a:srgbClr val="000000"/>
+              </a:solidFill>
+              <a:uFill>
+                <a:solidFill>
+                  <a:srgbClr val="ffffff"/>
+                </a:solidFill>
+              </a:uFill>
+              <a:latin typeface="Arial"/>
             </a:endParaRPr>
           </a:p>
         </p:txBody>
@@ -1619,7 +1632,7 @@
       </p:grpSpPr>
       <p:sp>
         <p:nvSpPr>
-          <p:cNvPr id="65" name="PlaceHolder 1"/>
+          <p:cNvPr id="62" name="PlaceHolder 1"/>
           <p:cNvSpPr>
             <a:spLocks noGrp="1"/>
           </p:cNvSpPr>
@@ -1629,8 +1642,8 @@
         </p:nvSpPr>
         <p:spPr>
           <a:xfrm>
-            <a:off x="838080" y="365040"/>
-            <a:ext cx="10515240" cy="1325160"/>
+            <a:off x="609480" y="273600"/>
+            <a:ext cx="10972440" cy="1144800"/>
           </a:xfrm>
           <a:prstGeom prst="rect">
             <a:avLst/>
@@ -1639,23 +1652,24 @@
         <p:txBody>
           <a:bodyPr lIns="0" rIns="0" tIns="0" bIns="0" anchor="ctr"/>
           <a:p>
-            <a:endParaRPr b="0" lang="en-US" sz="1800" spc="-1" strike="noStrike">
-              <a:solidFill>
-                <a:srgbClr val="000000"/>
-              </a:solidFill>
-              <a:uFill>
-                <a:solidFill>
-                  <a:srgbClr val="ffffff"/>
-                </a:solidFill>
-              </a:uFill>
-              <a:latin typeface="Calibri"/>
-            </a:endParaRPr>
-          </a:p>
-        </p:txBody>
-      </p:sp>
-      <p:sp>
-        <p:nvSpPr>
-          <p:cNvPr id="66" name="PlaceHolder 2"/>
+            <a:pPr algn="ctr"/>
+            <a:endParaRPr b="0" lang="en-US" sz="4400" spc="-1" strike="noStrike">
+              <a:solidFill>
+                <a:srgbClr val="000000"/>
+              </a:solidFill>
+              <a:uFill>
+                <a:solidFill>
+                  <a:srgbClr val="ffffff"/>
+                </a:solidFill>
+              </a:uFill>
+              <a:latin typeface="Arial"/>
+            </a:endParaRPr>
+          </a:p>
+        </p:txBody>
+      </p:sp>
+      <p:sp>
+        <p:nvSpPr>
+          <p:cNvPr id="63" name="PlaceHolder 2"/>
           <p:cNvSpPr>
             <a:spLocks noGrp="1"/>
           </p:cNvSpPr>
@@ -1665,8 +1679,8 @@
         </p:nvSpPr>
         <p:spPr>
           <a:xfrm>
-            <a:off x="838080" y="1825560"/>
-            <a:ext cx="10515240" cy="2318760"/>
+            <a:off x="609480" y="1604520"/>
+            <a:ext cx="10972440" cy="1896840"/>
           </a:xfrm>
           <a:prstGeom prst="rect">
             <a:avLst/>
@@ -1675,23 +1689,23 @@
         <p:txBody>
           <a:bodyPr lIns="0" rIns="0" tIns="0" bIns="0"/>
           <a:p>
-            <a:endParaRPr b="0" lang="en-US" sz="2800" spc="-1" strike="noStrike">
-              <a:solidFill>
-                <a:srgbClr val="000000"/>
-              </a:solidFill>
-              <a:uFill>
-                <a:solidFill>
-                  <a:srgbClr val="ffffff"/>
-                </a:solidFill>
-              </a:uFill>
-              <a:latin typeface="Calibri"/>
-            </a:endParaRPr>
-          </a:p>
-        </p:txBody>
-      </p:sp>
-      <p:sp>
-        <p:nvSpPr>
-          <p:cNvPr id="67" name="PlaceHolder 3"/>
+            <a:endParaRPr b="0" lang="en-US" sz="3200" spc="-1" strike="noStrike">
+              <a:solidFill>
+                <a:srgbClr val="000000"/>
+              </a:solidFill>
+              <a:uFill>
+                <a:solidFill>
+                  <a:srgbClr val="ffffff"/>
+                </a:solidFill>
+              </a:uFill>
+              <a:latin typeface="Arial"/>
+            </a:endParaRPr>
+          </a:p>
+        </p:txBody>
+      </p:sp>
+      <p:sp>
+        <p:nvSpPr>
+          <p:cNvPr id="64" name="PlaceHolder 3"/>
           <p:cNvSpPr>
             <a:spLocks noGrp="1"/>
           </p:cNvSpPr>
@@ -1701,8 +1715,8 @@
         </p:nvSpPr>
         <p:spPr>
           <a:xfrm>
-            <a:off x="838080" y="4365000"/>
-            <a:ext cx="10515240" cy="2318760"/>
+            <a:off x="609480" y="3682080"/>
+            <a:ext cx="10972440" cy="1896840"/>
           </a:xfrm>
           <a:prstGeom prst="rect">
             <a:avLst/>
@@ -1711,16 +1725,16 @@
         <p:txBody>
           <a:bodyPr lIns="0" rIns="0" tIns="0" bIns="0"/>
           <a:p>
-            <a:endParaRPr b="0" lang="en-US" sz="2800" spc="-1" strike="noStrike">
-              <a:solidFill>
-                <a:srgbClr val="000000"/>
-              </a:solidFill>
-              <a:uFill>
-                <a:solidFill>
-                  <a:srgbClr val="ffffff"/>
-                </a:solidFill>
-              </a:uFill>
-              <a:latin typeface="Calibri"/>
+            <a:endParaRPr b="0" lang="en-US" sz="3200" spc="-1" strike="noStrike">
+              <a:solidFill>
+                <a:srgbClr val="000000"/>
+              </a:solidFill>
+              <a:uFill>
+                <a:solidFill>
+                  <a:srgbClr val="ffffff"/>
+                </a:solidFill>
+              </a:uFill>
+              <a:latin typeface="Arial"/>
             </a:endParaRPr>
           </a:p>
         </p:txBody>
@@ -1749,7 +1763,7 @@
       </p:grpSpPr>
       <p:sp>
         <p:nvSpPr>
-          <p:cNvPr id="68" name="PlaceHolder 1"/>
+          <p:cNvPr id="65" name="PlaceHolder 1"/>
           <p:cNvSpPr>
             <a:spLocks noGrp="1"/>
           </p:cNvSpPr>
@@ -1759,8 +1773,8 @@
         </p:nvSpPr>
         <p:spPr>
           <a:xfrm>
-            <a:off x="838080" y="365040"/>
-            <a:ext cx="10515240" cy="1325160"/>
+            <a:off x="609480" y="273600"/>
+            <a:ext cx="10972440" cy="1144800"/>
           </a:xfrm>
           <a:prstGeom prst="rect">
             <a:avLst/>
@@ -1769,23 +1783,24 @@
         <p:txBody>
           <a:bodyPr lIns="0" rIns="0" tIns="0" bIns="0" anchor="ctr"/>
           <a:p>
-            <a:endParaRPr b="0" lang="en-US" sz="1800" spc="-1" strike="noStrike">
-              <a:solidFill>
-                <a:srgbClr val="000000"/>
-              </a:solidFill>
-              <a:uFill>
-                <a:solidFill>
-                  <a:srgbClr val="ffffff"/>
-                </a:solidFill>
-              </a:uFill>
-              <a:latin typeface="Calibri"/>
-            </a:endParaRPr>
-          </a:p>
-        </p:txBody>
-      </p:sp>
-      <p:sp>
-        <p:nvSpPr>
-          <p:cNvPr id="69" name="PlaceHolder 2"/>
+            <a:pPr algn="ctr"/>
+            <a:endParaRPr b="0" lang="en-US" sz="4400" spc="-1" strike="noStrike">
+              <a:solidFill>
+                <a:srgbClr val="000000"/>
+              </a:solidFill>
+              <a:uFill>
+                <a:solidFill>
+                  <a:srgbClr val="ffffff"/>
+                </a:solidFill>
+              </a:uFill>
+              <a:latin typeface="Arial"/>
+            </a:endParaRPr>
+          </a:p>
+        </p:txBody>
+      </p:sp>
+      <p:sp>
+        <p:nvSpPr>
+          <p:cNvPr id="66" name="PlaceHolder 2"/>
           <p:cNvSpPr>
             <a:spLocks noGrp="1"/>
           </p:cNvSpPr>
@@ -1795,8 +1810,8 @@
         </p:nvSpPr>
         <p:spPr>
           <a:xfrm>
-            <a:off x="838080" y="1825560"/>
-            <a:ext cx="5131080" cy="2318760"/>
+            <a:off x="609480" y="1604520"/>
+            <a:ext cx="5354280" cy="1896840"/>
           </a:xfrm>
           <a:prstGeom prst="rect">
             <a:avLst/>
@@ -1805,23 +1820,23 @@
         <p:txBody>
           <a:bodyPr lIns="0" rIns="0" tIns="0" bIns="0"/>
           <a:p>
-            <a:endParaRPr b="0" lang="en-US" sz="2800" spc="-1" strike="noStrike">
-              <a:solidFill>
-                <a:srgbClr val="000000"/>
-              </a:solidFill>
-              <a:uFill>
-                <a:solidFill>
-                  <a:srgbClr val="ffffff"/>
-                </a:solidFill>
-              </a:uFill>
-              <a:latin typeface="Calibri"/>
-            </a:endParaRPr>
-          </a:p>
-        </p:txBody>
-      </p:sp>
-      <p:sp>
-        <p:nvSpPr>
-          <p:cNvPr id="70" name="PlaceHolder 3"/>
+            <a:endParaRPr b="0" lang="en-US" sz="3200" spc="-1" strike="noStrike">
+              <a:solidFill>
+                <a:srgbClr val="000000"/>
+              </a:solidFill>
+              <a:uFill>
+                <a:solidFill>
+                  <a:srgbClr val="ffffff"/>
+                </a:solidFill>
+              </a:uFill>
+              <a:latin typeface="Arial"/>
+            </a:endParaRPr>
+          </a:p>
+        </p:txBody>
+      </p:sp>
+      <p:sp>
+        <p:nvSpPr>
+          <p:cNvPr id="67" name="PlaceHolder 3"/>
           <p:cNvSpPr>
             <a:spLocks noGrp="1"/>
           </p:cNvSpPr>
@@ -1831,8 +1846,8 @@
         </p:nvSpPr>
         <p:spPr>
           <a:xfrm>
-            <a:off x="6226200" y="1825560"/>
-            <a:ext cx="5131080" cy="2318760"/>
+            <a:off x="6231960" y="1604520"/>
+            <a:ext cx="5354280" cy="1896840"/>
           </a:xfrm>
           <a:prstGeom prst="rect">
             <a:avLst/>
@@ -1841,23 +1856,23 @@
         <p:txBody>
           <a:bodyPr lIns="0" rIns="0" tIns="0" bIns="0"/>
           <a:p>
-            <a:endParaRPr b="0" lang="en-US" sz="2800" spc="-1" strike="noStrike">
-              <a:solidFill>
-                <a:srgbClr val="000000"/>
-              </a:solidFill>
-              <a:uFill>
-                <a:solidFill>
-                  <a:srgbClr val="ffffff"/>
-                </a:solidFill>
-              </a:uFill>
-              <a:latin typeface="Calibri"/>
-            </a:endParaRPr>
-          </a:p>
-        </p:txBody>
-      </p:sp>
-      <p:sp>
-        <p:nvSpPr>
-          <p:cNvPr id="71" name="PlaceHolder 4"/>
+            <a:endParaRPr b="0" lang="en-US" sz="3200" spc="-1" strike="noStrike">
+              <a:solidFill>
+                <a:srgbClr val="000000"/>
+              </a:solidFill>
+              <a:uFill>
+                <a:solidFill>
+                  <a:srgbClr val="ffffff"/>
+                </a:solidFill>
+              </a:uFill>
+              <a:latin typeface="Arial"/>
+            </a:endParaRPr>
+          </a:p>
+        </p:txBody>
+      </p:sp>
+      <p:sp>
+        <p:nvSpPr>
+          <p:cNvPr id="68" name="PlaceHolder 4"/>
           <p:cNvSpPr>
             <a:spLocks noGrp="1"/>
           </p:cNvSpPr>
@@ -1867,8 +1882,8 @@
         </p:nvSpPr>
         <p:spPr>
           <a:xfrm>
-            <a:off x="6226200" y="4365000"/>
-            <a:ext cx="5131080" cy="2318760"/>
+            <a:off x="6231960" y="3682080"/>
+            <a:ext cx="5354280" cy="1896840"/>
           </a:xfrm>
           <a:prstGeom prst="rect">
             <a:avLst/>
@@ -1877,23 +1892,23 @@
         <p:txBody>
           <a:bodyPr lIns="0" rIns="0" tIns="0" bIns="0"/>
           <a:p>
-            <a:endParaRPr b="0" lang="en-US" sz="2800" spc="-1" strike="noStrike">
-              <a:solidFill>
-                <a:srgbClr val="000000"/>
-              </a:solidFill>
-              <a:uFill>
-                <a:solidFill>
-                  <a:srgbClr val="ffffff"/>
-                </a:solidFill>
-              </a:uFill>
-              <a:latin typeface="Calibri"/>
-            </a:endParaRPr>
-          </a:p>
-        </p:txBody>
-      </p:sp>
-      <p:sp>
-        <p:nvSpPr>
-          <p:cNvPr id="72" name="PlaceHolder 5"/>
+            <a:endParaRPr b="0" lang="en-US" sz="3200" spc="-1" strike="noStrike">
+              <a:solidFill>
+                <a:srgbClr val="000000"/>
+              </a:solidFill>
+              <a:uFill>
+                <a:solidFill>
+                  <a:srgbClr val="ffffff"/>
+                </a:solidFill>
+              </a:uFill>
+              <a:latin typeface="Arial"/>
+            </a:endParaRPr>
+          </a:p>
+        </p:txBody>
+      </p:sp>
+      <p:sp>
+        <p:nvSpPr>
+          <p:cNvPr id="69" name="PlaceHolder 5"/>
           <p:cNvSpPr>
             <a:spLocks noGrp="1"/>
           </p:cNvSpPr>
@@ -1903,8 +1918,8 @@
         </p:nvSpPr>
         <p:spPr>
           <a:xfrm>
-            <a:off x="838080" y="4365000"/>
-            <a:ext cx="5131080" cy="2318760"/>
+            <a:off x="609480" y="3682080"/>
+            <a:ext cx="5354280" cy="1896840"/>
           </a:xfrm>
           <a:prstGeom prst="rect">
             <a:avLst/>
@@ -1913,16 +1928,16 @@
         <p:txBody>
           <a:bodyPr lIns="0" rIns="0" tIns="0" bIns="0"/>
           <a:p>
-            <a:endParaRPr b="0" lang="en-US" sz="2800" spc="-1" strike="noStrike">
-              <a:solidFill>
-                <a:srgbClr val="000000"/>
-              </a:solidFill>
-              <a:uFill>
-                <a:solidFill>
-                  <a:srgbClr val="ffffff"/>
-                </a:solidFill>
-              </a:uFill>
-              <a:latin typeface="Calibri"/>
+            <a:endParaRPr b="0" lang="en-US" sz="3200" spc="-1" strike="noStrike">
+              <a:solidFill>
+                <a:srgbClr val="000000"/>
+              </a:solidFill>
+              <a:uFill>
+                <a:solidFill>
+                  <a:srgbClr val="ffffff"/>
+                </a:solidFill>
+              </a:uFill>
+              <a:latin typeface="Arial"/>
             </a:endParaRPr>
           </a:p>
         </p:txBody>
@@ -1951,7 +1966,7 @@
       </p:grpSpPr>
       <p:sp>
         <p:nvSpPr>
-          <p:cNvPr id="73" name="PlaceHolder 1"/>
+          <p:cNvPr id="70" name="PlaceHolder 1"/>
           <p:cNvSpPr>
             <a:spLocks noGrp="1"/>
           </p:cNvSpPr>
@@ -1961,8 +1976,8 @@
         </p:nvSpPr>
         <p:spPr>
           <a:xfrm>
-            <a:off x="838080" y="365040"/>
-            <a:ext cx="10515240" cy="1325160"/>
+            <a:off x="609480" y="273600"/>
+            <a:ext cx="10972440" cy="1144800"/>
           </a:xfrm>
           <a:prstGeom prst="rect">
             <a:avLst/>
@@ -1971,23 +1986,24 @@
         <p:txBody>
           <a:bodyPr lIns="0" rIns="0" tIns="0" bIns="0" anchor="ctr"/>
           <a:p>
-            <a:endParaRPr b="0" lang="en-US" sz="1800" spc="-1" strike="noStrike">
-              <a:solidFill>
-                <a:srgbClr val="000000"/>
-              </a:solidFill>
-              <a:uFill>
-                <a:solidFill>
-                  <a:srgbClr val="ffffff"/>
-                </a:solidFill>
-              </a:uFill>
-              <a:latin typeface="Calibri"/>
-            </a:endParaRPr>
-          </a:p>
-        </p:txBody>
-      </p:sp>
-      <p:sp>
-        <p:nvSpPr>
-          <p:cNvPr id="74" name="PlaceHolder 2"/>
+            <a:pPr algn="ctr"/>
+            <a:endParaRPr b="0" lang="en-US" sz="4400" spc="-1" strike="noStrike">
+              <a:solidFill>
+                <a:srgbClr val="000000"/>
+              </a:solidFill>
+              <a:uFill>
+                <a:solidFill>
+                  <a:srgbClr val="ffffff"/>
+                </a:solidFill>
+              </a:uFill>
+              <a:latin typeface="Arial"/>
+            </a:endParaRPr>
+          </a:p>
+        </p:txBody>
+      </p:sp>
+      <p:sp>
+        <p:nvSpPr>
+          <p:cNvPr id="71" name="PlaceHolder 2"/>
           <p:cNvSpPr>
             <a:spLocks noGrp="1"/>
           </p:cNvSpPr>
@@ -1997,8 +2013,8 @@
         </p:nvSpPr>
         <p:spPr>
           <a:xfrm>
-            <a:off x="838080" y="1825560"/>
-            <a:ext cx="10515240" cy="4861440"/>
+            <a:off x="609480" y="1604520"/>
+            <a:ext cx="10972440" cy="3977280"/>
           </a:xfrm>
           <a:prstGeom prst="rect">
             <a:avLst/>
@@ -2007,23 +2023,23 @@
         <p:txBody>
           <a:bodyPr lIns="0" rIns="0" tIns="0" bIns="0"/>
           <a:p>
-            <a:endParaRPr b="0" lang="en-US" sz="2800" spc="-1" strike="noStrike">
-              <a:solidFill>
-                <a:srgbClr val="000000"/>
-              </a:solidFill>
-              <a:uFill>
-                <a:solidFill>
-                  <a:srgbClr val="ffffff"/>
-                </a:solidFill>
-              </a:uFill>
-              <a:latin typeface="Calibri"/>
-            </a:endParaRPr>
-          </a:p>
-        </p:txBody>
-      </p:sp>
-      <p:sp>
-        <p:nvSpPr>
-          <p:cNvPr id="75" name="PlaceHolder 3"/>
+            <a:endParaRPr b="0" lang="en-US" sz="3200" spc="-1" strike="noStrike">
+              <a:solidFill>
+                <a:srgbClr val="000000"/>
+              </a:solidFill>
+              <a:uFill>
+                <a:solidFill>
+                  <a:srgbClr val="ffffff"/>
+                </a:solidFill>
+              </a:uFill>
+              <a:latin typeface="Arial"/>
+            </a:endParaRPr>
+          </a:p>
+        </p:txBody>
+      </p:sp>
+      <p:sp>
+        <p:nvSpPr>
+          <p:cNvPr id="72" name="PlaceHolder 3"/>
           <p:cNvSpPr>
             <a:spLocks noGrp="1"/>
           </p:cNvSpPr>
@@ -2033,8 +2049,8 @@
         </p:nvSpPr>
         <p:spPr>
           <a:xfrm>
-            <a:off x="838080" y="1825560"/>
-            <a:ext cx="10515240" cy="4861440"/>
+            <a:off x="609480" y="1604520"/>
+            <a:ext cx="10972440" cy="3977280"/>
           </a:xfrm>
           <a:prstGeom prst="rect">
             <a:avLst/>
@@ -2043,23 +2059,23 @@
         <p:txBody>
           <a:bodyPr lIns="0" rIns="0" tIns="0" bIns="0"/>
           <a:p>
-            <a:endParaRPr b="0" lang="en-US" sz="2800" spc="-1" strike="noStrike">
-              <a:solidFill>
-                <a:srgbClr val="000000"/>
-              </a:solidFill>
-              <a:uFill>
-                <a:solidFill>
-                  <a:srgbClr val="ffffff"/>
-                </a:solidFill>
-              </a:uFill>
-              <a:latin typeface="Calibri"/>
+            <a:endParaRPr b="0" lang="en-US" sz="3200" spc="-1" strike="noStrike">
+              <a:solidFill>
+                <a:srgbClr val="000000"/>
+              </a:solidFill>
+              <a:uFill>
+                <a:solidFill>
+                  <a:srgbClr val="ffffff"/>
+                </a:solidFill>
+              </a:uFill>
+              <a:latin typeface="Arial"/>
             </a:endParaRPr>
           </a:p>
         </p:txBody>
       </p:sp>
       <p:pic>
         <p:nvPicPr>
-          <p:cNvPr id="76" name="" descr=""/>
+          <p:cNvPr id="73" name="" descr=""/>
           <p:cNvPicPr/>
           <p:nvPr/>
         </p:nvPicPr>
@@ -2069,8 +2085,8 @@
         </p:blipFill>
         <p:spPr>
           <a:xfrm>
-            <a:off x="3048840" y="1825560"/>
-            <a:ext cx="6093000" cy="4861440"/>
+            <a:off x="3602880" y="1604520"/>
+            <a:ext cx="4984920" cy="3977280"/>
           </a:xfrm>
           <a:prstGeom prst="rect">
             <a:avLst/>
@@ -2082,7 +2098,7 @@
       </p:pic>
       <p:pic>
         <p:nvPicPr>
-          <p:cNvPr id="77" name="" descr=""/>
+          <p:cNvPr id="74" name="" descr=""/>
           <p:cNvPicPr/>
           <p:nvPr/>
         </p:nvPicPr>
@@ -2092,8 +2108,8 @@
         </p:blipFill>
         <p:spPr>
           <a:xfrm>
-            <a:off x="3048840" y="1825560"/>
-            <a:ext cx="6093000" cy="4861440"/>
+            <a:off x="3602880" y="1604520"/>
+            <a:ext cx="4984920" cy="3977280"/>
           </a:xfrm>
           <a:prstGeom prst="rect">
             <a:avLst/>
@@ -2127,7 +2143,7 @@
       </p:grpSpPr>
       <p:sp>
         <p:nvSpPr>
-          <p:cNvPr id="7" name="PlaceHolder 1"/>
+          <p:cNvPr id="4" name="PlaceHolder 1"/>
           <p:cNvSpPr>
             <a:spLocks noGrp="1"/>
           </p:cNvSpPr>
@@ -2137,8 +2153,8 @@
         </p:nvSpPr>
         <p:spPr>
           <a:xfrm>
-            <a:off x="838080" y="365040"/>
-            <a:ext cx="10515240" cy="1325160"/>
+            <a:off x="609480" y="273600"/>
+            <a:ext cx="10972440" cy="1144800"/>
           </a:xfrm>
           <a:prstGeom prst="rect">
             <a:avLst/>
@@ -2147,23 +2163,24 @@
         <p:txBody>
           <a:bodyPr lIns="0" rIns="0" tIns="0" bIns="0" anchor="ctr"/>
           <a:p>
-            <a:endParaRPr b="0" lang="en-US" sz="1800" spc="-1" strike="noStrike">
-              <a:solidFill>
-                <a:srgbClr val="000000"/>
-              </a:solidFill>
-              <a:uFill>
-                <a:solidFill>
-                  <a:srgbClr val="ffffff"/>
-                </a:solidFill>
-              </a:uFill>
-              <a:latin typeface="Calibri"/>
-            </a:endParaRPr>
-          </a:p>
-        </p:txBody>
-      </p:sp>
-      <p:sp>
-        <p:nvSpPr>
-          <p:cNvPr id="8" name="PlaceHolder 2"/>
+            <a:pPr algn="ctr"/>
+            <a:endParaRPr b="0" lang="en-US" sz="4400" spc="-1" strike="noStrike">
+              <a:solidFill>
+                <a:srgbClr val="000000"/>
+              </a:solidFill>
+              <a:uFill>
+                <a:solidFill>
+                  <a:srgbClr val="ffffff"/>
+                </a:solidFill>
+              </a:uFill>
+              <a:latin typeface="Arial"/>
+            </a:endParaRPr>
+          </a:p>
+        </p:txBody>
+      </p:sp>
+      <p:sp>
+        <p:nvSpPr>
+          <p:cNvPr id="5" name="PlaceHolder 2"/>
           <p:cNvSpPr>
             <a:spLocks noGrp="1"/>
           </p:cNvSpPr>
@@ -2173,8 +2190,8 @@
         </p:nvSpPr>
         <p:spPr>
           <a:xfrm>
-            <a:off x="838080" y="1825560"/>
-            <a:ext cx="10515240" cy="4861440"/>
+            <a:off x="609480" y="1604520"/>
+            <a:ext cx="10972440" cy="3977280"/>
           </a:xfrm>
           <a:prstGeom prst="rect">
             <a:avLst/>
@@ -2183,16 +2200,16 @@
         <p:txBody>
           <a:bodyPr lIns="0" rIns="0" tIns="0" bIns="0"/>
           <a:p>
-            <a:endParaRPr b="0" lang="en-US" sz="2800" spc="-1" strike="noStrike">
-              <a:solidFill>
-                <a:srgbClr val="000000"/>
-              </a:solidFill>
-              <a:uFill>
-                <a:solidFill>
-                  <a:srgbClr val="ffffff"/>
-                </a:solidFill>
-              </a:uFill>
-              <a:latin typeface="Calibri"/>
+            <a:endParaRPr b="0" lang="en-US" sz="3200" spc="-1" strike="noStrike">
+              <a:solidFill>
+                <a:srgbClr val="000000"/>
+              </a:solidFill>
+              <a:uFill>
+                <a:solidFill>
+                  <a:srgbClr val="ffffff"/>
+                </a:solidFill>
+              </a:uFill>
+              <a:latin typeface="Arial"/>
             </a:endParaRPr>
           </a:p>
         </p:txBody>
@@ -2221,7 +2238,7 @@
       </p:grpSpPr>
       <p:sp>
         <p:nvSpPr>
-          <p:cNvPr id="9" name="PlaceHolder 1"/>
+          <p:cNvPr id="6" name="PlaceHolder 1"/>
           <p:cNvSpPr>
             <a:spLocks noGrp="1"/>
           </p:cNvSpPr>
@@ -2231,8 +2248,8 @@
         </p:nvSpPr>
         <p:spPr>
           <a:xfrm>
-            <a:off x="838080" y="365040"/>
-            <a:ext cx="10515240" cy="1325160"/>
+            <a:off x="609480" y="273600"/>
+            <a:ext cx="10972440" cy="1144800"/>
           </a:xfrm>
           <a:prstGeom prst="rect">
             <a:avLst/>
@@ -2241,23 +2258,24 @@
         <p:txBody>
           <a:bodyPr lIns="0" rIns="0" tIns="0" bIns="0" anchor="ctr"/>
           <a:p>
-            <a:endParaRPr b="0" lang="en-US" sz="1800" spc="-1" strike="noStrike">
-              <a:solidFill>
-                <a:srgbClr val="000000"/>
-              </a:solidFill>
-              <a:uFill>
-                <a:solidFill>
-                  <a:srgbClr val="ffffff"/>
-                </a:solidFill>
-              </a:uFill>
-              <a:latin typeface="Calibri"/>
-            </a:endParaRPr>
-          </a:p>
-        </p:txBody>
-      </p:sp>
-      <p:sp>
-        <p:nvSpPr>
-          <p:cNvPr id="10" name="PlaceHolder 2"/>
+            <a:pPr algn="ctr"/>
+            <a:endParaRPr b="0" lang="en-US" sz="4400" spc="-1" strike="noStrike">
+              <a:solidFill>
+                <a:srgbClr val="000000"/>
+              </a:solidFill>
+              <a:uFill>
+                <a:solidFill>
+                  <a:srgbClr val="ffffff"/>
+                </a:solidFill>
+              </a:uFill>
+              <a:latin typeface="Arial"/>
+            </a:endParaRPr>
+          </a:p>
+        </p:txBody>
+      </p:sp>
+      <p:sp>
+        <p:nvSpPr>
+          <p:cNvPr id="7" name="PlaceHolder 2"/>
           <p:cNvSpPr>
             <a:spLocks noGrp="1"/>
           </p:cNvSpPr>
@@ -2267,8 +2285,8 @@
         </p:nvSpPr>
         <p:spPr>
           <a:xfrm>
-            <a:off x="838080" y="1825560"/>
-            <a:ext cx="5131080" cy="4861440"/>
+            <a:off x="609480" y="1604520"/>
+            <a:ext cx="5354280" cy="3977280"/>
           </a:xfrm>
           <a:prstGeom prst="rect">
             <a:avLst/>
@@ -2277,23 +2295,23 @@
         <p:txBody>
           <a:bodyPr lIns="0" rIns="0" tIns="0" bIns="0"/>
           <a:p>
-            <a:endParaRPr b="0" lang="en-US" sz="2800" spc="-1" strike="noStrike">
-              <a:solidFill>
-                <a:srgbClr val="000000"/>
-              </a:solidFill>
-              <a:uFill>
-                <a:solidFill>
-                  <a:srgbClr val="ffffff"/>
-                </a:solidFill>
-              </a:uFill>
-              <a:latin typeface="Calibri"/>
-            </a:endParaRPr>
-          </a:p>
-        </p:txBody>
-      </p:sp>
-      <p:sp>
-        <p:nvSpPr>
-          <p:cNvPr id="11" name="PlaceHolder 3"/>
+            <a:endParaRPr b="0" lang="en-US" sz="3200" spc="-1" strike="noStrike">
+              <a:solidFill>
+                <a:srgbClr val="000000"/>
+              </a:solidFill>
+              <a:uFill>
+                <a:solidFill>
+                  <a:srgbClr val="ffffff"/>
+                </a:solidFill>
+              </a:uFill>
+              <a:latin typeface="Arial"/>
+            </a:endParaRPr>
+          </a:p>
+        </p:txBody>
+      </p:sp>
+      <p:sp>
+        <p:nvSpPr>
+          <p:cNvPr id="8" name="PlaceHolder 3"/>
           <p:cNvSpPr>
             <a:spLocks noGrp="1"/>
           </p:cNvSpPr>
@@ -2303,8 +2321,8 @@
         </p:nvSpPr>
         <p:spPr>
           <a:xfrm>
-            <a:off x="6226200" y="1825560"/>
-            <a:ext cx="5131080" cy="4861440"/>
+            <a:off x="6231960" y="1604520"/>
+            <a:ext cx="5354280" cy="3977280"/>
           </a:xfrm>
           <a:prstGeom prst="rect">
             <a:avLst/>
@@ -2313,16 +2331,16 @@
         <p:txBody>
           <a:bodyPr lIns="0" rIns="0" tIns="0" bIns="0"/>
           <a:p>
-            <a:endParaRPr b="0" lang="en-US" sz="2800" spc="-1" strike="noStrike">
-              <a:solidFill>
-                <a:srgbClr val="000000"/>
-              </a:solidFill>
-              <a:uFill>
-                <a:solidFill>
-                  <a:srgbClr val="ffffff"/>
-                </a:solidFill>
-              </a:uFill>
-              <a:latin typeface="Calibri"/>
+            <a:endParaRPr b="0" lang="en-US" sz="3200" spc="-1" strike="noStrike">
+              <a:solidFill>
+                <a:srgbClr val="000000"/>
+              </a:solidFill>
+              <a:uFill>
+                <a:solidFill>
+                  <a:srgbClr val="ffffff"/>
+                </a:solidFill>
+              </a:uFill>
+              <a:latin typeface="Arial"/>
             </a:endParaRPr>
           </a:p>
         </p:txBody>
@@ -2351,7 +2369,7 @@
       </p:grpSpPr>
       <p:sp>
         <p:nvSpPr>
-          <p:cNvPr id="12" name="PlaceHolder 1"/>
+          <p:cNvPr id="9" name="PlaceHolder 1"/>
           <p:cNvSpPr>
             <a:spLocks noGrp="1"/>
           </p:cNvSpPr>
@@ -2361,8 +2379,8 @@
         </p:nvSpPr>
         <p:spPr>
           <a:xfrm>
-            <a:off x="838080" y="365040"/>
-            <a:ext cx="10515240" cy="1325160"/>
+            <a:off x="609480" y="273600"/>
+            <a:ext cx="10972440" cy="1144800"/>
           </a:xfrm>
           <a:prstGeom prst="rect">
             <a:avLst/>
@@ -2371,16 +2389,17 @@
         <p:txBody>
           <a:bodyPr lIns="0" rIns="0" tIns="0" bIns="0" anchor="ctr"/>
           <a:p>
-            <a:endParaRPr b="0" lang="en-US" sz="1800" spc="-1" strike="noStrike">
-              <a:solidFill>
-                <a:srgbClr val="000000"/>
-              </a:solidFill>
-              <a:uFill>
-                <a:solidFill>
-                  <a:srgbClr val="ffffff"/>
-                </a:solidFill>
-              </a:uFill>
-              <a:latin typeface="Calibri"/>
+            <a:pPr algn="ctr"/>
+            <a:endParaRPr b="0" lang="en-US" sz="4400" spc="-1" strike="noStrike">
+              <a:solidFill>
+                <a:srgbClr val="000000"/>
+              </a:solidFill>
+              <a:uFill>
+                <a:solidFill>
+                  <a:srgbClr val="ffffff"/>
+                </a:solidFill>
+              </a:uFill>
+              <a:latin typeface="Arial"/>
             </a:endParaRPr>
           </a:p>
         </p:txBody>
@@ -2409,7 +2428,7 @@
       </p:grpSpPr>
       <p:sp>
         <p:nvSpPr>
-          <p:cNvPr id="13" name="PlaceHolder 1"/>
+          <p:cNvPr id="10" name="PlaceHolder 1"/>
           <p:cNvSpPr>
             <a:spLocks noGrp="1"/>
           </p:cNvSpPr>
@@ -2419,8 +2438,8 @@
         </p:nvSpPr>
         <p:spPr>
           <a:xfrm>
-            <a:off x="838080" y="365040"/>
-            <a:ext cx="10515240" cy="6144120"/>
+            <a:off x="609480" y="273600"/>
+            <a:ext cx="10972440" cy="5307840"/>
           </a:xfrm>
           <a:prstGeom prst="rect">
             <a:avLst/>
@@ -2468,7 +2487,7 @@
       </p:grpSpPr>
       <p:sp>
         <p:nvSpPr>
-          <p:cNvPr id="14" name="PlaceHolder 1"/>
+          <p:cNvPr id="11" name="PlaceHolder 1"/>
           <p:cNvSpPr>
             <a:spLocks noGrp="1"/>
           </p:cNvSpPr>
@@ -2478,8 +2497,8 @@
         </p:nvSpPr>
         <p:spPr>
           <a:xfrm>
-            <a:off x="838080" y="365040"/>
-            <a:ext cx="10515240" cy="1325160"/>
+            <a:off x="609480" y="273600"/>
+            <a:ext cx="10972440" cy="1144800"/>
           </a:xfrm>
           <a:prstGeom prst="rect">
             <a:avLst/>
@@ -2488,23 +2507,24 @@
         <p:txBody>
           <a:bodyPr lIns="0" rIns="0" tIns="0" bIns="0" anchor="ctr"/>
           <a:p>
-            <a:endParaRPr b="0" lang="en-US" sz="1800" spc="-1" strike="noStrike">
-              <a:solidFill>
-                <a:srgbClr val="000000"/>
-              </a:solidFill>
-              <a:uFill>
-                <a:solidFill>
-                  <a:srgbClr val="ffffff"/>
-                </a:solidFill>
-              </a:uFill>
-              <a:latin typeface="Calibri"/>
-            </a:endParaRPr>
-          </a:p>
-        </p:txBody>
-      </p:sp>
-      <p:sp>
-        <p:nvSpPr>
-          <p:cNvPr id="15" name="PlaceHolder 2"/>
+            <a:pPr algn="ctr"/>
+            <a:endParaRPr b="0" lang="en-US" sz="4400" spc="-1" strike="noStrike">
+              <a:solidFill>
+                <a:srgbClr val="000000"/>
+              </a:solidFill>
+              <a:uFill>
+                <a:solidFill>
+                  <a:srgbClr val="ffffff"/>
+                </a:solidFill>
+              </a:uFill>
+              <a:latin typeface="Arial"/>
+            </a:endParaRPr>
+          </a:p>
+        </p:txBody>
+      </p:sp>
+      <p:sp>
+        <p:nvSpPr>
+          <p:cNvPr id="12" name="PlaceHolder 2"/>
           <p:cNvSpPr>
             <a:spLocks noGrp="1"/>
           </p:cNvSpPr>
@@ -2514,8 +2534,8 @@
         </p:nvSpPr>
         <p:spPr>
           <a:xfrm>
-            <a:off x="838080" y="1825560"/>
-            <a:ext cx="5131080" cy="2318760"/>
+            <a:off x="609480" y="1604520"/>
+            <a:ext cx="5354280" cy="1896840"/>
           </a:xfrm>
           <a:prstGeom prst="rect">
             <a:avLst/>
@@ -2524,23 +2544,23 @@
         <p:txBody>
           <a:bodyPr lIns="0" rIns="0" tIns="0" bIns="0"/>
           <a:p>
-            <a:endParaRPr b="0" lang="en-US" sz="2800" spc="-1" strike="noStrike">
-              <a:solidFill>
-                <a:srgbClr val="000000"/>
-              </a:solidFill>
-              <a:uFill>
-                <a:solidFill>
-                  <a:srgbClr val="ffffff"/>
-                </a:solidFill>
-              </a:uFill>
-              <a:latin typeface="Calibri"/>
-            </a:endParaRPr>
-          </a:p>
-        </p:txBody>
-      </p:sp>
-      <p:sp>
-        <p:nvSpPr>
-          <p:cNvPr id="16" name="PlaceHolder 3"/>
+            <a:endParaRPr b="0" lang="en-US" sz="3200" spc="-1" strike="noStrike">
+              <a:solidFill>
+                <a:srgbClr val="000000"/>
+              </a:solidFill>
+              <a:uFill>
+                <a:solidFill>
+                  <a:srgbClr val="ffffff"/>
+                </a:solidFill>
+              </a:uFill>
+              <a:latin typeface="Arial"/>
+            </a:endParaRPr>
+          </a:p>
+        </p:txBody>
+      </p:sp>
+      <p:sp>
+        <p:nvSpPr>
+          <p:cNvPr id="13" name="PlaceHolder 3"/>
           <p:cNvSpPr>
             <a:spLocks noGrp="1"/>
           </p:cNvSpPr>
@@ -2550,8 +2570,8 @@
         </p:nvSpPr>
         <p:spPr>
           <a:xfrm>
-            <a:off x="838080" y="4365000"/>
-            <a:ext cx="5131080" cy="2318760"/>
+            <a:off x="609480" y="3682080"/>
+            <a:ext cx="5354280" cy="1896840"/>
           </a:xfrm>
           <a:prstGeom prst="rect">
             <a:avLst/>
@@ -2560,23 +2580,23 @@
         <p:txBody>
           <a:bodyPr lIns="0" rIns="0" tIns="0" bIns="0"/>
           <a:p>
-            <a:endParaRPr b="0" lang="en-US" sz="2800" spc="-1" strike="noStrike">
-              <a:solidFill>
-                <a:srgbClr val="000000"/>
-              </a:solidFill>
-              <a:uFill>
-                <a:solidFill>
-                  <a:srgbClr val="ffffff"/>
-                </a:solidFill>
-              </a:uFill>
-              <a:latin typeface="Calibri"/>
-            </a:endParaRPr>
-          </a:p>
-        </p:txBody>
-      </p:sp>
-      <p:sp>
-        <p:nvSpPr>
-          <p:cNvPr id="17" name="PlaceHolder 4"/>
+            <a:endParaRPr b="0" lang="en-US" sz="3200" spc="-1" strike="noStrike">
+              <a:solidFill>
+                <a:srgbClr val="000000"/>
+              </a:solidFill>
+              <a:uFill>
+                <a:solidFill>
+                  <a:srgbClr val="ffffff"/>
+                </a:solidFill>
+              </a:uFill>
+              <a:latin typeface="Arial"/>
+            </a:endParaRPr>
+          </a:p>
+        </p:txBody>
+      </p:sp>
+      <p:sp>
+        <p:nvSpPr>
+          <p:cNvPr id="14" name="PlaceHolder 4"/>
           <p:cNvSpPr>
             <a:spLocks noGrp="1"/>
           </p:cNvSpPr>
@@ -2586,8 +2606,8 @@
         </p:nvSpPr>
         <p:spPr>
           <a:xfrm>
-            <a:off x="6226200" y="1825560"/>
-            <a:ext cx="5131080" cy="4861440"/>
+            <a:off x="6231960" y="1604520"/>
+            <a:ext cx="5354280" cy="3977280"/>
           </a:xfrm>
           <a:prstGeom prst="rect">
             <a:avLst/>
@@ -2596,16 +2616,16 @@
         <p:txBody>
           <a:bodyPr lIns="0" rIns="0" tIns="0" bIns="0"/>
           <a:p>
-            <a:endParaRPr b="0" lang="en-US" sz="2800" spc="-1" strike="noStrike">
-              <a:solidFill>
-                <a:srgbClr val="000000"/>
-              </a:solidFill>
-              <a:uFill>
-                <a:solidFill>
-                  <a:srgbClr val="ffffff"/>
-                </a:solidFill>
-              </a:uFill>
-              <a:latin typeface="Calibri"/>
+            <a:endParaRPr b="0" lang="en-US" sz="3200" spc="-1" strike="noStrike">
+              <a:solidFill>
+                <a:srgbClr val="000000"/>
+              </a:solidFill>
+              <a:uFill>
+                <a:solidFill>
+                  <a:srgbClr val="ffffff"/>
+                </a:solidFill>
+              </a:uFill>
+              <a:latin typeface="Arial"/>
             </a:endParaRPr>
           </a:p>
         </p:txBody>
@@ -2634,7 +2654,7 @@
       </p:grpSpPr>
       <p:sp>
         <p:nvSpPr>
-          <p:cNvPr id="18" name="PlaceHolder 1"/>
+          <p:cNvPr id="15" name="PlaceHolder 1"/>
           <p:cNvSpPr>
             <a:spLocks noGrp="1"/>
           </p:cNvSpPr>
@@ -2644,8 +2664,8 @@
         </p:nvSpPr>
         <p:spPr>
           <a:xfrm>
-            <a:off x="838080" y="365040"/>
-            <a:ext cx="10515240" cy="1325160"/>
+            <a:off x="609480" y="273600"/>
+            <a:ext cx="10972440" cy="1144800"/>
           </a:xfrm>
           <a:prstGeom prst="rect">
             <a:avLst/>
@@ -2654,23 +2674,24 @@
         <p:txBody>
           <a:bodyPr lIns="0" rIns="0" tIns="0" bIns="0" anchor="ctr"/>
           <a:p>
-            <a:endParaRPr b="0" lang="en-US" sz="1800" spc="-1" strike="noStrike">
-              <a:solidFill>
-                <a:srgbClr val="000000"/>
-              </a:solidFill>
-              <a:uFill>
-                <a:solidFill>
-                  <a:srgbClr val="ffffff"/>
-                </a:solidFill>
-              </a:uFill>
-              <a:latin typeface="Calibri"/>
-            </a:endParaRPr>
-          </a:p>
-        </p:txBody>
-      </p:sp>
-      <p:sp>
-        <p:nvSpPr>
-          <p:cNvPr id="19" name="PlaceHolder 2"/>
+            <a:pPr algn="ctr"/>
+            <a:endParaRPr b="0" lang="en-US" sz="4400" spc="-1" strike="noStrike">
+              <a:solidFill>
+                <a:srgbClr val="000000"/>
+              </a:solidFill>
+              <a:uFill>
+                <a:solidFill>
+                  <a:srgbClr val="ffffff"/>
+                </a:solidFill>
+              </a:uFill>
+              <a:latin typeface="Arial"/>
+            </a:endParaRPr>
+          </a:p>
+        </p:txBody>
+      </p:sp>
+      <p:sp>
+        <p:nvSpPr>
+          <p:cNvPr id="16" name="PlaceHolder 2"/>
           <p:cNvSpPr>
             <a:spLocks noGrp="1"/>
           </p:cNvSpPr>
@@ -2680,8 +2701,8 @@
         </p:nvSpPr>
         <p:spPr>
           <a:xfrm>
-            <a:off x="838080" y="1825560"/>
-            <a:ext cx="5131080" cy="4861440"/>
+            <a:off x="609480" y="1604520"/>
+            <a:ext cx="5354280" cy="3977280"/>
           </a:xfrm>
           <a:prstGeom prst="rect">
             <a:avLst/>
@@ -2690,23 +2711,23 @@
         <p:txBody>
           <a:bodyPr lIns="0" rIns="0" tIns="0" bIns="0"/>
           <a:p>
-            <a:endParaRPr b="0" lang="en-US" sz="2800" spc="-1" strike="noStrike">
-              <a:solidFill>
-                <a:srgbClr val="000000"/>
-              </a:solidFill>
-              <a:uFill>
-                <a:solidFill>
-                  <a:srgbClr val="ffffff"/>
-                </a:solidFill>
-              </a:uFill>
-              <a:latin typeface="Calibri"/>
-            </a:endParaRPr>
-          </a:p>
-        </p:txBody>
-      </p:sp>
-      <p:sp>
-        <p:nvSpPr>
-          <p:cNvPr id="20" name="PlaceHolder 3"/>
+            <a:endParaRPr b="0" lang="en-US" sz="3200" spc="-1" strike="noStrike">
+              <a:solidFill>
+                <a:srgbClr val="000000"/>
+              </a:solidFill>
+              <a:uFill>
+                <a:solidFill>
+                  <a:srgbClr val="ffffff"/>
+                </a:solidFill>
+              </a:uFill>
+              <a:latin typeface="Arial"/>
+            </a:endParaRPr>
+          </a:p>
+        </p:txBody>
+      </p:sp>
+      <p:sp>
+        <p:nvSpPr>
+          <p:cNvPr id="17" name="PlaceHolder 3"/>
           <p:cNvSpPr>
             <a:spLocks noGrp="1"/>
           </p:cNvSpPr>
@@ -2716,8 +2737,8 @@
         </p:nvSpPr>
         <p:spPr>
           <a:xfrm>
-            <a:off x="6226200" y="1825560"/>
-            <a:ext cx="5131080" cy="2318760"/>
+            <a:off x="6231960" y="1604520"/>
+            <a:ext cx="5354280" cy="1896840"/>
           </a:xfrm>
           <a:prstGeom prst="rect">
             <a:avLst/>
@@ -2726,23 +2747,23 @@
         <p:txBody>
           <a:bodyPr lIns="0" rIns="0" tIns="0" bIns="0"/>
           <a:p>
-            <a:endParaRPr b="0" lang="en-US" sz="2800" spc="-1" strike="noStrike">
-              <a:solidFill>
-                <a:srgbClr val="000000"/>
-              </a:solidFill>
-              <a:uFill>
-                <a:solidFill>
-                  <a:srgbClr val="ffffff"/>
-                </a:solidFill>
-              </a:uFill>
-              <a:latin typeface="Calibri"/>
-            </a:endParaRPr>
-          </a:p>
-        </p:txBody>
-      </p:sp>
-      <p:sp>
-        <p:nvSpPr>
-          <p:cNvPr id="21" name="PlaceHolder 4"/>
+            <a:endParaRPr b="0" lang="en-US" sz="3200" spc="-1" strike="noStrike">
+              <a:solidFill>
+                <a:srgbClr val="000000"/>
+              </a:solidFill>
+              <a:uFill>
+                <a:solidFill>
+                  <a:srgbClr val="ffffff"/>
+                </a:solidFill>
+              </a:uFill>
+              <a:latin typeface="Arial"/>
+            </a:endParaRPr>
+          </a:p>
+        </p:txBody>
+      </p:sp>
+      <p:sp>
+        <p:nvSpPr>
+          <p:cNvPr id="18" name="PlaceHolder 4"/>
           <p:cNvSpPr>
             <a:spLocks noGrp="1"/>
           </p:cNvSpPr>
@@ -2752,8 +2773,8 @@
         </p:nvSpPr>
         <p:spPr>
           <a:xfrm>
-            <a:off x="6226200" y="4365000"/>
-            <a:ext cx="5131080" cy="2318760"/>
+            <a:off x="6231960" y="3682080"/>
+            <a:ext cx="5354280" cy="1896840"/>
           </a:xfrm>
           <a:prstGeom prst="rect">
             <a:avLst/>
@@ -2762,16 +2783,16 @@
         <p:txBody>
           <a:bodyPr lIns="0" rIns="0" tIns="0" bIns="0"/>
           <a:p>
-            <a:endParaRPr b="0" lang="en-US" sz="2800" spc="-1" strike="noStrike">
-              <a:solidFill>
-                <a:srgbClr val="000000"/>
-              </a:solidFill>
-              <a:uFill>
-                <a:solidFill>
-                  <a:srgbClr val="ffffff"/>
-                </a:solidFill>
-              </a:uFill>
-              <a:latin typeface="Calibri"/>
+            <a:endParaRPr b="0" lang="en-US" sz="3200" spc="-1" strike="noStrike">
+              <a:solidFill>
+                <a:srgbClr val="000000"/>
+              </a:solidFill>
+              <a:uFill>
+                <a:solidFill>
+                  <a:srgbClr val="ffffff"/>
+                </a:solidFill>
+              </a:uFill>
+              <a:latin typeface="Arial"/>
             </a:endParaRPr>
           </a:p>
         </p:txBody>
@@ -2800,7 +2821,7 @@
       </p:grpSpPr>
       <p:sp>
         <p:nvSpPr>
-          <p:cNvPr id="22" name="PlaceHolder 1"/>
+          <p:cNvPr id="19" name="PlaceHolder 1"/>
           <p:cNvSpPr>
             <a:spLocks noGrp="1"/>
           </p:cNvSpPr>
@@ -2810,8 +2831,8 @@
         </p:nvSpPr>
         <p:spPr>
           <a:xfrm>
-            <a:off x="838080" y="365040"/>
-            <a:ext cx="10515240" cy="1325160"/>
+            <a:off x="609480" y="273600"/>
+            <a:ext cx="10972440" cy="1144800"/>
           </a:xfrm>
           <a:prstGeom prst="rect">
             <a:avLst/>
@@ -2820,23 +2841,24 @@
         <p:txBody>
           <a:bodyPr lIns="0" rIns="0" tIns="0" bIns="0" anchor="ctr"/>
           <a:p>
-            <a:endParaRPr b="0" lang="en-US" sz="1800" spc="-1" strike="noStrike">
-              <a:solidFill>
-                <a:srgbClr val="000000"/>
-              </a:solidFill>
-              <a:uFill>
-                <a:solidFill>
-                  <a:srgbClr val="ffffff"/>
-                </a:solidFill>
-              </a:uFill>
-              <a:latin typeface="Calibri"/>
-            </a:endParaRPr>
-          </a:p>
-        </p:txBody>
-      </p:sp>
-      <p:sp>
-        <p:nvSpPr>
-          <p:cNvPr id="23" name="PlaceHolder 2"/>
+            <a:pPr algn="ctr"/>
+            <a:endParaRPr b="0" lang="en-US" sz="4400" spc="-1" strike="noStrike">
+              <a:solidFill>
+                <a:srgbClr val="000000"/>
+              </a:solidFill>
+              <a:uFill>
+                <a:solidFill>
+                  <a:srgbClr val="ffffff"/>
+                </a:solidFill>
+              </a:uFill>
+              <a:latin typeface="Arial"/>
+            </a:endParaRPr>
+          </a:p>
+        </p:txBody>
+      </p:sp>
+      <p:sp>
+        <p:nvSpPr>
+          <p:cNvPr id="20" name="PlaceHolder 2"/>
           <p:cNvSpPr>
             <a:spLocks noGrp="1"/>
           </p:cNvSpPr>
@@ -2846,8 +2868,8 @@
         </p:nvSpPr>
         <p:spPr>
           <a:xfrm>
-            <a:off x="838080" y="1825560"/>
-            <a:ext cx="5131080" cy="2318760"/>
+            <a:off x="609480" y="1604520"/>
+            <a:ext cx="5354280" cy="1896840"/>
           </a:xfrm>
           <a:prstGeom prst="rect">
             <a:avLst/>
@@ -2856,23 +2878,23 @@
         <p:txBody>
           <a:bodyPr lIns="0" rIns="0" tIns="0" bIns="0"/>
           <a:p>
-            <a:endParaRPr b="0" lang="en-US" sz="2800" spc="-1" strike="noStrike">
-              <a:solidFill>
-                <a:srgbClr val="000000"/>
-              </a:solidFill>
-              <a:uFill>
-                <a:solidFill>
-                  <a:srgbClr val="ffffff"/>
-                </a:solidFill>
-              </a:uFill>
-              <a:latin typeface="Calibri"/>
-            </a:endParaRPr>
-          </a:p>
-        </p:txBody>
-      </p:sp>
-      <p:sp>
-        <p:nvSpPr>
-          <p:cNvPr id="24" name="PlaceHolder 3"/>
+            <a:endParaRPr b="0" lang="en-US" sz="3200" spc="-1" strike="noStrike">
+              <a:solidFill>
+                <a:srgbClr val="000000"/>
+              </a:solidFill>
+              <a:uFill>
+                <a:solidFill>
+                  <a:srgbClr val="ffffff"/>
+                </a:solidFill>
+              </a:uFill>
+              <a:latin typeface="Arial"/>
+            </a:endParaRPr>
+          </a:p>
+        </p:txBody>
+      </p:sp>
+      <p:sp>
+        <p:nvSpPr>
+          <p:cNvPr id="21" name="PlaceHolder 3"/>
           <p:cNvSpPr>
             <a:spLocks noGrp="1"/>
           </p:cNvSpPr>
@@ -2882,8 +2904,8 @@
         </p:nvSpPr>
         <p:spPr>
           <a:xfrm>
-            <a:off x="6226200" y="1825560"/>
-            <a:ext cx="5131080" cy="2318760"/>
+            <a:off x="6231960" y="1604520"/>
+            <a:ext cx="5354280" cy="1896840"/>
           </a:xfrm>
           <a:prstGeom prst="rect">
             <a:avLst/>
@@ -2892,23 +2914,23 @@
         <p:txBody>
           <a:bodyPr lIns="0" rIns="0" tIns="0" bIns="0"/>
           <a:p>
-            <a:endParaRPr b="0" lang="en-US" sz="2800" spc="-1" strike="noStrike">
-              <a:solidFill>
-                <a:srgbClr val="000000"/>
-              </a:solidFill>
-              <a:uFill>
-                <a:solidFill>
-                  <a:srgbClr val="ffffff"/>
-                </a:solidFill>
-              </a:uFill>
-              <a:latin typeface="Calibri"/>
-            </a:endParaRPr>
-          </a:p>
-        </p:txBody>
-      </p:sp>
-      <p:sp>
-        <p:nvSpPr>
-          <p:cNvPr id="25" name="PlaceHolder 4"/>
+            <a:endParaRPr b="0" lang="en-US" sz="3200" spc="-1" strike="noStrike">
+              <a:solidFill>
+                <a:srgbClr val="000000"/>
+              </a:solidFill>
+              <a:uFill>
+                <a:solidFill>
+                  <a:srgbClr val="ffffff"/>
+                </a:solidFill>
+              </a:uFill>
+              <a:latin typeface="Arial"/>
+            </a:endParaRPr>
+          </a:p>
+        </p:txBody>
+      </p:sp>
+      <p:sp>
+        <p:nvSpPr>
+          <p:cNvPr id="22" name="PlaceHolder 4"/>
           <p:cNvSpPr>
             <a:spLocks noGrp="1"/>
           </p:cNvSpPr>
@@ -2918,8 +2940,8 @@
         </p:nvSpPr>
         <p:spPr>
           <a:xfrm>
-            <a:off x="838080" y="4365000"/>
-            <a:ext cx="10515240" cy="2318760"/>
+            <a:off x="609480" y="3682080"/>
+            <a:ext cx="10972440" cy="1896840"/>
           </a:xfrm>
           <a:prstGeom prst="rect">
             <a:avLst/>
@@ -2928,16 +2950,16 @@
         <p:txBody>
           <a:bodyPr lIns="0" rIns="0" tIns="0" bIns="0"/>
           <a:p>
-            <a:endParaRPr b="0" lang="en-US" sz="2800" spc="-1" strike="noStrike">
-              <a:solidFill>
-                <a:srgbClr val="000000"/>
-              </a:solidFill>
-              <a:uFill>
-                <a:solidFill>
-                  <a:srgbClr val="ffffff"/>
-                </a:solidFill>
-              </a:uFill>
-              <a:latin typeface="Calibri"/>
+            <a:endParaRPr b="0" lang="en-US" sz="3200" spc="-1" strike="noStrike">
+              <a:solidFill>
+                <a:srgbClr val="000000"/>
+              </a:solidFill>
+              <a:uFill>
+                <a:solidFill>
+                  <a:srgbClr val="ffffff"/>
+                </a:solidFill>
+              </a:uFill>
+              <a:latin typeface="Arial"/>
             </a:endParaRPr>
           </a:p>
         </p:txBody>
@@ -2983,45 +3005,27 @@
         </p:nvSpPr>
         <p:spPr>
           <a:xfrm>
-            <a:off x="1523880" y="1122480"/>
-            <a:ext cx="9143640" cy="2387160"/>
-          </a:xfrm>
-          <a:prstGeom prst="rect">
-            <a:avLst/>
-          </a:prstGeom>
-        </p:spPr>
-        <p:txBody>
-          <a:bodyPr anchor="b"/>
-          <a:p>
-            <a:pPr algn="ctr">
-              <a:lnSpc>
-                <a:spcPct val="100000"/>
-              </a:lnSpc>
-            </a:pPr>
-            <a:r>
-              <a:rPr b="0" lang="en-US" sz="6000" spc="-1" strike="noStrike">
-                <a:solidFill>
-                  <a:srgbClr val="000000"/>
-                </a:solidFill>
-                <a:uFill>
-                  <a:solidFill>
-                    <a:srgbClr val="ffffff"/>
-                  </a:solidFill>
-                </a:uFill>
-                <a:latin typeface="Cambria"/>
-              </a:rPr>
-              <a:t>Click to edit Master title style</a:t>
-            </a:r>
-            <a:endParaRPr b="0" lang="en-US" sz="1800" spc="-1" strike="noStrike">
-              <a:solidFill>
-                <a:srgbClr val="000000"/>
-              </a:solidFill>
-              <a:uFill>
-                <a:solidFill>
-                  <a:srgbClr val="ffffff"/>
-                </a:solidFill>
-              </a:uFill>
-              <a:latin typeface="Calibri"/>
+            <a:off x="838080" y="365040"/>
+            <a:ext cx="10514880" cy="1324800"/>
+          </a:xfrm>
+          <a:prstGeom prst="rect">
+            <a:avLst/>
+          </a:prstGeom>
+        </p:spPr>
+        <p:txBody>
+          <a:bodyPr lIns="0" rIns="0" tIns="0" bIns="0" anchor="ctr"/>
+          <a:p>
+            <a:pPr algn="ctr"/>
+            <a:endParaRPr b="0" lang="en-US" sz="4400" spc="-1" strike="noStrike">
+              <a:solidFill>
+                <a:srgbClr val="000000"/>
+              </a:solidFill>
+              <a:uFill>
+                <a:solidFill>
+                  <a:srgbClr val="ffffff"/>
+                </a:solidFill>
+              </a:uFill>
+              <a:latin typeface="Arial"/>
             </a:endParaRPr>
           </a:p>
         </p:txBody>
@@ -3029,152 +3033,6 @@
       <p:sp>
         <p:nvSpPr>
           <p:cNvPr id="1" name="PlaceHolder 2"/>
-          <p:cNvSpPr>
-            <a:spLocks noGrp="1"/>
-          </p:cNvSpPr>
-          <p:nvPr>
-            <p:ph type="dt"/>
-          </p:nvPr>
-        </p:nvSpPr>
-        <p:spPr>
-          <a:xfrm>
-            <a:off x="838080" y="6356520"/>
-            <a:ext cx="2742840" cy="364680"/>
-          </a:xfrm>
-          <a:prstGeom prst="rect">
-            <a:avLst/>
-          </a:prstGeom>
-        </p:spPr>
-        <p:txBody>
-          <a:bodyPr anchor="ctr"/>
-          <a:p>
-            <a:pPr>
-              <a:lnSpc>
-                <a:spcPct val="100000"/>
-              </a:lnSpc>
-            </a:pPr>
-            <a:r>
-              <a:rPr b="0" lang="en-US" sz="1200" spc="-1" strike="noStrike">
-                <a:solidFill>
-                  <a:srgbClr val="8b8b8b"/>
-                </a:solidFill>
-                <a:uFill>
-                  <a:solidFill>
-                    <a:srgbClr val="ffffff"/>
-                  </a:solidFill>
-                </a:uFill>
-                <a:latin typeface="Calibri"/>
-              </a:rPr>
-              <a:t>7/13/18</a:t>
-            </a:r>
-            <a:endParaRPr b="0" lang="en-US" sz="1400" spc="-1" strike="noStrike">
-              <a:solidFill>
-                <a:srgbClr val="000000"/>
-              </a:solidFill>
-              <a:uFill>
-                <a:solidFill>
-                  <a:srgbClr val="ffffff"/>
-                </a:solidFill>
-              </a:uFill>
-              <a:latin typeface="Times New Roman"/>
-            </a:endParaRPr>
-          </a:p>
-        </p:txBody>
-      </p:sp>
-      <p:sp>
-        <p:nvSpPr>
-          <p:cNvPr id="2" name="PlaceHolder 3"/>
-          <p:cNvSpPr>
-            <a:spLocks noGrp="1"/>
-          </p:cNvSpPr>
-          <p:nvPr>
-            <p:ph type="ftr"/>
-          </p:nvPr>
-        </p:nvSpPr>
-        <p:spPr>
-          <a:xfrm>
-            <a:off x="4038480" y="6356520"/>
-            <a:ext cx="4114440" cy="364680"/>
-          </a:xfrm>
-          <a:prstGeom prst="rect">
-            <a:avLst/>
-          </a:prstGeom>
-        </p:spPr>
-        <p:txBody>
-          <a:bodyPr anchor="ctr"/>
-          <a:p>
-            <a:endParaRPr b="0" lang="en-US" sz="2400" spc="-1" strike="noStrike">
-              <a:solidFill>
-                <a:srgbClr val="000000"/>
-              </a:solidFill>
-              <a:uFill>
-                <a:solidFill>
-                  <a:srgbClr val="ffffff"/>
-                </a:solidFill>
-              </a:uFill>
-              <a:latin typeface="Times New Roman"/>
-            </a:endParaRPr>
-          </a:p>
-        </p:txBody>
-      </p:sp>
-      <p:sp>
-        <p:nvSpPr>
-          <p:cNvPr id="3" name="PlaceHolder 4"/>
-          <p:cNvSpPr>
-            <a:spLocks noGrp="1"/>
-          </p:cNvSpPr>
-          <p:nvPr>
-            <p:ph type="sldNum"/>
-          </p:nvPr>
-        </p:nvSpPr>
-        <p:spPr>
-          <a:xfrm>
-            <a:off x="8610480" y="6356520"/>
-            <a:ext cx="2742840" cy="364680"/>
-          </a:xfrm>
-          <a:prstGeom prst="rect">
-            <a:avLst/>
-          </a:prstGeom>
-        </p:spPr>
-        <p:txBody>
-          <a:bodyPr anchor="ctr"/>
-          <a:p>
-            <a:pPr algn="r">
-              <a:lnSpc>
-                <a:spcPct val="100000"/>
-              </a:lnSpc>
-            </a:pPr>
-            <a:fld id="{127FF1B9-B76E-4F85-B891-E781E704469C}" type="slidenum">
-              <a:rPr b="0" lang="en-US" sz="1200" spc="-1" strike="noStrike">
-                <a:solidFill>
-                  <a:srgbClr val="8b8b8b"/>
-                </a:solidFill>
-                <a:uFill>
-                  <a:solidFill>
-                    <a:srgbClr val="ffffff"/>
-                  </a:solidFill>
-                </a:uFill>
-                <a:latin typeface="Calibri"/>
-              </a:rPr>
-              <a:t>&lt;number&gt;</a:t>
-            </a:fld>
-            <a:endParaRPr b="0" lang="en-US" sz="1400" spc="-1" strike="noStrike">
-              <a:solidFill>
-                <a:srgbClr val="000000"/>
-              </a:solidFill>
-              <a:uFill>
-                <a:solidFill>
-                  <a:srgbClr val="ffffff"/>
-                </a:solidFill>
-              </a:uFill>
-              <a:latin typeface="Times New Roman"/>
-            </a:endParaRPr>
-          </a:p>
-        </p:txBody>
-      </p:sp>
-      <p:sp>
-        <p:nvSpPr>
-          <p:cNvPr id="4" name="PlaceHolder 5"/>
           <p:cNvSpPr>
             <a:spLocks noGrp="1"/>
           </p:cNvSpPr>
@@ -3203,7 +3061,7 @@
               <a:buChar char=""/>
             </a:pPr>
             <a:r>
-              <a:rPr b="0" lang="en-US" sz="2800" spc="-1" strike="noStrike">
+              <a:rPr b="0" lang="en-US" sz="3200" spc="-1" strike="noStrike">
                 <a:solidFill>
                   <a:srgbClr val="000000"/>
                 </a:solidFill>
@@ -3212,10 +3070,45 @@
                     <a:srgbClr val="ffffff"/>
                   </a:solidFill>
                 </a:uFill>
-                <a:latin typeface="Calibri"/>
+                <a:latin typeface="Arial"/>
               </a:rPr>
               <a:t>Click to edit the outline text format</a:t>
             </a:r>
+            <a:endParaRPr b="0" lang="en-US" sz="3200" spc="-1" strike="noStrike">
+              <a:solidFill>
+                <a:srgbClr val="000000"/>
+              </a:solidFill>
+              <a:uFill>
+                <a:solidFill>
+                  <a:srgbClr val="ffffff"/>
+                </a:solidFill>
+              </a:uFill>
+              <a:latin typeface="Arial"/>
+            </a:endParaRPr>
+          </a:p>
+          <a:p>
+            <a:pPr lvl="1" marL="864000" indent="-324000">
+              <a:buClr>
+                <a:srgbClr val="000000"/>
+              </a:buClr>
+              <a:buSzPct val="75000"/>
+              <a:buFont typeface="Symbol" charset="2"/>
+              <a:buChar char=""/>
+            </a:pPr>
+            <a:r>
+              <a:rPr b="0" lang="en-US" sz="2800" spc="-1" strike="noStrike">
+                <a:solidFill>
+                  <a:srgbClr val="000000"/>
+                </a:solidFill>
+                <a:uFill>
+                  <a:solidFill>
+                    <a:srgbClr val="ffffff"/>
+                  </a:solidFill>
+                </a:uFill>
+                <a:latin typeface="Arial"/>
+              </a:rPr>
+              <a:t>Second Outline Level</a:t>
+            </a:r>
             <a:endParaRPr b="0" lang="en-US" sz="2800" spc="-1" strike="noStrike">
               <a:solidFill>
                 <a:srgbClr val="000000"/>
@@ -3225,11 +3118,46 @@
                   <a:srgbClr val="ffffff"/>
                 </a:solidFill>
               </a:uFill>
-              <a:latin typeface="Calibri"/>
-            </a:endParaRPr>
-          </a:p>
-          <a:p>
-            <a:pPr lvl="1" marL="864000" indent="-324000">
+              <a:latin typeface="Arial"/>
+            </a:endParaRPr>
+          </a:p>
+          <a:p>
+            <a:pPr lvl="2" marL="1296000" indent="-288000">
+              <a:buClr>
+                <a:srgbClr val="000000"/>
+              </a:buClr>
+              <a:buSzPct val="45000"/>
+              <a:buFont typeface="Wingdings" charset="2"/>
+              <a:buChar char=""/>
+            </a:pPr>
+            <a:r>
+              <a:rPr b="0" lang="en-US" sz="2400" spc="-1" strike="noStrike">
+                <a:solidFill>
+                  <a:srgbClr val="000000"/>
+                </a:solidFill>
+                <a:uFill>
+                  <a:solidFill>
+                    <a:srgbClr val="ffffff"/>
+                  </a:solidFill>
+                </a:uFill>
+                <a:latin typeface="Arial"/>
+              </a:rPr>
+              <a:t>Third Outline Level</a:t>
+            </a:r>
+            <a:endParaRPr b="0" lang="en-US" sz="2400" spc="-1" strike="noStrike">
+              <a:solidFill>
+                <a:srgbClr val="000000"/>
+              </a:solidFill>
+              <a:uFill>
+                <a:solidFill>
+                  <a:srgbClr val="ffffff"/>
+                </a:solidFill>
+              </a:uFill>
+              <a:latin typeface="Arial"/>
+            </a:endParaRPr>
+          </a:p>
+          <a:p>
+            <a:pPr lvl="3" marL="1728000" indent="-216000">
               <a:buClr>
                 <a:srgbClr val="000000"/>
               </a:buClr>
@@ -3247,90 +3175,20 @@
                     <a:srgbClr val="ffffff"/>
                   </a:solidFill>
                 </a:uFill>
-                <a:latin typeface="Calibri"/>
-              </a:rPr>
-              <a:t>Second Outline Level</a:t>
-            </a:r>
-            <a:endParaRPr b="0" lang="en-US" sz="2000" spc="-1" strike="noStrike">
-              <a:solidFill>
-                <a:srgbClr val="000000"/>
-              </a:solidFill>
-              <a:uFill>
-                <a:solidFill>
-                  <a:srgbClr val="ffffff"/>
-                </a:solidFill>
-              </a:uFill>
-              <a:latin typeface="Calibri"/>
-            </a:endParaRPr>
-          </a:p>
-          <a:p>
-            <a:pPr lvl="2" marL="1296000" indent="-288000">
-              <a:buClr>
-                <a:srgbClr val="000000"/>
-              </a:buClr>
-              <a:buSzPct val="45000"/>
-              <a:buFont typeface="Wingdings" charset="2"/>
-              <a:buChar char=""/>
-            </a:pPr>
-            <a:r>
-              <a:rPr b="0" lang="en-US" sz="1800" spc="-1" strike="noStrike">
-                <a:solidFill>
-                  <a:srgbClr val="000000"/>
-                </a:solidFill>
-                <a:uFill>
-                  <a:solidFill>
-                    <a:srgbClr val="ffffff"/>
-                  </a:solidFill>
-                </a:uFill>
-                <a:latin typeface="Calibri"/>
-              </a:rPr>
-              <a:t>Third Outline Level</a:t>
-            </a:r>
-            <a:endParaRPr b="0" lang="en-US" sz="1800" spc="-1" strike="noStrike">
-              <a:solidFill>
-                <a:srgbClr val="000000"/>
-              </a:solidFill>
-              <a:uFill>
-                <a:solidFill>
-                  <a:srgbClr val="ffffff"/>
-                </a:solidFill>
-              </a:uFill>
-              <a:latin typeface="Calibri"/>
-            </a:endParaRPr>
-          </a:p>
-          <a:p>
-            <a:pPr lvl="3" marL="1728000" indent="-216000">
-              <a:buClr>
-                <a:srgbClr val="000000"/>
-              </a:buClr>
-              <a:buSzPct val="75000"/>
-              <a:buFont typeface="Symbol" charset="2"/>
-              <a:buChar char=""/>
-            </a:pPr>
-            <a:r>
-              <a:rPr b="0" lang="en-US" sz="1800" spc="-1" strike="noStrike">
-                <a:solidFill>
-                  <a:srgbClr val="000000"/>
-                </a:solidFill>
-                <a:uFill>
-                  <a:solidFill>
-                    <a:srgbClr val="ffffff"/>
-                  </a:solidFill>
-                </a:uFill>
-                <a:latin typeface="Calibri"/>
+                <a:latin typeface="Arial"/>
               </a:rPr>
               <a:t>Fourth Outline Level</a:t>
             </a:r>
-            <a:endParaRPr b="0" lang="en-US" sz="1800" spc="-1" strike="noStrike">
-              <a:solidFill>
-                <a:srgbClr val="000000"/>
-              </a:solidFill>
-              <a:uFill>
-                <a:solidFill>
-                  <a:srgbClr val="ffffff"/>
-                </a:solidFill>
-              </a:uFill>
-              <a:latin typeface="Calibri"/>
+            <a:endParaRPr b="0" lang="en-US" sz="2000" spc="-1" strike="noStrike">
+              <a:solidFill>
+                <a:srgbClr val="000000"/>
+              </a:solidFill>
+              <a:uFill>
+                <a:solidFill>
+                  <a:srgbClr val="ffffff"/>
+                </a:solidFill>
+              </a:uFill>
+              <a:latin typeface="Arial"/>
             </a:endParaRPr>
           </a:p>
           <a:p>
@@ -3352,7 +3210,7 @@
                     <a:srgbClr val="ffffff"/>
                   </a:solidFill>
                 </a:uFill>
-                <a:latin typeface="Calibri"/>
+                <a:latin typeface="Arial"/>
               </a:rPr>
               <a:t>Fifth Outline Level</a:t>
             </a:r>
@@ -3365,7 +3223,7 @@
                   <a:srgbClr val="ffffff"/>
                 </a:solidFill>
               </a:uFill>
-              <a:latin typeface="Calibri"/>
+              <a:latin typeface="Arial"/>
             </a:endParaRPr>
           </a:p>
           <a:p>
@@ -3387,7 +3245,7 @@
                     <a:srgbClr val="ffffff"/>
                   </a:solidFill>
                 </a:uFill>
-                <a:latin typeface="Calibri"/>
+                <a:latin typeface="Arial"/>
               </a:rPr>
               <a:t>Sixth Outline Level</a:t>
             </a:r>
@@ -3400,7 +3258,7 @@
                   <a:srgbClr val="ffffff"/>
                 </a:solidFill>
               </a:uFill>
-              <a:latin typeface="Calibri"/>
+              <a:latin typeface="Arial"/>
             </a:endParaRPr>
           </a:p>
           <a:p>
@@ -3422,7 +3280,7 @@
                     <a:srgbClr val="ffffff"/>
                   </a:solidFill>
                 </a:uFill>
-                <a:latin typeface="Calibri"/>
+                <a:latin typeface="Arial"/>
               </a:rPr>
               <a:t>Seventh Outline Level</a:t>
             </a:r>
@@ -3435,7 +3293,7 @@
                   <a:srgbClr val="ffffff"/>
                 </a:solidFill>
               </a:uFill>
-              <a:latin typeface="Calibri"/>
+              <a:latin typeface="Arial"/>
             </a:endParaRPr>
           </a:p>
         </p:txBody>
@@ -3484,27 +3342,56 @@
           <a:chExt cx="0" cy="0"/>
         </a:xfrm>
       </p:grpSpPr>
-      <p:sp>
-        <p:nvSpPr>
-          <p:cNvPr id="39" name="PlaceHolder 1"/>
-          <p:cNvSpPr>
-            <a:spLocks noGrp="1"/>
-          </p:cNvSpPr>
-          <p:nvPr>
-            <p:ph type="title"/>
-          </p:nvPr>
-        </p:nvSpPr>
-        <p:spPr>
-          <a:xfrm>
-            <a:off x="838080" y="365040"/>
-            <a:ext cx="10515240" cy="1325160"/>
-          </a:xfrm>
-          <a:prstGeom prst="rect">
-            <a:avLst/>
-          </a:prstGeom>
-        </p:spPr>
-        <p:txBody>
-          <a:bodyPr anchor="ctr"/>
+      <p:pic>
+        <p:nvPicPr>
+          <p:cNvPr id="36" name="Picture 7" descr=""/>
+          <p:cNvPicPr/>
+          <p:nvPr/>
+        </p:nvPicPr>
+        <p:blipFill>
+          <a:blip r:embed="rId2"/>
+          <a:stretch/>
+        </p:blipFill>
+        <p:spPr>
+          <a:xfrm>
+            <a:off x="10833120" y="5340960"/>
+            <a:ext cx="1199520" cy="1418760"/>
+          </a:xfrm>
+          <a:prstGeom prst="rect">
+            <a:avLst/>
+          </a:prstGeom>
+          <a:ln>
+            <a:noFill/>
+          </a:ln>
+        </p:spPr>
+      </p:pic>
+      <p:sp>
+        <p:nvSpPr>
+          <p:cNvPr id="37" name="CustomShape 1"/>
+          <p:cNvSpPr/>
+          <p:nvPr/>
+        </p:nvSpPr>
+        <p:spPr>
+          <a:xfrm>
+            <a:off x="96840" y="6422040"/>
+            <a:ext cx="2839320" cy="333360"/>
+          </a:xfrm>
+          <a:prstGeom prst="rect">
+            <a:avLst/>
+          </a:prstGeom>
+          <a:noFill/>
+          <a:ln>
+            <a:noFill/>
+          </a:ln>
+        </p:spPr>
+        <p:style>
+          <a:lnRef idx="0"/>
+          <a:fillRef idx="0"/>
+          <a:effectRef idx="0"/>
+          <a:fontRef idx="minor"/>
+        </p:style>
+        <p:txBody>
+          <a:bodyPr lIns="90000" rIns="90000" tIns="45000" bIns="45000"/>
           <a:p>
             <a:pPr>
               <a:lnSpc>
@@ -3512,9 +3399,9 @@
               </a:lnSpc>
             </a:pPr>
             <a:r>
-              <a:rPr b="0" lang="en-US" sz="4400" spc="-1" strike="noStrike">
-                <a:solidFill>
-                  <a:srgbClr val="000000"/>
+              <a:rPr b="0" lang="en-US" sz="1600" spc="-1" strike="noStrike" u="sng">
+                <a:solidFill>
+                  <a:srgbClr val="0000ff"/>
                 </a:solidFill>
                 <a:uFill>
                   <a:solidFill>
@@ -3522,8 +3409,10 @@
                   </a:solidFill>
                 </a:uFill>
                 <a:latin typeface="Cambria"/>
+                <a:ea typeface="DejaVu Sans"/>
+                <a:hlinkClick r:id="rId3"/>
               </a:rPr>
-              <a:t>Click to edit Master title style</a:t>
+              <a:t>PLASMA Security Modules</a:t>
             </a:r>
             <a:endParaRPr b="0" lang="en-US" sz="1800" spc="-1" strike="noStrike">
               <a:solidFill>
@@ -3534,14 +3423,128 @@
                   <a:srgbClr val="ffffff"/>
                 </a:solidFill>
               </a:uFill>
-              <a:latin typeface="Calibri"/>
-            </a:endParaRPr>
-          </a:p>
-        </p:txBody>
-      </p:sp>
-      <p:sp>
-        <p:nvSpPr>
-          <p:cNvPr id="40" name="PlaceHolder 2"/>
+              <a:latin typeface="Arial"/>
+            </a:endParaRPr>
+          </a:p>
+        </p:txBody>
+      </p:sp>
+      <p:sp>
+        <p:nvSpPr>
+          <p:cNvPr id="38" name="CustomShape 2"/>
+          <p:cNvSpPr/>
+          <p:nvPr/>
+        </p:nvSpPr>
+        <p:spPr>
+          <a:xfrm>
+            <a:off x="9034560" y="26640"/>
+            <a:ext cx="3137400" cy="333360"/>
+          </a:xfrm>
+          <a:prstGeom prst="rect">
+            <a:avLst/>
+          </a:prstGeom>
+          <a:noFill/>
+          <a:ln>
+            <a:noFill/>
+          </a:ln>
+        </p:spPr>
+        <p:style>
+          <a:lnRef idx="0"/>
+          <a:fillRef idx="0"/>
+          <a:effectRef idx="0"/>
+          <a:fontRef idx="minor"/>
+        </p:style>
+        <p:txBody>
+          <a:bodyPr wrap="none" lIns="90000" rIns="90000" tIns="45000" bIns="45000"/>
+          <a:p>
+            <a:pPr>
+              <a:lnSpc>
+                <a:spcPct val="100000"/>
+              </a:lnSpc>
+            </a:pPr>
+            <a:r>
+              <a:rPr b="0" lang="en-US" sz="1600" spc="-1" strike="noStrike" u="sng">
+                <a:solidFill>
+                  <a:srgbClr val="0000ff"/>
+                </a:solidFill>
+                <a:uFill>
+                  <a:solidFill>
+                    <a:srgbClr val="ffffff"/>
+                  </a:solidFill>
+                </a:uFill>
+                <a:latin typeface="Cambria"/>
+                <a:ea typeface="DejaVu Sans"/>
+                <a:hlinkClick r:id="rId4"/>
+              </a:rPr>
+              <a:t>www.Teachingmobilesecurity.com</a:t>
+            </a:r>
+            <a:endParaRPr b="0" lang="en-US" sz="1800" spc="-1" strike="noStrike">
+              <a:solidFill>
+                <a:srgbClr val="000000"/>
+              </a:solidFill>
+              <a:uFill>
+                <a:solidFill>
+                  <a:srgbClr val="ffffff"/>
+                </a:solidFill>
+              </a:uFill>
+              <a:latin typeface="Arial"/>
+            </a:endParaRPr>
+          </a:p>
+        </p:txBody>
+      </p:sp>
+      <p:sp>
+        <p:nvSpPr>
+          <p:cNvPr id="39" name="PlaceHolder 3"/>
+          <p:cNvSpPr>
+            <a:spLocks noGrp="1"/>
+          </p:cNvSpPr>
+          <p:nvPr>
+            <p:ph type="title"/>
+          </p:nvPr>
+        </p:nvSpPr>
+        <p:spPr>
+          <a:xfrm>
+            <a:off x="609480" y="273600"/>
+            <a:ext cx="10972440" cy="1144800"/>
+          </a:xfrm>
+          <a:prstGeom prst="rect">
+            <a:avLst/>
+          </a:prstGeom>
+        </p:spPr>
+        <p:txBody>
+          <a:bodyPr lIns="0" rIns="0" tIns="0" bIns="0" anchor="ctr"/>
+          <a:p>
+            <a:pPr algn="ctr"/>
+            <a:r>
+              <a:rPr b="0" lang="en-US" sz="4400" spc="-1" strike="noStrike">
+                <a:solidFill>
+                  <a:srgbClr val="000000"/>
+                </a:solidFill>
+                <a:uFill>
+                  <a:solidFill>
+                    <a:srgbClr val="ffffff"/>
+                  </a:solidFill>
+                </a:uFill>
+                <a:latin typeface="Arial"/>
+              </a:rPr>
+              <a:t>Click to edit the title text format</a:t>
+            </a:r>
+            <a:endParaRPr b="0" lang="en-US" sz="4400" spc="-1" strike="noStrike">
+              <a:solidFill>
+                <a:srgbClr val="000000"/>
+              </a:solidFill>
+              <a:uFill>
+                <a:solidFill>
+                  <a:srgbClr val="ffffff"/>
+                </a:solidFill>
+              </a:uFill>
+              <a:latin typeface="Arial"/>
+            </a:endParaRPr>
+          </a:p>
+        </p:txBody>
+      </p:sp>
+      <p:sp>
+        <p:nvSpPr>
+          <p:cNvPr id="40" name="PlaceHolder 4"/>
           <p:cNvSpPr>
             <a:spLocks noGrp="1"/>
           </p:cNvSpPr>
@@ -3551,15 +3554,15 @@
         </p:nvSpPr>
         <p:spPr>
           <a:xfrm>
-            <a:off x="838080" y="1825560"/>
-            <a:ext cx="10515240" cy="4861440"/>
-          </a:xfrm>
-          <a:prstGeom prst="rect">
-            <a:avLst/>
-          </a:prstGeom>
-        </p:spPr>
-        <p:txBody>
-          <a:bodyPr/>
+            <a:off x="609480" y="1604520"/>
+            <a:ext cx="10972440" cy="3977280"/>
+          </a:xfrm>
+          <a:prstGeom prst="rect">
+            <a:avLst/>
+          </a:prstGeom>
+        </p:spPr>
+        <p:txBody>
+          <a:bodyPr lIns="0" rIns="0" tIns="0" bIns="0"/>
           <a:p>
             <a:pPr marL="432000" indent="-324000">
               <a:buClr>
@@ -3570,7 +3573,7 @@
               <a:buChar char=""/>
             </a:pPr>
             <a:r>
-              <a:rPr b="0" lang="en-US" sz="2800" spc="-1" strike="noStrike">
+              <a:rPr b="0" lang="en-US" sz="3200" spc="-1" strike="noStrike">
                 <a:solidFill>
                   <a:srgbClr val="000000"/>
                 </a:solidFill>
@@ -3579,20 +3582,20 @@
                     <a:srgbClr val="ffffff"/>
                   </a:solidFill>
                 </a:uFill>
-                <a:latin typeface="Cambria"/>
+                <a:latin typeface="Arial"/>
               </a:rPr>
               <a:t>Click to edit the outline text format</a:t>
             </a:r>
-            <a:endParaRPr b="0" lang="en-US" sz="2800" spc="-1" strike="noStrike">
-              <a:solidFill>
-                <a:srgbClr val="000000"/>
-              </a:solidFill>
-              <a:uFill>
-                <a:solidFill>
-                  <a:srgbClr val="ffffff"/>
-                </a:solidFill>
-              </a:uFill>
-              <a:latin typeface="Calibri"/>
+            <a:endParaRPr b="0" lang="en-US" sz="3200" spc="-1" strike="noStrike">
+              <a:solidFill>
+                <a:srgbClr val="000000"/>
+              </a:solidFill>
+              <a:uFill>
+                <a:solidFill>
+                  <a:srgbClr val="ffffff"/>
+                </a:solidFill>
+              </a:uFill>
+              <a:latin typeface="Arial"/>
             </a:endParaRPr>
           </a:p>
           <a:p>
@@ -3614,7 +3617,7 @@
                     <a:srgbClr val="ffffff"/>
                   </a:solidFill>
                 </a:uFill>
-                <a:latin typeface="Cambria"/>
+                <a:latin typeface="Arial"/>
               </a:rPr>
               <a:t>Second Outline Level</a:t>
             </a:r>
@@ -3627,7 +3630,7 @@
                   <a:srgbClr val="ffffff"/>
                 </a:solidFill>
               </a:uFill>
-              <a:latin typeface="Calibri"/>
+              <a:latin typeface="Arial"/>
             </a:endParaRPr>
           </a:p>
           <a:p>
@@ -3640,7 +3643,7 @@
               <a:buChar char=""/>
             </a:pPr>
             <a:r>
-              <a:rPr b="0" lang="en-US" sz="2800" spc="-1" strike="noStrike">
+              <a:rPr b="0" lang="en-US" sz="2400" spc="-1" strike="noStrike">
                 <a:solidFill>
                   <a:srgbClr val="000000"/>
                 </a:solidFill>
@@ -3649,20 +3652,20 @@
                     <a:srgbClr val="ffffff"/>
                   </a:solidFill>
                 </a:uFill>
-                <a:latin typeface="Cambria"/>
+                <a:latin typeface="Arial"/>
               </a:rPr>
               <a:t>Third Outline Level</a:t>
             </a:r>
-            <a:endParaRPr b="0" lang="en-US" sz="2800" spc="-1" strike="noStrike">
-              <a:solidFill>
-                <a:srgbClr val="000000"/>
-              </a:solidFill>
-              <a:uFill>
-                <a:solidFill>
-                  <a:srgbClr val="ffffff"/>
-                </a:solidFill>
-              </a:uFill>
-              <a:latin typeface="Calibri"/>
+            <a:endParaRPr b="0" lang="en-US" sz="2400" spc="-1" strike="noStrike">
+              <a:solidFill>
+                <a:srgbClr val="000000"/>
+              </a:solidFill>
+              <a:uFill>
+                <a:solidFill>
+                  <a:srgbClr val="ffffff"/>
+                </a:solidFill>
+              </a:uFill>
+              <a:latin typeface="Arial"/>
             </a:endParaRPr>
           </a:p>
           <a:p>
@@ -3675,7 +3678,7 @@
               <a:buChar char=""/>
             </a:pPr>
             <a:r>
-              <a:rPr b="0" lang="en-US" sz="2800" spc="-1" strike="noStrike">
+              <a:rPr b="0" lang="en-US" sz="2000" spc="-1" strike="noStrike">
                 <a:solidFill>
                   <a:srgbClr val="000000"/>
                 </a:solidFill>
@@ -3684,20 +3687,20 @@
                     <a:srgbClr val="ffffff"/>
                   </a:solidFill>
                 </a:uFill>
-                <a:latin typeface="Cambria"/>
+                <a:latin typeface="Arial"/>
               </a:rPr>
               <a:t>Fourth Outline Level</a:t>
             </a:r>
-            <a:endParaRPr b="0" lang="en-US" sz="2800" spc="-1" strike="noStrike">
-              <a:solidFill>
-                <a:srgbClr val="000000"/>
-              </a:solidFill>
-              <a:uFill>
-                <a:solidFill>
-                  <a:srgbClr val="ffffff"/>
-                </a:solidFill>
-              </a:uFill>
-              <a:latin typeface="Calibri"/>
+            <a:endParaRPr b="0" lang="en-US" sz="2000" spc="-1" strike="noStrike">
+              <a:solidFill>
+                <a:srgbClr val="000000"/>
+              </a:solidFill>
+              <a:uFill>
+                <a:solidFill>
+                  <a:srgbClr val="ffffff"/>
+                </a:solidFill>
+              </a:uFill>
+              <a:latin typeface="Arial"/>
             </a:endParaRPr>
           </a:p>
           <a:p>
@@ -3710,7 +3713,7 @@
               <a:buChar char=""/>
             </a:pPr>
             <a:r>
-              <a:rPr b="0" lang="en-US" sz="2800" spc="-1" strike="noStrike">
+              <a:rPr b="0" lang="en-US" sz="2000" spc="-1" strike="noStrike">
                 <a:solidFill>
                   <a:srgbClr val="000000"/>
                 </a:solidFill>
@@ -3719,20 +3722,20 @@
                     <a:srgbClr val="ffffff"/>
                   </a:solidFill>
                 </a:uFill>
-                <a:latin typeface="Cambria"/>
+                <a:latin typeface="Arial"/>
               </a:rPr>
               <a:t>Fifth Outline Level</a:t>
             </a:r>
-            <a:endParaRPr b="0" lang="en-US" sz="2800" spc="-1" strike="noStrike">
-              <a:solidFill>
-                <a:srgbClr val="000000"/>
-              </a:solidFill>
-              <a:uFill>
-                <a:solidFill>
-                  <a:srgbClr val="ffffff"/>
-                </a:solidFill>
-              </a:uFill>
-              <a:latin typeface="Calibri"/>
+            <a:endParaRPr b="0" lang="en-US" sz="2000" spc="-1" strike="noStrike">
+              <a:solidFill>
+                <a:srgbClr val="000000"/>
+              </a:solidFill>
+              <a:uFill>
+                <a:solidFill>
+                  <a:srgbClr val="ffffff"/>
+                </a:solidFill>
+              </a:uFill>
+              <a:latin typeface="Arial"/>
             </a:endParaRPr>
           </a:p>
           <a:p>
@@ -3745,7 +3748,7 @@
               <a:buChar char=""/>
             </a:pPr>
             <a:r>
-              <a:rPr b="0" lang="en-US" sz="2800" spc="-1" strike="noStrike">
+              <a:rPr b="0" lang="en-US" sz="2000" spc="-1" strike="noStrike">
                 <a:solidFill>
                   <a:srgbClr val="000000"/>
                 </a:solidFill>
@@ -3754,35 +3757,33 @@
                     <a:srgbClr val="ffffff"/>
                   </a:solidFill>
                 </a:uFill>
-                <a:latin typeface="Cambria"/>
+                <a:latin typeface="Arial"/>
               </a:rPr>
               <a:t>Sixth Outline Level</a:t>
             </a:r>
-            <a:endParaRPr b="0" lang="en-US" sz="2800" spc="-1" strike="noStrike">
-              <a:solidFill>
-                <a:srgbClr val="000000"/>
-              </a:solidFill>
-              <a:uFill>
-                <a:solidFill>
-                  <a:srgbClr val="ffffff"/>
-                </a:solidFill>
-              </a:uFill>
-              <a:latin typeface="Calibri"/>
-            </a:endParaRPr>
-          </a:p>
-          <a:p>
-            <a:pPr marL="228600" indent="-228240">
-              <a:lnSpc>
-                <a:spcPct val="100000"/>
-              </a:lnSpc>
+            <a:endParaRPr b="0" lang="en-US" sz="2000" spc="-1" strike="noStrike">
+              <a:solidFill>
+                <a:srgbClr val="000000"/>
+              </a:solidFill>
+              <a:uFill>
+                <a:solidFill>
+                  <a:srgbClr val="ffffff"/>
+                </a:solidFill>
+              </a:uFill>
+              <a:latin typeface="Arial"/>
+            </a:endParaRPr>
+          </a:p>
+          <a:p>
+            <a:pPr lvl="6" marL="3024000" indent="-216000">
               <a:buClr>
                 <a:srgbClr val="000000"/>
               </a:buClr>
-              <a:buFont typeface="Arial"/>
-              <a:buChar char="•"/>
+              <a:buSzPct val="45000"/>
+              <a:buFont typeface="Wingdings" charset="2"/>
+              <a:buChar char=""/>
             </a:pPr>
             <a:r>
-              <a:rPr b="0" lang="en-US" sz="2800" spc="-1" strike="noStrike">
+              <a:rPr b="0" lang="en-US" sz="2000" spc="-1" strike="noStrike">
                 <a:solidFill>
                   <a:srgbClr val="000000"/>
                 </a:solidFill>
@@ -3791,306 +3792,11 @@
                     <a:srgbClr val="ffffff"/>
                   </a:solidFill>
                 </a:uFill>
-                <a:latin typeface="Cambria"/>
+                <a:latin typeface="Arial"/>
               </a:rPr>
-              <a:t>Seventh Outline LevelEdit Master text styles</a:t>
+              <a:t>Seventh Outline Level</a:t>
             </a:r>
-            <a:endParaRPr b="0" lang="en-US" sz="2800" spc="-1" strike="noStrike">
-              <a:solidFill>
-                <a:srgbClr val="000000"/>
-              </a:solidFill>
-              <a:uFill>
-                <a:solidFill>
-                  <a:srgbClr val="ffffff"/>
-                </a:solidFill>
-              </a:uFill>
-              <a:latin typeface="Calibri"/>
-            </a:endParaRPr>
-          </a:p>
-          <a:p>
-            <a:pPr lvl="1" marL="685800" indent="-228240">
-              <a:lnSpc>
-                <a:spcPct val="100000"/>
-              </a:lnSpc>
-              <a:buClr>
-                <a:srgbClr val="000000"/>
-              </a:buClr>
-              <a:buFont typeface="Arial"/>
-              <a:buChar char="•"/>
-            </a:pPr>
-            <a:r>
-              <a:rPr b="0" lang="en-US" sz="2400" spc="-1" strike="noStrike">
-                <a:solidFill>
-                  <a:srgbClr val="000000"/>
-                </a:solidFill>
-                <a:uFill>
-                  <a:solidFill>
-                    <a:srgbClr val="ffffff"/>
-                  </a:solidFill>
-                </a:uFill>
-                <a:latin typeface="Cambria"/>
-              </a:rPr>
-              <a:t>Second level</a:t>
-            </a:r>
-            <a:endParaRPr b="0" lang="en-US" sz="2800" spc="-1" strike="noStrike">
-              <a:solidFill>
-                <a:srgbClr val="000000"/>
-              </a:solidFill>
-              <a:uFill>
-                <a:solidFill>
-                  <a:srgbClr val="ffffff"/>
-                </a:solidFill>
-              </a:uFill>
-              <a:latin typeface="Calibri"/>
-            </a:endParaRPr>
-          </a:p>
-          <a:p>
-            <a:pPr lvl="2" marL="1143000" indent="-228240">
-              <a:lnSpc>
-                <a:spcPct val="100000"/>
-              </a:lnSpc>
-              <a:buClr>
-                <a:srgbClr val="000000"/>
-              </a:buClr>
-              <a:buFont typeface="Arial"/>
-              <a:buChar char="•"/>
-            </a:pPr>
-            <a:r>
-              <a:rPr b="0" lang="en-US" sz="2000" spc="-1" strike="noStrike">
-                <a:solidFill>
-                  <a:srgbClr val="000000"/>
-                </a:solidFill>
-                <a:uFill>
-                  <a:solidFill>
-                    <a:srgbClr val="ffffff"/>
-                  </a:solidFill>
-                </a:uFill>
-                <a:latin typeface="Cambria"/>
-              </a:rPr>
-              <a:t>Third level</a:t>
-            </a:r>
-            <a:endParaRPr b="0" lang="en-US" sz="2800" spc="-1" strike="noStrike">
-              <a:solidFill>
-                <a:srgbClr val="000000"/>
-              </a:solidFill>
-              <a:uFill>
-                <a:solidFill>
-                  <a:srgbClr val="ffffff"/>
-                </a:solidFill>
-              </a:uFill>
-              <a:latin typeface="Calibri"/>
-            </a:endParaRPr>
-          </a:p>
-          <a:p>
-            <a:pPr lvl="3" marL="1600200" indent="-228240">
-              <a:lnSpc>
-                <a:spcPct val="100000"/>
-              </a:lnSpc>
-              <a:buClr>
-                <a:srgbClr val="000000"/>
-              </a:buClr>
-              <a:buFont typeface="Arial"/>
-              <a:buChar char="•"/>
-            </a:pPr>
-            <a:r>
-              <a:rPr b="0" lang="en-US" sz="1800" spc="-1" strike="noStrike">
-                <a:solidFill>
-                  <a:srgbClr val="000000"/>
-                </a:solidFill>
-                <a:uFill>
-                  <a:solidFill>
-                    <a:srgbClr val="ffffff"/>
-                  </a:solidFill>
-                </a:uFill>
-                <a:latin typeface="Cambria"/>
-              </a:rPr>
-              <a:t>Fourth level</a:t>
-            </a:r>
-            <a:endParaRPr b="0" lang="en-US" sz="2800" spc="-1" strike="noStrike">
-              <a:solidFill>
-                <a:srgbClr val="000000"/>
-              </a:solidFill>
-              <a:uFill>
-                <a:solidFill>
-                  <a:srgbClr val="ffffff"/>
-                </a:solidFill>
-              </a:uFill>
-              <a:latin typeface="Calibri"/>
-            </a:endParaRPr>
-          </a:p>
-          <a:p>
-            <a:pPr lvl="4" marL="2057400" indent="-228240">
-              <a:lnSpc>
-                <a:spcPct val="100000"/>
-              </a:lnSpc>
-              <a:buClr>
-                <a:srgbClr val="000000"/>
-              </a:buClr>
-              <a:buFont typeface="Arial"/>
-              <a:buChar char="•"/>
-            </a:pPr>
-            <a:r>
-              <a:rPr b="0" lang="en-US" sz="1800" spc="-1" strike="noStrike">
-                <a:solidFill>
-                  <a:srgbClr val="000000"/>
-                </a:solidFill>
-                <a:uFill>
-                  <a:solidFill>
-                    <a:srgbClr val="ffffff"/>
-                  </a:solidFill>
-                </a:uFill>
-                <a:latin typeface="Cambria"/>
-              </a:rPr>
-              <a:t>Fifth level</a:t>
-            </a:r>
-            <a:endParaRPr b="0" lang="en-US" sz="2800" spc="-1" strike="noStrike">
-              <a:solidFill>
-                <a:srgbClr val="000000"/>
-              </a:solidFill>
-              <a:uFill>
-                <a:solidFill>
-                  <a:srgbClr val="ffffff"/>
-                </a:solidFill>
-              </a:uFill>
-              <a:latin typeface="Calibri"/>
-            </a:endParaRPr>
-          </a:p>
-        </p:txBody>
-      </p:sp>
-      <p:pic>
-        <p:nvPicPr>
-          <p:cNvPr id="41" name="Picture 7" descr=""/>
-          <p:cNvPicPr/>
-          <p:nvPr/>
-        </p:nvPicPr>
-        <p:blipFill>
-          <a:blip r:embed="rId2"/>
-          <a:stretch/>
-        </p:blipFill>
-        <p:spPr>
-          <a:xfrm>
-            <a:off x="10833120" y="5340960"/>
-            <a:ext cx="1199880" cy="1419120"/>
-          </a:xfrm>
-          <a:prstGeom prst="rect">
-            <a:avLst/>
-          </a:prstGeom>
-          <a:ln>
-            <a:noFill/>
-          </a:ln>
-        </p:spPr>
-      </p:pic>
-      <p:sp>
-        <p:nvSpPr>
-          <p:cNvPr id="42" name="CustomShape 3"/>
-          <p:cNvSpPr/>
-          <p:nvPr/>
-        </p:nvSpPr>
-        <p:spPr>
-          <a:xfrm>
-            <a:off x="96840" y="6422040"/>
-            <a:ext cx="2839680" cy="333720"/>
-          </a:xfrm>
-          <a:prstGeom prst="rect">
-            <a:avLst/>
-          </a:prstGeom>
-          <a:noFill/>
-          <a:ln>
-            <a:noFill/>
-          </a:ln>
-        </p:spPr>
-        <p:style>
-          <a:lnRef idx="0"/>
-          <a:fillRef idx="0"/>
-          <a:effectRef idx="0"/>
-          <a:fontRef idx="minor"/>
-        </p:style>
-        <p:txBody>
-          <a:bodyPr lIns="90000" rIns="90000" tIns="45000" bIns="45000"/>
-          <a:p>
-            <a:pPr>
-              <a:lnSpc>
-                <a:spcPct val="100000"/>
-              </a:lnSpc>
-            </a:pPr>
-            <a:r>
-              <a:rPr b="0" lang="en-US" sz="1600" spc="-1" strike="noStrike" u="sng">
-                <a:solidFill>
-                  <a:srgbClr val="033261"/>
-                </a:solidFill>
-                <a:uFill>
-                  <a:solidFill>
-                    <a:srgbClr val="ffffff"/>
-                  </a:solidFill>
-                </a:uFill>
-                <a:latin typeface="Cambria"/>
-                <a:hlinkClick r:id="rId3"/>
-              </a:rPr>
-              <a:t>PLASMA Security Modules</a:t>
-            </a:r>
-            <a:endParaRPr b="0" lang="en-US" sz="1800" spc="-1" strike="noStrike">
-              <a:solidFill>
-                <a:srgbClr val="000000"/>
-              </a:solidFill>
-              <a:uFill>
-                <a:solidFill>
-                  <a:srgbClr val="ffffff"/>
-                </a:solidFill>
-              </a:uFill>
-              <a:latin typeface="Arial"/>
-            </a:endParaRPr>
-          </a:p>
-        </p:txBody>
-      </p:sp>
-      <p:sp>
-        <p:nvSpPr>
-          <p:cNvPr id="43" name="CustomShape 4"/>
-          <p:cNvSpPr/>
-          <p:nvPr/>
-        </p:nvSpPr>
-        <p:spPr>
-          <a:xfrm>
-            <a:off x="9034560" y="26640"/>
-            <a:ext cx="3137760" cy="333720"/>
-          </a:xfrm>
-          <a:prstGeom prst="rect">
-            <a:avLst/>
-          </a:prstGeom>
-          <a:noFill/>
-          <a:ln>
-            <a:noFill/>
-          </a:ln>
-        </p:spPr>
-        <p:style>
-          <a:lnRef idx="0"/>
-          <a:fillRef idx="0"/>
-          <a:effectRef idx="0"/>
-          <a:fontRef idx="minor"/>
-        </p:style>
-        <p:txBody>
-          <a:bodyPr wrap="none" lIns="90000" rIns="90000" tIns="45000" bIns="45000"/>
-          <a:p>
-            <a:pPr>
-              <a:lnSpc>
-                <a:spcPct val="100000"/>
-              </a:lnSpc>
-            </a:pPr>
-            <a:r>
-              <a:rPr b="0" lang="en-US" sz="1600" spc="-1" strike="noStrike" u="sng">
-                <a:solidFill>
-                  <a:srgbClr val="044a91"/>
-                </a:solidFill>
-                <a:uFill>
-                  <a:solidFill>
-                    <a:srgbClr val="ffffff"/>
-                  </a:solidFill>
-                </a:uFill>
-                <a:latin typeface="Cambria"/>
-                <a:hlinkClick r:id="rId4"/>
-              </a:rPr>
-              <a:t>www.Teachingmobilesecurity.com</a:t>
-            </a:r>
-            <a:endParaRPr b="0" lang="en-US" sz="1800" spc="-1" strike="noStrike">
+            <a:endParaRPr b="0" lang="en-US" sz="2000" spc="-1" strike="noStrike">
               <a:solidFill>
                 <a:srgbClr val="000000"/>
               </a:solidFill>
@@ -4143,14 +3849,14 @@
       </p:grpSpPr>
       <p:sp>
         <p:nvSpPr>
-          <p:cNvPr id="78" name="TextShape 1"/>
-          <p:cNvSpPr txBox="1"/>
+          <p:cNvPr id="75" name="CustomShape 1"/>
+          <p:cNvSpPr/>
           <p:nvPr/>
         </p:nvSpPr>
         <p:spPr>
           <a:xfrm>
             <a:off x="1523880" y="1122480"/>
-            <a:ext cx="9143640" cy="2387160"/>
+            <a:ext cx="9143280" cy="2386800"/>
           </a:xfrm>
           <a:prstGeom prst="rect">
             <a:avLst/>
@@ -4160,8 +3866,14 @@
             <a:noFill/>
           </a:ln>
         </p:spPr>
-        <p:txBody>
-          <a:bodyPr anchor="b"/>
+        <p:style>
+          <a:lnRef idx="0"/>
+          <a:fillRef idx="0"/>
+          <a:effectRef idx="0"/>
+          <a:fontRef idx="minor"/>
+        </p:style>
+        <p:txBody>
+          <a:bodyPr lIns="90000" rIns="90000" tIns="45000" bIns="45000" anchor="b"/>
           <a:p>
             <a:pPr algn="ctr">
               <a:lnSpc>
@@ -4191,21 +3903,21 @@
                   <a:srgbClr val="ffffff"/>
                 </a:solidFill>
               </a:uFill>
-              <a:latin typeface="Calibri"/>
-            </a:endParaRPr>
-          </a:p>
-        </p:txBody>
-      </p:sp>
-      <p:sp>
-        <p:nvSpPr>
-          <p:cNvPr id="79" name="TextShape 2"/>
-          <p:cNvSpPr txBox="1"/>
+              <a:latin typeface="Arial"/>
+            </a:endParaRPr>
+          </a:p>
+        </p:txBody>
+      </p:sp>
+      <p:sp>
+        <p:nvSpPr>
+          <p:cNvPr id="76" name="CustomShape 2"/>
+          <p:cNvSpPr/>
           <p:nvPr/>
         </p:nvSpPr>
         <p:spPr>
           <a:xfrm>
             <a:off x="1523880" y="3602160"/>
-            <a:ext cx="9143640" cy="1655280"/>
+            <a:ext cx="9143280" cy="1654920"/>
           </a:xfrm>
           <a:prstGeom prst="rect">
             <a:avLst/>
@@ -4215,8 +3927,14 @@
             <a:noFill/>
           </a:ln>
         </p:spPr>
-        <p:txBody>
-          <a:bodyPr/>
+        <p:style>
+          <a:lnRef idx="0"/>
+          <a:fillRef idx="0"/>
+          <a:effectRef idx="0"/>
+          <a:fontRef idx="minor"/>
+        </p:style>
+        <p:txBody>
+          <a:bodyPr lIns="90000" rIns="90000" tIns="45000" bIns="45000"/>
           <a:p>
             <a:pPr algn="ctr">
               <a:lnSpc>
@@ -4237,7 +3955,7 @@
               </a:rPr>
               <a:t>Activity Introduction</a:t>
             </a:r>
-            <a:endParaRPr b="0" lang="en-US" sz="3200" spc="-1" strike="noStrike">
+            <a:endParaRPr b="0" lang="en-US" sz="1800" spc="-1" strike="noStrike">
               <a:solidFill>
                 <a:srgbClr val="000000"/>
               </a:solidFill>
@@ -4302,14 +4020,14 @@
       </p:grpSpPr>
       <p:sp>
         <p:nvSpPr>
-          <p:cNvPr id="80" name="TextShape 1"/>
-          <p:cNvSpPr txBox="1"/>
+          <p:cNvPr id="77" name="CustomShape 1"/>
+          <p:cNvSpPr/>
           <p:nvPr/>
         </p:nvSpPr>
         <p:spPr>
           <a:xfrm>
             <a:off x="838080" y="365040"/>
-            <a:ext cx="10515240" cy="1325160"/>
+            <a:ext cx="10514880" cy="1324800"/>
           </a:xfrm>
           <a:prstGeom prst="rect">
             <a:avLst/>
@@ -4319,8 +4037,14 @@
             <a:noFill/>
           </a:ln>
         </p:spPr>
-        <p:txBody>
-          <a:bodyPr anchor="ctr"/>
+        <p:style>
+          <a:lnRef idx="0"/>
+          <a:fillRef idx="0"/>
+          <a:effectRef idx="0"/>
+          <a:fontRef idx="minor"/>
+        </p:style>
+        <p:txBody>
+          <a:bodyPr lIns="90000" rIns="90000" tIns="45000" bIns="45000" anchor="ctr"/>
           <a:p>
             <a:pPr>
               <a:lnSpc>
@@ -4350,21 +4074,21 @@
                   <a:srgbClr val="ffffff"/>
                 </a:solidFill>
               </a:uFill>
-              <a:latin typeface="Calibri"/>
-            </a:endParaRPr>
-          </a:p>
-        </p:txBody>
-      </p:sp>
-      <p:sp>
-        <p:nvSpPr>
-          <p:cNvPr id="81" name="TextShape 2"/>
-          <p:cNvSpPr txBox="1"/>
+              <a:latin typeface="Arial"/>
+            </a:endParaRPr>
+          </a:p>
+        </p:txBody>
+      </p:sp>
+      <p:sp>
+        <p:nvSpPr>
+          <p:cNvPr id="78" name="CustomShape 2"/>
+          <p:cNvSpPr/>
           <p:nvPr/>
         </p:nvSpPr>
         <p:spPr>
           <a:xfrm>
             <a:off x="838080" y="1825560"/>
-            <a:ext cx="10515240" cy="4861440"/>
+            <a:ext cx="10514880" cy="4861080"/>
           </a:xfrm>
           <a:prstGeom prst="rect">
             <a:avLst/>
@@ -4374,10 +4098,16 @@
             <a:noFill/>
           </a:ln>
         </p:spPr>
-        <p:txBody>
-          <a:bodyPr/>
-          <a:p>
-            <a:pPr marL="457200" indent="-418680">
+        <p:style>
+          <a:lnRef idx="0"/>
+          <a:fillRef idx="0"/>
+          <a:effectRef idx="0"/>
+          <a:fontRef idx="minor"/>
+        </p:style>
+        <p:txBody>
+          <a:bodyPr lIns="90000" rIns="90000" tIns="45000" bIns="45000"/>
+          <a:p>
+            <a:pPr marL="457200" indent="-418320">
               <a:lnSpc>
                 <a:spcPct val="120000"/>
               </a:lnSpc>
@@ -4401,16 +4131,16 @@
               </a:rPr>
               <a:t>Because Android Studio takes a while to start, let’s do it now…..</a:t>
             </a:r>
-            <a:endParaRPr b="0" lang="en-US" sz="2800" spc="-1" strike="noStrike">
-              <a:solidFill>
-                <a:srgbClr val="000000"/>
-              </a:solidFill>
-              <a:uFill>
-                <a:solidFill>
-                  <a:srgbClr val="ffffff"/>
-                </a:solidFill>
-              </a:uFill>
-              <a:latin typeface="Calibri"/>
+            <a:endParaRPr b="0" lang="en-US" sz="1800" spc="-1" strike="noStrike">
+              <a:solidFill>
+                <a:srgbClr val="000000"/>
+              </a:solidFill>
+              <a:uFill>
+                <a:solidFill>
+                  <a:srgbClr val="ffffff"/>
+                </a:solidFill>
+              </a:uFill>
+              <a:latin typeface="Arial"/>
             </a:endParaRPr>
           </a:p>
           <a:p>
@@ -4419,16 +4149,16 @@
                 <a:spcPct val="100000"/>
               </a:lnSpc>
             </a:pPr>
-            <a:endParaRPr b="0" lang="en-US" sz="2800" spc="-1" strike="noStrike">
-              <a:solidFill>
-                <a:srgbClr val="000000"/>
-              </a:solidFill>
-              <a:uFill>
-                <a:solidFill>
-                  <a:srgbClr val="ffffff"/>
-                </a:solidFill>
-              </a:uFill>
-              <a:latin typeface="Calibri"/>
+            <a:endParaRPr b="0" lang="en-US" sz="1800" spc="-1" strike="noStrike">
+              <a:solidFill>
+                <a:srgbClr val="000000"/>
+              </a:solidFill>
+              <a:uFill>
+                <a:solidFill>
+                  <a:srgbClr val="ffffff"/>
+                </a:solidFill>
+              </a:uFill>
+              <a:latin typeface="Arial"/>
             </a:endParaRPr>
           </a:p>
         </p:txBody>
@@ -4484,14 +4214,14 @@
       </p:grpSpPr>
       <p:sp>
         <p:nvSpPr>
-          <p:cNvPr id="82" name="TextShape 1"/>
-          <p:cNvSpPr txBox="1"/>
+          <p:cNvPr id="79" name="CustomShape 1"/>
+          <p:cNvSpPr/>
           <p:nvPr/>
         </p:nvSpPr>
         <p:spPr>
           <a:xfrm>
             <a:off x="838080" y="365040"/>
-            <a:ext cx="10515240" cy="1325160"/>
+            <a:ext cx="10514880" cy="1324800"/>
           </a:xfrm>
           <a:prstGeom prst="rect">
             <a:avLst/>
@@ -4501,8 +4231,14 @@
             <a:noFill/>
           </a:ln>
         </p:spPr>
-        <p:txBody>
-          <a:bodyPr anchor="ctr"/>
+        <p:style>
+          <a:lnRef idx="0"/>
+          <a:fillRef idx="0"/>
+          <a:effectRef idx="0"/>
+          <a:fontRef idx="minor"/>
+        </p:style>
+        <p:txBody>
+          <a:bodyPr lIns="90000" rIns="90000" tIns="45000" bIns="45000" anchor="ctr"/>
           <a:p>
             <a:pPr>
               <a:lnSpc>
@@ -4532,21 +4268,21 @@
                   <a:srgbClr val="ffffff"/>
                 </a:solidFill>
               </a:uFill>
-              <a:latin typeface="Calibri"/>
-            </a:endParaRPr>
-          </a:p>
-        </p:txBody>
-      </p:sp>
-      <p:sp>
-        <p:nvSpPr>
-          <p:cNvPr id="83" name="TextShape 2"/>
-          <p:cNvSpPr txBox="1"/>
+              <a:latin typeface="Arial"/>
+            </a:endParaRPr>
+          </a:p>
+        </p:txBody>
+      </p:sp>
+      <p:sp>
+        <p:nvSpPr>
+          <p:cNvPr id="80" name="CustomShape 2"/>
+          <p:cNvSpPr/>
           <p:nvPr/>
         </p:nvSpPr>
         <p:spPr>
           <a:xfrm>
             <a:off x="838080" y="1825560"/>
-            <a:ext cx="10515240" cy="4861440"/>
+            <a:ext cx="10514880" cy="4861080"/>
           </a:xfrm>
           <a:prstGeom prst="rect">
             <a:avLst/>
@@ -4556,10 +4292,16 @@
             <a:noFill/>
           </a:ln>
         </p:spPr>
-        <p:txBody>
-          <a:bodyPr/>
-          <a:p>
-            <a:pPr marL="457200" indent="-418680">
+        <p:style>
+          <a:lnRef idx="0"/>
+          <a:fillRef idx="0"/>
+          <a:effectRef idx="0"/>
+          <a:fontRef idx="minor"/>
+        </p:style>
+        <p:txBody>
+          <a:bodyPr lIns="90000" rIns="90000" tIns="45000" bIns="45000"/>
+          <a:p>
+            <a:pPr marL="457200" indent="-418320">
               <a:lnSpc>
                 <a:spcPct val="120000"/>
               </a:lnSpc>
@@ -4583,20 +4325,20 @@
               </a:rPr>
               <a:t>Inform and motivate students about: </a:t>
             </a:r>
-            <a:endParaRPr b="0" lang="en-US" sz="2800" spc="-1" strike="noStrike">
-              <a:solidFill>
-                <a:srgbClr val="000000"/>
-              </a:solidFill>
-              <a:uFill>
-                <a:solidFill>
-                  <a:srgbClr val="ffffff"/>
-                </a:solidFill>
-              </a:uFill>
-              <a:latin typeface="Calibri"/>
-            </a:endParaRPr>
-          </a:p>
-          <a:p>
-            <a:pPr lvl="1" marL="914400" indent="-418680">
+            <a:endParaRPr b="0" lang="en-US" sz="1800" spc="-1" strike="noStrike">
+              <a:solidFill>
+                <a:srgbClr val="000000"/>
+              </a:solidFill>
+              <a:uFill>
+                <a:solidFill>
+                  <a:srgbClr val="ffffff"/>
+                </a:solidFill>
+              </a:uFill>
+              <a:latin typeface="Arial"/>
+            </a:endParaRPr>
+          </a:p>
+          <a:p>
+            <a:pPr lvl="1" marL="914400" indent="-418320">
               <a:lnSpc>
                 <a:spcPct val="120000"/>
               </a:lnSpc>
@@ -4620,20 +4362,20 @@
               </a:rPr>
               <a:t>The importance of adhering to proper security procedures</a:t>
             </a:r>
-            <a:endParaRPr b="0" lang="en-US" sz="2000" spc="-1" strike="noStrike">
-              <a:solidFill>
-                <a:srgbClr val="000000"/>
-              </a:solidFill>
-              <a:uFill>
-                <a:solidFill>
-                  <a:srgbClr val="ffffff"/>
-                </a:solidFill>
-              </a:uFill>
-              <a:latin typeface="Calibri"/>
-            </a:endParaRPr>
-          </a:p>
-          <a:p>
-            <a:pPr lvl="1" marL="914400" indent="-418680">
+            <a:endParaRPr b="0" lang="en-US" sz="1800" spc="-1" strike="noStrike">
+              <a:solidFill>
+                <a:srgbClr val="000000"/>
+              </a:solidFill>
+              <a:uFill>
+                <a:solidFill>
+                  <a:srgbClr val="ffffff"/>
+                </a:solidFill>
+              </a:uFill>
+              <a:latin typeface="Arial"/>
+            </a:endParaRPr>
+          </a:p>
+          <a:p>
+            <a:pPr lvl="1" marL="914400" indent="-418320">
               <a:lnSpc>
                 <a:spcPct val="120000"/>
               </a:lnSpc>
@@ -4657,29 +4399,34 @@
               </a:rPr>
               <a:t>Fundamental security concepts</a:t>
             </a:r>
-            <a:endParaRPr b="0" lang="en-US" sz="2000" spc="-1" strike="noStrike">
-              <a:solidFill>
-                <a:srgbClr val="000000"/>
-              </a:solidFill>
-              <a:uFill>
-                <a:solidFill>
-                  <a:srgbClr val="ffffff"/>
-                </a:solidFill>
-              </a:uFill>
-              <a:latin typeface="Calibri"/>
-            </a:endParaRPr>
-          </a:p>
-          <a:p>
-            <a:endParaRPr b="0" lang="en-US" sz="2800" spc="-1" strike="noStrike">
-              <a:solidFill>
-                <a:srgbClr val="000000"/>
-              </a:solidFill>
-              <a:uFill>
-                <a:solidFill>
-                  <a:srgbClr val="ffffff"/>
-                </a:solidFill>
-              </a:uFill>
-              <a:latin typeface="Calibri"/>
+            <a:endParaRPr b="0" lang="en-US" sz="1800" spc="-1" strike="noStrike">
+              <a:solidFill>
+                <a:srgbClr val="000000"/>
+              </a:solidFill>
+              <a:uFill>
+                <a:solidFill>
+                  <a:srgbClr val="ffffff"/>
+                </a:solidFill>
+              </a:uFill>
+              <a:latin typeface="Arial"/>
+            </a:endParaRPr>
+          </a:p>
+          <a:p>
+            <a:pPr>
+              <a:lnSpc>
+                <a:spcPct val="120000"/>
+              </a:lnSpc>
+            </a:pPr>
+            <a:endParaRPr b="0" lang="en-US" sz="1800" spc="-1" strike="noStrike">
+              <a:solidFill>
+                <a:srgbClr val="000000"/>
+              </a:solidFill>
+              <a:uFill>
+                <a:solidFill>
+                  <a:srgbClr val="ffffff"/>
+                </a:solidFill>
+              </a:uFill>
+              <a:latin typeface="Arial"/>
             </a:endParaRPr>
           </a:p>
           <a:p>
@@ -4688,16 +4435,16 @@
                 <a:spcPct val="100000"/>
               </a:lnSpc>
             </a:pPr>
-            <a:endParaRPr b="0" lang="en-US" sz="2800" spc="-1" strike="noStrike">
-              <a:solidFill>
-                <a:srgbClr val="000000"/>
-              </a:solidFill>
-              <a:uFill>
-                <a:solidFill>
-                  <a:srgbClr val="ffffff"/>
-                </a:solidFill>
-              </a:uFill>
-              <a:latin typeface="Calibri"/>
+            <a:endParaRPr b="0" lang="en-US" sz="1800" spc="-1" strike="noStrike">
+              <a:solidFill>
+                <a:srgbClr val="000000"/>
+              </a:solidFill>
+              <a:uFill>
+                <a:solidFill>
+                  <a:srgbClr val="ffffff"/>
+                </a:solidFill>
+              </a:uFill>
+              <a:latin typeface="Arial"/>
             </a:endParaRPr>
           </a:p>
         </p:txBody>
@@ -4753,14 +4500,14 @@
       </p:grpSpPr>
       <p:sp>
         <p:nvSpPr>
-          <p:cNvPr id="84" name="TextShape 1"/>
-          <p:cNvSpPr txBox="1"/>
+          <p:cNvPr id="81" name="CustomShape 1"/>
+          <p:cNvSpPr/>
           <p:nvPr/>
         </p:nvSpPr>
         <p:spPr>
           <a:xfrm>
             <a:off x="838080" y="365040"/>
-            <a:ext cx="10515240" cy="1325160"/>
+            <a:ext cx="10514880" cy="1324800"/>
           </a:xfrm>
           <a:prstGeom prst="rect">
             <a:avLst/>
@@ -4770,8 +4517,14 @@
             <a:noFill/>
           </a:ln>
         </p:spPr>
-        <p:txBody>
-          <a:bodyPr anchor="ctr"/>
+        <p:style>
+          <a:lnRef idx="0"/>
+          <a:fillRef idx="0"/>
+          <a:effectRef idx="0"/>
+          <a:fontRef idx="minor"/>
+        </p:style>
+        <p:txBody>
+          <a:bodyPr lIns="90000" rIns="90000" tIns="45000" bIns="45000" anchor="ctr"/>
           <a:p>
             <a:pPr>
               <a:lnSpc>
@@ -4801,21 +4554,21 @@
                   <a:srgbClr val="ffffff"/>
                 </a:solidFill>
               </a:uFill>
-              <a:latin typeface="Calibri"/>
-            </a:endParaRPr>
-          </a:p>
-        </p:txBody>
-      </p:sp>
-      <p:sp>
-        <p:nvSpPr>
-          <p:cNvPr id="85" name="TextShape 2"/>
-          <p:cNvSpPr txBox="1"/>
+              <a:latin typeface="Arial"/>
+            </a:endParaRPr>
+          </a:p>
+        </p:txBody>
+      </p:sp>
+      <p:sp>
+        <p:nvSpPr>
+          <p:cNvPr id="82" name="CustomShape 2"/>
+          <p:cNvSpPr/>
           <p:nvPr/>
         </p:nvSpPr>
         <p:spPr>
           <a:xfrm>
             <a:off x="838080" y="1825560"/>
-            <a:ext cx="10515240" cy="4861440"/>
+            <a:ext cx="10514880" cy="4861080"/>
           </a:xfrm>
           <a:prstGeom prst="rect">
             <a:avLst/>
@@ -4825,10 +4578,16 @@
             <a:noFill/>
           </a:ln>
         </p:spPr>
-        <p:txBody>
-          <a:bodyPr/>
-          <a:p>
-            <a:pPr marL="457200" indent="-418680">
+        <p:style>
+          <a:lnRef idx="0"/>
+          <a:fillRef idx="0"/>
+          <a:effectRef idx="0"/>
+          <a:fontRef idx="minor"/>
+        </p:style>
+        <p:txBody>
+          <a:bodyPr lIns="90000" rIns="90000" tIns="45000" bIns="45000"/>
+          <a:p>
+            <a:pPr marL="457200" indent="-418320">
               <a:lnSpc>
                 <a:spcPct val="120000"/>
               </a:lnSpc>
@@ -4852,20 +4611,20 @@
               </a:rPr>
               <a:t>Structure</a:t>
             </a:r>
-            <a:endParaRPr b="0" lang="en-US" sz="2800" spc="-1" strike="noStrike">
-              <a:solidFill>
-                <a:srgbClr val="000000"/>
-              </a:solidFill>
-              <a:uFill>
-                <a:solidFill>
-                  <a:srgbClr val="ffffff"/>
-                </a:solidFill>
-              </a:uFill>
-              <a:latin typeface="Calibri"/>
-            </a:endParaRPr>
-          </a:p>
-          <a:p>
-            <a:pPr lvl="1" marL="914400" indent="-418680">
+            <a:endParaRPr b="0" lang="en-US" sz="1800" spc="-1" strike="noStrike">
+              <a:solidFill>
+                <a:srgbClr val="000000"/>
+              </a:solidFill>
+              <a:uFill>
+                <a:solidFill>
+                  <a:srgbClr val="ffffff"/>
+                </a:solidFill>
+              </a:uFill>
+              <a:latin typeface="Arial"/>
+            </a:endParaRPr>
+          </a:p>
+          <a:p>
+            <a:pPr lvl="1" marL="914400" indent="-418320">
               <a:lnSpc>
                 <a:spcPct val="120000"/>
               </a:lnSpc>
@@ -4889,20 +4648,20 @@
               </a:rPr>
               <a:t>Problematic App</a:t>
             </a:r>
-            <a:endParaRPr b="0" lang="en-US" sz="2000" spc="-1" strike="noStrike">
-              <a:solidFill>
-                <a:srgbClr val="000000"/>
-              </a:solidFill>
-              <a:uFill>
-                <a:solidFill>
-                  <a:srgbClr val="ffffff"/>
-                </a:solidFill>
-              </a:uFill>
-              <a:latin typeface="Calibri"/>
-            </a:endParaRPr>
-          </a:p>
-          <a:p>
-            <a:pPr lvl="1" marL="914400" indent="-418680">
+            <a:endParaRPr b="0" lang="en-US" sz="1800" spc="-1" strike="noStrike">
+              <a:solidFill>
+                <a:srgbClr val="000000"/>
+              </a:solidFill>
+              <a:uFill>
+                <a:solidFill>
+                  <a:srgbClr val="ffffff"/>
+                </a:solidFill>
+              </a:uFill>
+              <a:latin typeface="Arial"/>
+            </a:endParaRPr>
+          </a:p>
+          <a:p>
+            <a:pPr lvl="1" marL="914400" indent="-418320">
               <a:lnSpc>
                 <a:spcPct val="120000"/>
               </a:lnSpc>
@@ -4926,20 +4685,20 @@
               </a:rPr>
               <a:t>Fix for the app</a:t>
             </a:r>
-            <a:endParaRPr b="0" lang="en-US" sz="2000" spc="-1" strike="noStrike">
-              <a:solidFill>
-                <a:srgbClr val="000000"/>
-              </a:solidFill>
-              <a:uFill>
-                <a:solidFill>
-                  <a:srgbClr val="ffffff"/>
-                </a:solidFill>
-              </a:uFill>
-              <a:latin typeface="Calibri"/>
-            </a:endParaRPr>
-          </a:p>
-          <a:p>
-            <a:pPr lvl="1" marL="914400" indent="-418680">
+            <a:endParaRPr b="0" lang="en-US" sz="1800" spc="-1" strike="noStrike">
+              <a:solidFill>
+                <a:srgbClr val="000000"/>
+              </a:solidFill>
+              <a:uFill>
+                <a:solidFill>
+                  <a:srgbClr val="ffffff"/>
+                </a:solidFill>
+              </a:uFill>
+              <a:latin typeface="Arial"/>
+            </a:endParaRPr>
+          </a:p>
+          <a:p>
+            <a:pPr lvl="1" marL="914400" indent="-418320">
               <a:lnSpc>
                 <a:spcPct val="120000"/>
               </a:lnSpc>
@@ -4963,20 +4722,20 @@
               </a:rPr>
               <a:t>Demonstrate that the app has been repaired</a:t>
             </a:r>
-            <a:endParaRPr b="0" lang="en-US" sz="2000" spc="-1" strike="noStrike">
-              <a:solidFill>
-                <a:srgbClr val="000000"/>
-              </a:solidFill>
-              <a:uFill>
-                <a:solidFill>
-                  <a:srgbClr val="ffffff"/>
-                </a:solidFill>
-              </a:uFill>
-              <a:latin typeface="Calibri"/>
-            </a:endParaRPr>
-          </a:p>
-          <a:p>
-            <a:pPr marL="457200" indent="-418680">
+            <a:endParaRPr b="0" lang="en-US" sz="1800" spc="-1" strike="noStrike">
+              <a:solidFill>
+                <a:srgbClr val="000000"/>
+              </a:solidFill>
+              <a:uFill>
+                <a:solidFill>
+                  <a:srgbClr val="ffffff"/>
+                </a:solidFill>
+              </a:uFill>
+              <a:latin typeface="Arial"/>
+            </a:endParaRPr>
+          </a:p>
+          <a:p>
+            <a:pPr marL="457200" indent="-418320">
               <a:lnSpc>
                 <a:spcPct val="120000"/>
               </a:lnSpc>
@@ -5000,20 +4759,20 @@
               </a:rPr>
               <a:t>Components</a:t>
             </a:r>
-            <a:endParaRPr b="0" lang="en-US" sz="2800" spc="-1" strike="noStrike">
-              <a:solidFill>
-                <a:srgbClr val="000000"/>
-              </a:solidFill>
-              <a:uFill>
-                <a:solidFill>
-                  <a:srgbClr val="ffffff"/>
-                </a:solidFill>
-              </a:uFill>
-              <a:latin typeface="Calibri"/>
-            </a:endParaRPr>
-          </a:p>
-          <a:p>
-            <a:pPr lvl="1" marL="914400" indent="-418680">
+            <a:endParaRPr b="0" lang="en-US" sz="1800" spc="-1" strike="noStrike">
+              <a:solidFill>
+                <a:srgbClr val="000000"/>
+              </a:solidFill>
+              <a:uFill>
+                <a:solidFill>
+                  <a:srgbClr val="ffffff"/>
+                </a:solidFill>
+              </a:uFill>
+              <a:latin typeface="Arial"/>
+            </a:endParaRPr>
+          </a:p>
+          <a:p>
+            <a:pPr lvl="1" marL="914400" indent="-418320">
               <a:lnSpc>
                 <a:spcPct val="120000"/>
               </a:lnSpc>
@@ -5037,20 +4796,20 @@
               </a:rPr>
               <a:t>Activity</a:t>
             </a:r>
-            <a:endParaRPr b="0" lang="en-US" sz="2000" spc="-1" strike="noStrike">
-              <a:solidFill>
-                <a:srgbClr val="000000"/>
-              </a:solidFill>
-              <a:uFill>
-                <a:solidFill>
-                  <a:srgbClr val="ffffff"/>
-                </a:solidFill>
-              </a:uFill>
-              <a:latin typeface="Calibri"/>
-            </a:endParaRPr>
-          </a:p>
-          <a:p>
-            <a:pPr lvl="1" marL="914400" indent="-418680">
+            <a:endParaRPr b="0" lang="en-US" sz="1800" spc="-1" strike="noStrike">
+              <a:solidFill>
+                <a:srgbClr val="000000"/>
+              </a:solidFill>
+              <a:uFill>
+                <a:solidFill>
+                  <a:srgbClr val="ffffff"/>
+                </a:solidFill>
+              </a:uFill>
+              <a:latin typeface="Arial"/>
+            </a:endParaRPr>
+          </a:p>
+          <a:p>
+            <a:pPr lvl="1" marL="914400" indent="-418320">
               <a:lnSpc>
                 <a:spcPct val="120000"/>
               </a:lnSpc>
@@ -5074,20 +4833,20 @@
               </a:rPr>
               <a:t>Videos</a:t>
             </a:r>
-            <a:endParaRPr b="0" lang="en-US" sz="2000" spc="-1" strike="noStrike">
-              <a:solidFill>
-                <a:srgbClr val="000000"/>
-              </a:solidFill>
-              <a:uFill>
-                <a:solidFill>
-                  <a:srgbClr val="ffffff"/>
-                </a:solidFill>
-              </a:uFill>
-              <a:latin typeface="Calibri"/>
-            </a:endParaRPr>
-          </a:p>
-          <a:p>
-            <a:pPr lvl="1" marL="914400" indent="-418680">
+            <a:endParaRPr b="0" lang="en-US" sz="1800" spc="-1" strike="noStrike">
+              <a:solidFill>
+                <a:srgbClr val="000000"/>
+              </a:solidFill>
+              <a:uFill>
+                <a:solidFill>
+                  <a:srgbClr val="ffffff"/>
+                </a:solidFill>
+              </a:uFill>
+              <a:latin typeface="Arial"/>
+            </a:endParaRPr>
+          </a:p>
+          <a:p>
+            <a:pPr lvl="1" marL="914400" indent="-418320">
               <a:lnSpc>
                 <a:spcPct val="120000"/>
               </a:lnSpc>
@@ -5111,20 +4870,20 @@
               </a:rPr>
               <a:t>Lecture Slides</a:t>
             </a:r>
-            <a:endParaRPr b="0" lang="en-US" sz="2000" spc="-1" strike="noStrike">
-              <a:solidFill>
-                <a:srgbClr val="000000"/>
-              </a:solidFill>
-              <a:uFill>
-                <a:solidFill>
-                  <a:srgbClr val="ffffff"/>
-                </a:solidFill>
-              </a:uFill>
-              <a:latin typeface="Calibri"/>
-            </a:endParaRPr>
-          </a:p>
-          <a:p>
-            <a:pPr lvl="1" marL="914400" indent="-418680">
+            <a:endParaRPr b="0" lang="en-US" sz="1800" spc="-1" strike="noStrike">
+              <a:solidFill>
+                <a:srgbClr val="000000"/>
+              </a:solidFill>
+              <a:uFill>
+                <a:solidFill>
+                  <a:srgbClr val="ffffff"/>
+                </a:solidFill>
+              </a:uFill>
+              <a:latin typeface="Arial"/>
+            </a:endParaRPr>
+          </a:p>
+          <a:p>
+            <a:pPr lvl="1" marL="914400" indent="-418320">
               <a:lnSpc>
                 <a:spcPct val="120000"/>
               </a:lnSpc>
@@ -5162,32 +4921,42 @@
               </a:rPr>
               <a:t>Howto” Guide</a:t>
             </a:r>
-            <a:endParaRPr b="0" lang="en-US" sz="2000" spc="-1" strike="noStrike">
-              <a:solidFill>
-                <a:srgbClr val="000000"/>
-              </a:solidFill>
-              <a:uFill>
-                <a:solidFill>
-                  <a:srgbClr val="ffffff"/>
-                </a:solidFill>
-              </a:uFill>
-              <a:latin typeface="Calibri"/>
-            </a:endParaRPr>
-          </a:p>
-          <a:p>
-            <a:endParaRPr b="0" lang="en-US" sz="2800" spc="-1" strike="noStrike">
-              <a:solidFill>
-                <a:srgbClr val="000000"/>
-              </a:solidFill>
-              <a:uFill>
-                <a:solidFill>
-                  <a:srgbClr val="ffffff"/>
-                </a:solidFill>
-              </a:uFill>
-              <a:latin typeface="Calibri"/>
-            </a:endParaRPr>
-          </a:p>
-          <a:p>
+            <a:endParaRPr b="0" lang="en-US" sz="1800" spc="-1" strike="noStrike">
+              <a:solidFill>
+                <a:srgbClr val="000000"/>
+              </a:solidFill>
+              <a:uFill>
+                <a:solidFill>
+                  <a:srgbClr val="ffffff"/>
+                </a:solidFill>
+              </a:uFill>
+              <a:latin typeface="Arial"/>
+            </a:endParaRPr>
+          </a:p>
+          <a:p>
+            <a:pPr>
+              <a:lnSpc>
+                <a:spcPct val="120000"/>
+              </a:lnSpc>
+            </a:pPr>
+            <a:endParaRPr b="0" lang="en-US" sz="1800" spc="-1" strike="noStrike">
+              <a:solidFill>
+                <a:srgbClr val="000000"/>
+              </a:solidFill>
+              <a:uFill>
+                <a:solidFill>
+                  <a:srgbClr val="ffffff"/>
+                </a:solidFill>
+              </a:uFill>
+              <a:latin typeface="Arial"/>
+            </a:endParaRPr>
+          </a:p>
+          <a:p>
+            <a:pPr>
+              <a:lnSpc>
+                <a:spcPct val="120000"/>
+              </a:lnSpc>
+            </a:pPr>
             <a:r>
               <a:rPr b="0" lang="en-US" sz="2400" spc="-1" strike="noStrike">
                 <a:solidFill>
@@ -5202,16 +4971,16 @@
               </a:rPr>
               <a:t>Can do the activities on your own, or in a classroom</a:t>
             </a:r>
-            <a:endParaRPr b="0" lang="en-US" sz="2800" spc="-1" strike="noStrike">
-              <a:solidFill>
-                <a:srgbClr val="000000"/>
-              </a:solidFill>
-              <a:uFill>
-                <a:solidFill>
-                  <a:srgbClr val="ffffff"/>
-                </a:solidFill>
-              </a:uFill>
-              <a:latin typeface="Calibri"/>
+            <a:endParaRPr b="0" lang="en-US" sz="1800" spc="-1" strike="noStrike">
+              <a:solidFill>
+                <a:srgbClr val="000000"/>
+              </a:solidFill>
+              <a:uFill>
+                <a:solidFill>
+                  <a:srgbClr val="ffffff"/>
+                </a:solidFill>
+              </a:uFill>
+              <a:latin typeface="Arial"/>
             </a:endParaRPr>
           </a:p>
           <a:p>
@@ -5220,16 +4989,16 @@
                 <a:spcPct val="100000"/>
               </a:lnSpc>
             </a:pPr>
-            <a:endParaRPr b="0" lang="en-US" sz="2800" spc="-1" strike="noStrike">
-              <a:solidFill>
-                <a:srgbClr val="000000"/>
-              </a:solidFill>
-              <a:uFill>
-                <a:solidFill>
-                  <a:srgbClr val="ffffff"/>
-                </a:solidFill>
-              </a:uFill>
-              <a:latin typeface="Calibri"/>
+            <a:endParaRPr b="0" lang="en-US" sz="1800" spc="-1" strike="noStrike">
+              <a:solidFill>
+                <a:srgbClr val="000000"/>
+              </a:solidFill>
+              <a:uFill>
+                <a:solidFill>
+                  <a:srgbClr val="ffffff"/>
+                </a:solidFill>
+              </a:uFill>
+              <a:latin typeface="Arial"/>
             </a:endParaRPr>
           </a:p>
         </p:txBody>
@@ -5285,14 +5054,14 @@
       </p:grpSpPr>
       <p:sp>
         <p:nvSpPr>
-          <p:cNvPr id="86" name="TextShape 1"/>
-          <p:cNvSpPr txBox="1"/>
+          <p:cNvPr id="83" name="CustomShape 1"/>
+          <p:cNvSpPr/>
           <p:nvPr/>
         </p:nvSpPr>
         <p:spPr>
           <a:xfrm>
             <a:off x="838080" y="365040"/>
-            <a:ext cx="10515240" cy="1325160"/>
+            <a:ext cx="10514880" cy="1324800"/>
           </a:xfrm>
           <a:prstGeom prst="rect">
             <a:avLst/>
@@ -5302,8 +5071,14 @@
             <a:noFill/>
           </a:ln>
         </p:spPr>
-        <p:txBody>
-          <a:bodyPr anchor="ctr"/>
+        <p:style>
+          <a:lnRef idx="0"/>
+          <a:fillRef idx="0"/>
+          <a:effectRef idx="0"/>
+          <a:fontRef idx="minor"/>
+        </p:style>
+        <p:txBody>
+          <a:bodyPr lIns="90000" rIns="90000" tIns="45000" bIns="45000" anchor="ctr"/>
           <a:p>
             <a:pPr>
               <a:lnSpc>
@@ -5333,21 +5108,21 @@
                   <a:srgbClr val="ffffff"/>
                 </a:solidFill>
               </a:uFill>
-              <a:latin typeface="Calibri"/>
-            </a:endParaRPr>
-          </a:p>
-        </p:txBody>
-      </p:sp>
-      <p:sp>
-        <p:nvSpPr>
-          <p:cNvPr id="87" name="TextShape 2"/>
-          <p:cNvSpPr txBox="1"/>
+              <a:latin typeface="Arial"/>
+            </a:endParaRPr>
+          </a:p>
+        </p:txBody>
+      </p:sp>
+      <p:sp>
+        <p:nvSpPr>
+          <p:cNvPr id="84" name="CustomShape 2"/>
+          <p:cNvSpPr/>
           <p:nvPr/>
         </p:nvSpPr>
         <p:spPr>
           <a:xfrm>
             <a:off x="838080" y="1825560"/>
-            <a:ext cx="10515240" cy="4861440"/>
+            <a:ext cx="10514880" cy="4861080"/>
           </a:xfrm>
           <a:prstGeom prst="rect">
             <a:avLst/>
@@ -5357,10 +5132,16 @@
             <a:noFill/>
           </a:ln>
         </p:spPr>
-        <p:txBody>
-          <a:bodyPr/>
-          <a:p>
-            <a:pPr marL="457200" indent="-418680">
+        <p:style>
+          <a:lnRef idx="0"/>
+          <a:fillRef idx="0"/>
+          <a:effectRef idx="0"/>
+          <a:fontRef idx="minor"/>
+        </p:style>
+        <p:txBody>
+          <a:bodyPr lIns="90000" rIns="90000" tIns="45000" bIns="45000"/>
+          <a:p>
+            <a:pPr marL="457200" indent="-418320">
               <a:lnSpc>
                 <a:spcPct val="120000"/>
               </a:lnSpc>
@@ -5384,20 +5165,20 @@
               </a:rPr>
               <a:t>Beginner</a:t>
             </a:r>
-            <a:endParaRPr b="0" lang="en-US" sz="2800" spc="-1" strike="noStrike">
-              <a:solidFill>
-                <a:srgbClr val="000000"/>
-              </a:solidFill>
-              <a:uFill>
-                <a:solidFill>
-                  <a:srgbClr val="ffffff"/>
-                </a:solidFill>
-              </a:uFill>
-              <a:latin typeface="Calibri"/>
-            </a:endParaRPr>
-          </a:p>
-          <a:p>
-            <a:pPr lvl="1" marL="914400" indent="-418680">
+            <a:endParaRPr b="0" lang="en-US" sz="1800" spc="-1" strike="noStrike">
+              <a:solidFill>
+                <a:srgbClr val="000000"/>
+              </a:solidFill>
+              <a:uFill>
+                <a:solidFill>
+                  <a:srgbClr val="ffffff"/>
+                </a:solidFill>
+              </a:uFill>
+              <a:latin typeface="Arial"/>
+            </a:endParaRPr>
+          </a:p>
+          <a:p>
+            <a:pPr lvl="1" marL="914400" indent="-418320">
               <a:lnSpc>
                 <a:spcPct val="120000"/>
               </a:lnSpc>
@@ -5421,20 +5202,20 @@
               </a:rPr>
               <a:t>Just learning about security/programming</a:t>
             </a:r>
-            <a:endParaRPr b="0" lang="en-US" sz="2000" spc="-1" strike="noStrike">
-              <a:solidFill>
-                <a:srgbClr val="000000"/>
-              </a:solidFill>
-              <a:uFill>
-                <a:solidFill>
-                  <a:srgbClr val="ffffff"/>
-                </a:solidFill>
-              </a:uFill>
-              <a:latin typeface="Calibri"/>
-            </a:endParaRPr>
-          </a:p>
-          <a:p>
-            <a:pPr marL="457200" indent="-418680">
+            <a:endParaRPr b="0" lang="en-US" sz="1800" spc="-1" strike="noStrike">
+              <a:solidFill>
+                <a:srgbClr val="000000"/>
+              </a:solidFill>
+              <a:uFill>
+                <a:solidFill>
+                  <a:srgbClr val="ffffff"/>
+                </a:solidFill>
+              </a:uFill>
+              <a:latin typeface="Arial"/>
+            </a:endParaRPr>
+          </a:p>
+          <a:p>
+            <a:pPr marL="457200" indent="-418320">
               <a:lnSpc>
                 <a:spcPct val="120000"/>
               </a:lnSpc>
@@ -5458,20 +5239,20 @@
               </a:rPr>
               <a:t>Medium</a:t>
             </a:r>
-            <a:endParaRPr b="0" lang="en-US" sz="2800" spc="-1" strike="noStrike">
-              <a:solidFill>
-                <a:srgbClr val="000000"/>
-              </a:solidFill>
-              <a:uFill>
-                <a:solidFill>
-                  <a:srgbClr val="ffffff"/>
-                </a:solidFill>
-              </a:uFill>
-              <a:latin typeface="Calibri"/>
-            </a:endParaRPr>
-          </a:p>
-          <a:p>
-            <a:pPr lvl="1" marL="914400" indent="-418680">
+            <a:endParaRPr b="0" lang="en-US" sz="1800" spc="-1" strike="noStrike">
+              <a:solidFill>
+                <a:srgbClr val="000000"/>
+              </a:solidFill>
+              <a:uFill>
+                <a:solidFill>
+                  <a:srgbClr val="ffffff"/>
+                </a:solidFill>
+              </a:uFill>
+              <a:latin typeface="Arial"/>
+            </a:endParaRPr>
+          </a:p>
+          <a:p>
+            <a:pPr lvl="1" marL="914400" indent="-418320">
               <a:lnSpc>
                 <a:spcPct val="120000"/>
               </a:lnSpc>
@@ -5495,20 +5276,20 @@
               </a:rPr>
               <a:t>Some experience with security/programming</a:t>
             </a:r>
-            <a:endParaRPr b="0" lang="en-US" sz="2000" spc="-1" strike="noStrike">
-              <a:solidFill>
-                <a:srgbClr val="000000"/>
-              </a:solidFill>
-              <a:uFill>
-                <a:solidFill>
-                  <a:srgbClr val="ffffff"/>
-                </a:solidFill>
-              </a:uFill>
-              <a:latin typeface="Calibri"/>
-            </a:endParaRPr>
-          </a:p>
-          <a:p>
-            <a:pPr marL="457200" indent="-418680">
+            <a:endParaRPr b="0" lang="en-US" sz="1800" spc="-1" strike="noStrike">
+              <a:solidFill>
+                <a:srgbClr val="000000"/>
+              </a:solidFill>
+              <a:uFill>
+                <a:solidFill>
+                  <a:srgbClr val="ffffff"/>
+                </a:solidFill>
+              </a:uFill>
+              <a:latin typeface="Arial"/>
+            </a:endParaRPr>
+          </a:p>
+          <a:p>
+            <a:pPr marL="457200" indent="-418320">
               <a:lnSpc>
                 <a:spcPct val="120000"/>
               </a:lnSpc>
@@ -5532,20 +5313,20 @@
               </a:rPr>
               <a:t>Advanced</a:t>
             </a:r>
-            <a:endParaRPr b="0" lang="en-US" sz="2800" spc="-1" strike="noStrike">
-              <a:solidFill>
-                <a:srgbClr val="000000"/>
-              </a:solidFill>
-              <a:uFill>
-                <a:solidFill>
-                  <a:srgbClr val="ffffff"/>
-                </a:solidFill>
-              </a:uFill>
-              <a:latin typeface="Calibri"/>
-            </a:endParaRPr>
-          </a:p>
-          <a:p>
-            <a:pPr lvl="1" marL="914400" indent="-418680">
+            <a:endParaRPr b="0" lang="en-US" sz="1800" spc="-1" strike="noStrike">
+              <a:solidFill>
+                <a:srgbClr val="000000"/>
+              </a:solidFill>
+              <a:uFill>
+                <a:solidFill>
+                  <a:srgbClr val="ffffff"/>
+                </a:solidFill>
+              </a:uFill>
+              <a:latin typeface="Arial"/>
+            </a:endParaRPr>
+          </a:p>
+          <a:p>
+            <a:pPr lvl="1" marL="914400" indent="-418320">
               <a:lnSpc>
                 <a:spcPct val="120000"/>
               </a:lnSpc>
@@ -5569,20 +5350,20 @@
               </a:rPr>
               <a:t>Have been developing Android apps ~6+ months</a:t>
             </a:r>
-            <a:endParaRPr b="0" lang="en-US" sz="2000" spc="-1" strike="noStrike">
-              <a:solidFill>
-                <a:srgbClr val="000000"/>
-              </a:solidFill>
-              <a:uFill>
-                <a:solidFill>
-                  <a:srgbClr val="ffffff"/>
-                </a:solidFill>
-              </a:uFill>
-              <a:latin typeface="Calibri"/>
-            </a:endParaRPr>
-          </a:p>
-          <a:p>
-            <a:pPr lvl="2" marL="1371600" indent="-418680">
+            <a:endParaRPr b="0" lang="en-US" sz="1800" spc="-1" strike="noStrike">
+              <a:solidFill>
+                <a:srgbClr val="000000"/>
+              </a:solidFill>
+              <a:uFill>
+                <a:solidFill>
+                  <a:srgbClr val="ffffff"/>
+                </a:solidFill>
+              </a:uFill>
+              <a:latin typeface="Arial"/>
+            </a:endParaRPr>
+          </a:p>
+          <a:p>
+            <a:pPr lvl="2" marL="1371600" indent="-418320">
               <a:lnSpc>
                 <a:spcPct val="120000"/>
               </a:lnSpc>
@@ -5615,7 +5396,7 @@
                   <a:srgbClr val="ffffff"/>
                 </a:solidFill>
               </a:uFill>
-              <a:latin typeface="Calibri"/>
+              <a:latin typeface="Arial"/>
             </a:endParaRPr>
           </a:p>
           <a:p>
@@ -5624,16 +5405,16 @@
                 <a:spcPct val="100000"/>
               </a:lnSpc>
             </a:pPr>
-            <a:endParaRPr b="0" lang="en-US" sz="2800" spc="-1" strike="noStrike">
-              <a:solidFill>
-                <a:srgbClr val="000000"/>
-              </a:solidFill>
-              <a:uFill>
-                <a:solidFill>
-                  <a:srgbClr val="ffffff"/>
-                </a:solidFill>
-              </a:uFill>
-              <a:latin typeface="Calibri"/>
+            <a:endParaRPr b="0" lang="en-US" sz="1800" spc="-1" strike="noStrike">
+              <a:solidFill>
+                <a:srgbClr val="000000"/>
+              </a:solidFill>
+              <a:uFill>
+                <a:solidFill>
+                  <a:srgbClr val="ffffff"/>
+                </a:solidFill>
+              </a:uFill>
+              <a:latin typeface="Arial"/>
             </a:endParaRPr>
           </a:p>
         </p:txBody>
@@ -5689,14 +5470,14 @@
       </p:grpSpPr>
       <p:sp>
         <p:nvSpPr>
-          <p:cNvPr id="88" name="TextShape 1"/>
-          <p:cNvSpPr txBox="1"/>
+          <p:cNvPr id="85" name="CustomShape 1"/>
+          <p:cNvSpPr/>
           <p:nvPr/>
         </p:nvSpPr>
         <p:spPr>
           <a:xfrm>
             <a:off x="838080" y="365040"/>
-            <a:ext cx="10515240" cy="1325160"/>
+            <a:ext cx="10514880" cy="1324800"/>
           </a:xfrm>
           <a:prstGeom prst="rect">
             <a:avLst/>
@@ -5706,8 +5487,14 @@
             <a:noFill/>
           </a:ln>
         </p:spPr>
-        <p:txBody>
-          <a:bodyPr anchor="ctr"/>
+        <p:style>
+          <a:lnRef idx="0"/>
+          <a:fillRef idx="0"/>
+          <a:effectRef idx="0"/>
+          <a:fontRef idx="minor"/>
+        </p:style>
+        <p:txBody>
+          <a:bodyPr lIns="90000" rIns="90000" tIns="45000" bIns="45000" anchor="ctr"/>
           <a:p>
             <a:pPr>
               <a:lnSpc>
@@ -5737,14 +5524,14 @@
                   <a:srgbClr val="ffffff"/>
                 </a:solidFill>
               </a:uFill>
-              <a:latin typeface="Calibri"/>
+              <a:latin typeface="Arial"/>
             </a:endParaRPr>
           </a:p>
         </p:txBody>
       </p:sp>
       <p:pic>
         <p:nvPicPr>
-          <p:cNvPr id="89" name="Picture 3" descr=""/>
+          <p:cNvPr id="86" name="Picture 3" descr=""/>
           <p:cNvPicPr/>
           <p:nvPr/>
         </p:nvPicPr>
@@ -5755,7 +5542,7 @@
         <p:spPr>
           <a:xfrm>
             <a:off x="478800" y="1429920"/>
-            <a:ext cx="10582560" cy="4718520"/>
+            <a:ext cx="10582200" cy="4718160"/>
           </a:xfrm>
           <a:prstGeom prst="rect">
             <a:avLst/>
@@ -5816,14 +5603,14 @@
       </p:grpSpPr>
       <p:sp>
         <p:nvSpPr>
-          <p:cNvPr id="90" name="TextShape 1"/>
-          <p:cNvSpPr txBox="1"/>
+          <p:cNvPr id="87" name="CustomShape 1"/>
+          <p:cNvSpPr/>
           <p:nvPr/>
         </p:nvSpPr>
         <p:spPr>
           <a:xfrm>
             <a:off x="838080" y="365040"/>
-            <a:ext cx="10515240" cy="1325160"/>
+            <a:ext cx="10514880" cy="1324800"/>
           </a:xfrm>
           <a:prstGeom prst="rect">
             <a:avLst/>
@@ -5833,8 +5620,14 @@
             <a:noFill/>
           </a:ln>
         </p:spPr>
-        <p:txBody>
-          <a:bodyPr anchor="ctr"/>
+        <p:style>
+          <a:lnRef idx="0"/>
+          <a:fillRef idx="0"/>
+          <a:effectRef idx="0"/>
+          <a:fontRef idx="minor"/>
+        </p:style>
+        <p:txBody>
+          <a:bodyPr lIns="90000" rIns="90000" tIns="45000" bIns="45000" anchor="ctr"/>
           <a:p>
             <a:pPr>
               <a:lnSpc>
@@ -5864,21 +5657,21 @@
                   <a:srgbClr val="ffffff"/>
                 </a:solidFill>
               </a:uFill>
-              <a:latin typeface="Calibri"/>
-            </a:endParaRPr>
-          </a:p>
-        </p:txBody>
-      </p:sp>
-      <p:sp>
-        <p:nvSpPr>
-          <p:cNvPr id="91" name="TextShape 2"/>
-          <p:cNvSpPr txBox="1"/>
+              <a:latin typeface="Arial"/>
+            </a:endParaRPr>
+          </a:p>
+        </p:txBody>
+      </p:sp>
+      <p:sp>
+        <p:nvSpPr>
+          <p:cNvPr id="88" name="CustomShape 2"/>
+          <p:cNvSpPr/>
           <p:nvPr/>
         </p:nvSpPr>
         <p:spPr>
           <a:xfrm>
             <a:off x="838080" y="1825560"/>
-            <a:ext cx="10515240" cy="4861440"/>
+            <a:ext cx="10514880" cy="4861080"/>
           </a:xfrm>
           <a:prstGeom prst="rect">
             <a:avLst/>
@@ -5888,10 +5681,16 @@
             <a:noFill/>
           </a:ln>
         </p:spPr>
-        <p:txBody>
-          <a:bodyPr/>
-          <a:p>
-            <a:pPr marL="457200" indent="-418680">
+        <p:style>
+          <a:lnRef idx="0"/>
+          <a:fillRef idx="0"/>
+          <a:effectRef idx="0"/>
+          <a:fontRef idx="minor"/>
+        </p:style>
+        <p:txBody>
+          <a:bodyPr lIns="90000" rIns="90000" tIns="45000" bIns="45000"/>
+          <a:p>
+            <a:pPr marL="457200" indent="-418320">
               <a:lnSpc>
                 <a:spcPct val="120000"/>
               </a:lnSpc>
@@ -5904,7 +5703,7 @@
             <a:r>
               <a:rPr b="0" lang="en-US" sz="2800" spc="-1" strike="noStrike" u="sng">
                 <a:solidFill>
-                  <a:srgbClr val="0563c1"/>
+                  <a:srgbClr val="0000ff"/>
                 </a:solidFill>
                 <a:uFill>
                   <a:solidFill>
@@ -5930,16 +5729,16 @@
               </a:rPr>
               <a:t> </a:t>
             </a:r>
-            <a:endParaRPr b="0" lang="en-US" sz="2800" spc="-1" strike="noStrike">
-              <a:solidFill>
-                <a:srgbClr val="000000"/>
-              </a:solidFill>
-              <a:uFill>
-                <a:solidFill>
-                  <a:srgbClr val="ffffff"/>
-                </a:solidFill>
-              </a:uFill>
-              <a:latin typeface="Calibri"/>
+            <a:endParaRPr b="0" lang="en-US" sz="1800" spc="-1" strike="noStrike">
+              <a:solidFill>
+                <a:srgbClr val="000000"/>
+              </a:solidFill>
+              <a:uFill>
+                <a:solidFill>
+                  <a:srgbClr val="ffffff"/>
+                </a:solidFill>
+              </a:uFill>
+              <a:latin typeface="Arial"/>
             </a:endParaRPr>
           </a:p>
           <a:p>
@@ -5948,16 +5747,16 @@
                 <a:spcPct val="100000"/>
               </a:lnSpc>
             </a:pPr>
-            <a:endParaRPr b="0" lang="en-US" sz="2800" spc="-1" strike="noStrike">
-              <a:solidFill>
-                <a:srgbClr val="000000"/>
-              </a:solidFill>
-              <a:uFill>
-                <a:solidFill>
-                  <a:srgbClr val="ffffff"/>
-                </a:solidFill>
-              </a:uFill>
-              <a:latin typeface="Calibri"/>
+            <a:endParaRPr b="0" lang="en-US" sz="1800" spc="-1" strike="noStrike">
+              <a:solidFill>
+                <a:srgbClr val="000000"/>
+              </a:solidFill>
+              <a:uFill>
+                <a:solidFill>
+                  <a:srgbClr val="ffffff"/>
+                </a:solidFill>
+              </a:uFill>
+              <a:latin typeface="Arial"/>
             </a:endParaRPr>
           </a:p>
         </p:txBody>
@@ -5991,6 +5790,205 @@
       </p:par>
     </p:tnLst>
   </p:timing>
+</p:sld>
+</file>
+
+<file path=ppt/slides/slide8.xml><?xml version="1.0" encoding="utf-8"?>
+<p:sld xmlns:a="http://schemas.openxmlformats.org/drawingml/2006/main" xmlns:p="http://schemas.openxmlformats.org/presentationml/2006/main" xmlns:r="http://schemas.openxmlformats.org/officeDocument/2006/relationships" xmlns:p14="http://schemas.microsoft.com/office/powerpoint/2010/main" xmlns:p15="http://schemas.microsoft.com/office/powerpoint/2012/main" xmlns:mc="http://schemas.openxmlformats.org/markup-compatibility/2006">
+  <p:cSld>
+    <p:spTree>
+      <p:nvGrpSpPr>
+        <p:cNvPr id="1" name=""/>
+        <p:cNvGrpSpPr/>
+        <p:nvPr/>
+      </p:nvGrpSpPr>
+      <p:grpSpPr>
+        <a:xfrm>
+          <a:off x="0" y="0"/>
+          <a:ext cx="0" cy="0"/>
+          <a:chOff x="0" y="0"/>
+          <a:chExt cx="0" cy="0"/>
+        </a:xfrm>
+      </p:grpSpPr>
+      <p:sp>
+        <p:nvSpPr>
+          <p:cNvPr id="89" name="CustomShape 1"/>
+          <p:cNvSpPr/>
+          <p:nvPr/>
+        </p:nvSpPr>
+        <p:spPr>
+          <a:xfrm>
+            <a:off x="838080" y="365040"/>
+            <a:ext cx="10514880" cy="1324800"/>
+          </a:xfrm>
+          <a:prstGeom prst="rect">
+            <a:avLst/>
+          </a:prstGeom>
+          <a:noFill/>
+          <a:ln>
+            <a:noFill/>
+          </a:ln>
+        </p:spPr>
+        <p:style>
+          <a:lnRef idx="0"/>
+          <a:fillRef idx="0"/>
+          <a:effectRef idx="0"/>
+          <a:fontRef idx="minor"/>
+        </p:style>
+        <p:txBody>
+          <a:bodyPr lIns="90000" rIns="90000" tIns="45000" bIns="45000" anchor="ctr"/>
+          <a:p>
+            <a:pPr>
+              <a:lnSpc>
+                <a:spcPct val="100000"/>
+              </a:lnSpc>
+            </a:pPr>
+            <a:r>
+              <a:rPr b="0" lang="en-US" sz="4400" spc="-1" strike="noStrike">
+                <a:solidFill>
+                  <a:srgbClr val="000000"/>
+                </a:solidFill>
+                <a:uFill>
+                  <a:solidFill>
+                    <a:srgbClr val="ffffff"/>
+                  </a:solidFill>
+                </a:uFill>
+                <a:latin typeface="Cambria"/>
+              </a:rPr>
+              <a:t>Starting Android Studio</a:t>
+            </a:r>
+            <a:endParaRPr b="0" lang="en-US" sz="1800" spc="-1" strike="noStrike">
+              <a:solidFill>
+                <a:srgbClr val="000000"/>
+              </a:solidFill>
+              <a:uFill>
+                <a:solidFill>
+                  <a:srgbClr val="ffffff"/>
+                </a:solidFill>
+              </a:uFill>
+              <a:latin typeface="Arial"/>
+            </a:endParaRPr>
+          </a:p>
+        </p:txBody>
+      </p:sp>
+      <p:sp>
+        <p:nvSpPr>
+          <p:cNvPr id="90" name="CustomShape 2"/>
+          <p:cNvSpPr/>
+          <p:nvPr/>
+        </p:nvSpPr>
+        <p:spPr>
+          <a:xfrm>
+            <a:off x="838080" y="1825560"/>
+            <a:ext cx="10514880" cy="4861080"/>
+          </a:xfrm>
+          <a:prstGeom prst="rect">
+            <a:avLst/>
+          </a:prstGeom>
+          <a:noFill/>
+          <a:ln>
+            <a:noFill/>
+          </a:ln>
+        </p:spPr>
+        <p:style>
+          <a:lnRef idx="0"/>
+          <a:fillRef idx="0"/>
+          <a:effectRef idx="0"/>
+          <a:fontRef idx="minor"/>
+        </p:style>
+        <p:txBody>
+          <a:bodyPr lIns="90000" rIns="90000" tIns="45000" bIns="45000"/>
+          <a:p>
+            <a:pPr marL="457200" indent="-418320">
+              <a:lnSpc>
+                <a:spcPct val="120000"/>
+              </a:lnSpc>
+              <a:buClr>
+                <a:srgbClr val="000000"/>
+              </a:buClr>
+              <a:buFont typeface="Arial"/>
+              <a:buChar char="●"/>
+            </a:pPr>
+            <a:r>
+              <a:rPr b="0" lang="en-US" sz="2800" spc="-1" strike="noStrike">
+                <a:solidFill>
+                  <a:srgbClr val="000000"/>
+                </a:solidFill>
+                <a:uFill>
+                  <a:solidFill>
+                    <a:srgbClr val="ffffff"/>
+                  </a:solidFill>
+                </a:uFill>
+                <a:latin typeface="Cambria"/>
+                <a:hlinkClick r:id="rId1"/>
+              </a:rPr>
+              <a:t>https://developer.android.com/training/basics/firstapp/running-app</a:t>
+            </a:r>
+            <a:endParaRPr b="0" lang="en-US" sz="1800" spc="-1" strike="noStrike">
+              <a:solidFill>
+                <a:srgbClr val="000000"/>
+              </a:solidFill>
+              <a:uFill>
+                <a:solidFill>
+                  <a:srgbClr val="ffffff"/>
+                </a:solidFill>
+              </a:uFill>
+              <a:latin typeface="Arial"/>
+            </a:endParaRPr>
+          </a:p>
+        </p:txBody>
+      </p:sp>
+    </p:spTree>
+  </p:cSld>
+  <p:timing>
+    <p:tnLst>
+      <p:par>
+        <p:cTn id="15" dur="indefinite" restart="never" nodeType="tmRoot">
+          <p:childTnLst>
+            <p:seq>
+              <p:cTn id="16" nodeType="mainSeq"/>
+              <p:prevCondLst>
+                <p:cond delay="0" evt="onPrev">
+                  <p:tgtEl>
+                    <p:sldTgt/>
+                  </p:tgtEl>
+                </p:cond>
+              </p:prevCondLst>
+              <p:nextCondLst>
+                <p:cond delay="0" evt="onNext">
+                  <p:tgtEl>
+                    <p:sldTgt/>
+                  </p:tgtEl>
+                </p:cond>
+              </p:nextCondLst>
+            </p:seq>
+          </p:childTnLst>
+        </p:cTn>
+      </p:par>
+    </p:tnLst>
+  </p:timing>
+</p:sld>
+</file>
+
+<file path=ppt/slides/slide9.xml><?xml version="1.0" encoding="utf-8"?>
+<p:sld xmlns:a="http://schemas.openxmlformats.org/drawingml/2006/main" xmlns:p="http://schemas.openxmlformats.org/presentationml/2006/main" xmlns:r="http://schemas.openxmlformats.org/officeDocument/2006/relationships" xmlns:p14="http://schemas.microsoft.com/office/powerpoint/2010/main" xmlns:p15="http://schemas.microsoft.com/office/powerpoint/2012/main" xmlns:mc="http://schemas.openxmlformats.org/markup-compatibility/2006">
+  <p:cSld>
+    <p:spTree>
+      <p:nvGrpSpPr>
+        <p:cNvPr id="1" name=""/>
+        <p:cNvGrpSpPr/>
+        <p:nvPr/>
+      </p:nvGrpSpPr>
+      <p:grpSpPr>
+        <a:xfrm>
+          <a:off x="0" y="0"/>
+          <a:ext cx="0" cy="0"/>
+          <a:chOff x="0" y="0"/>
+          <a:chExt cx="0" cy="0"/>
+        </a:xfrm>
+      </p:grpSpPr>
+    </p:spTree>
+  </p:cSld>
 </p:sld>
 </file>
 
